--- a/pitch_deck/presentations/pres_templates/simple.pptx
+++ b/pitch_deck/presentations/pres_templates/simple.pptx
@@ -1,31 +1,131 @@
 
 <file path=ppt/presentation.xml><?xml version="1.0" encoding="utf-8"?>
-<p:presentation xmlns:a="http://schemas.openxmlformats.org/drawingml/2006/main" xmlns:p="http://schemas.openxmlformats.org/presentationml/2006/main" xmlns:r="http://schemas.openxmlformats.org/officeDocument/2006/relationships" xmlns:p14="http://schemas.microsoft.com/office/powerpoint/2010/main" xmlns:p15="http://schemas.microsoft.com/office/powerpoint/2012/main" xmlns:mc="http://schemas.openxmlformats.org/markup-compatibility/2006">
+<p:presentation xmlns:a="http://schemas.openxmlformats.org/drawingml/2006/main" xmlns:r="http://schemas.openxmlformats.org/officeDocument/2006/relationships" xmlns:p="http://schemas.openxmlformats.org/presentationml/2006/main">
   <p:sldMasterIdLst>
-    <p:sldMasterId id="2147483648" r:id="rId2"/>
-    <p:sldMasterId id="2147483661" r:id="rId3"/>
+    <p:sldMasterId id="2147483648" r:id="rId1"/>
+    <p:sldMasterId id="2147483661" r:id="rId2"/>
   </p:sldMasterIdLst>
   <p:sldIdLst>
-    <p:sldId id="256" r:id="rId4"/>
-    <p:sldId id="257" r:id="rId5"/>
-    <p:sldId id="258" r:id="rId6"/>
-    <p:sldId id="259" r:id="rId7"/>
-    <p:sldId id="260" r:id="rId8"/>
-    <p:sldId id="261" r:id="rId9"/>
-    <p:sldId id="262" r:id="rId10"/>
-    <p:sldId id="263" r:id="rId11"/>
-    <p:sldId id="264" r:id="rId12"/>
-    <p:sldId id="265" r:id="rId13"/>
-    <p:sldId id="266" r:id="rId14"/>
-    <p:sldId id="267" r:id="rId15"/>
+    <p:sldId id="256" r:id="rId3"/>
+    <p:sldId id="257" r:id="rId4"/>
+    <p:sldId id="258" r:id="rId5"/>
+    <p:sldId id="259" r:id="rId6"/>
+    <p:sldId id="260" r:id="rId7"/>
+    <p:sldId id="261" r:id="rId8"/>
+    <p:sldId id="262" r:id="rId9"/>
+    <p:sldId id="263" r:id="rId10"/>
+    <p:sldId id="264" r:id="rId11"/>
+    <p:sldId id="265" r:id="rId12"/>
+    <p:sldId id="266" r:id="rId13"/>
+    <p:sldId id="267" r:id="rId14"/>
   </p:sldIdLst>
-  <p:sldSz cx="9144000" cy="5143500"/>
+  <p:sldSz cx="9144000" cy="5143500" type="screen16x9"/>
   <p:notesSz cx="7772400" cy="10058400"/>
+  <p:defaultTextStyle>
+    <a:defPPr>
+      <a:defRPr lang="ru-RU"/>
+    </a:defPPr>
+    <a:lvl1pPr marL="0" algn="l" defTabSz="914400" rtl="0" eaLnBrk="1" latinLnBrk="0" hangingPunct="1">
+      <a:defRPr sz="1800" kern="1200">
+        <a:solidFill>
+          <a:schemeClr val="tx1"/>
+        </a:solidFill>
+        <a:latin typeface="+mn-lt"/>
+        <a:ea typeface="+mn-ea"/>
+        <a:cs typeface="+mn-cs"/>
+      </a:defRPr>
+    </a:lvl1pPr>
+    <a:lvl2pPr marL="457200" algn="l" defTabSz="914400" rtl="0" eaLnBrk="1" latinLnBrk="0" hangingPunct="1">
+      <a:defRPr sz="1800" kern="1200">
+        <a:solidFill>
+          <a:schemeClr val="tx1"/>
+        </a:solidFill>
+        <a:latin typeface="+mn-lt"/>
+        <a:ea typeface="+mn-ea"/>
+        <a:cs typeface="+mn-cs"/>
+      </a:defRPr>
+    </a:lvl2pPr>
+    <a:lvl3pPr marL="914400" algn="l" defTabSz="914400" rtl="0" eaLnBrk="1" latinLnBrk="0" hangingPunct="1">
+      <a:defRPr sz="1800" kern="1200">
+        <a:solidFill>
+          <a:schemeClr val="tx1"/>
+        </a:solidFill>
+        <a:latin typeface="+mn-lt"/>
+        <a:ea typeface="+mn-ea"/>
+        <a:cs typeface="+mn-cs"/>
+      </a:defRPr>
+    </a:lvl3pPr>
+    <a:lvl4pPr marL="1371600" algn="l" defTabSz="914400" rtl="0" eaLnBrk="1" latinLnBrk="0" hangingPunct="1">
+      <a:defRPr sz="1800" kern="1200">
+        <a:solidFill>
+          <a:schemeClr val="tx1"/>
+        </a:solidFill>
+        <a:latin typeface="+mn-lt"/>
+        <a:ea typeface="+mn-ea"/>
+        <a:cs typeface="+mn-cs"/>
+      </a:defRPr>
+    </a:lvl4pPr>
+    <a:lvl5pPr marL="1828800" algn="l" defTabSz="914400" rtl="0" eaLnBrk="1" latinLnBrk="0" hangingPunct="1">
+      <a:defRPr sz="1800" kern="1200">
+        <a:solidFill>
+          <a:schemeClr val="tx1"/>
+        </a:solidFill>
+        <a:latin typeface="+mn-lt"/>
+        <a:ea typeface="+mn-ea"/>
+        <a:cs typeface="+mn-cs"/>
+      </a:defRPr>
+    </a:lvl5pPr>
+    <a:lvl6pPr marL="2286000" algn="l" defTabSz="914400" rtl="0" eaLnBrk="1" latinLnBrk="0" hangingPunct="1">
+      <a:defRPr sz="1800" kern="1200">
+        <a:solidFill>
+          <a:schemeClr val="tx1"/>
+        </a:solidFill>
+        <a:latin typeface="+mn-lt"/>
+        <a:ea typeface="+mn-ea"/>
+        <a:cs typeface="+mn-cs"/>
+      </a:defRPr>
+    </a:lvl6pPr>
+    <a:lvl7pPr marL="2743200" algn="l" defTabSz="914400" rtl="0" eaLnBrk="1" latinLnBrk="0" hangingPunct="1">
+      <a:defRPr sz="1800" kern="1200">
+        <a:solidFill>
+          <a:schemeClr val="tx1"/>
+        </a:solidFill>
+        <a:latin typeface="+mn-lt"/>
+        <a:ea typeface="+mn-ea"/>
+        <a:cs typeface="+mn-cs"/>
+      </a:defRPr>
+    </a:lvl7pPr>
+    <a:lvl8pPr marL="3200400" algn="l" defTabSz="914400" rtl="0" eaLnBrk="1" latinLnBrk="0" hangingPunct="1">
+      <a:defRPr sz="1800" kern="1200">
+        <a:solidFill>
+          <a:schemeClr val="tx1"/>
+        </a:solidFill>
+        <a:latin typeface="+mn-lt"/>
+        <a:ea typeface="+mn-ea"/>
+        <a:cs typeface="+mn-cs"/>
+      </a:defRPr>
+    </a:lvl8pPr>
+    <a:lvl9pPr marL="3657600" algn="l" defTabSz="914400" rtl="0" eaLnBrk="1" latinLnBrk="0" hangingPunct="1">
+      <a:defRPr sz="1800" kern="1200">
+        <a:solidFill>
+          <a:schemeClr val="tx1"/>
+        </a:solidFill>
+        <a:latin typeface="+mn-lt"/>
+        <a:ea typeface="+mn-ea"/>
+        <a:cs typeface="+mn-cs"/>
+      </a:defRPr>
+    </a:lvl9pPr>
+  </p:defaultTextStyle>
+  <p:extLst>
+    <p:ext uri="{EFAFB233-063F-42B5-8137-9DF3F51BA10A}">
+      <p15:sldGuideLst xmlns:p15="http://schemas.microsoft.com/office/powerpoint/2012/main"/>
+    </p:ext>
+  </p:extLst>
 </p:presentation>
 </file>
 
 <file path=ppt/slideLayouts/slideLayout1.xml><?xml version="1.0" encoding="utf-8"?>
-<p:sldLayout xmlns:a="http://schemas.openxmlformats.org/drawingml/2006/main" xmlns:p="http://schemas.openxmlformats.org/presentationml/2006/main" xmlns:r="http://schemas.openxmlformats.org/officeDocument/2006/relationships" xmlns:p14="http://schemas.microsoft.com/office/powerpoint/2010/main" xmlns:p15="http://schemas.microsoft.com/office/powerpoint/2012/main" xmlns:mc="http://schemas.openxmlformats.org/markup-compatibility/2006" type="blank" preserve="1">
+<p:sldLayout xmlns:a="http://schemas.openxmlformats.org/drawingml/2006/main" xmlns:r="http://schemas.openxmlformats.org/officeDocument/2006/relationships" xmlns:p="http://schemas.openxmlformats.org/presentationml/2006/main" type="blank" preserve="1">
   <p:cSld name="Blank Slide">
     <p:spTree>
       <p:nvGrpSpPr>
@@ -54,6 +154,7 @@
         <p:spPr/>
         <p:txBody>
           <a:bodyPr/>
+          <a:lstStyle/>
           <a:p>
             <a:r>
               <a:t>Footer</a:t>
@@ -74,10 +175,12 @@
         <p:spPr/>
         <p:txBody>
           <a:bodyPr/>
+          <a:lstStyle/>
           <a:p>
             <a:fld id="{6836AF43-98CF-4273-9D23-6A2EC516983D}" type="slidenum">
-              <a:t>&lt;#&gt;</a:t>
+              <a:t>‹#›</a:t>
             </a:fld>
+            <a:endParaRPr/>
           </a:p>
         </p:txBody>
       </p:sp>
@@ -94,21 +197,22 @@
         <p:spPr/>
         <p:txBody>
           <a:bodyPr/>
-          <a:p>
-            <a:r>
-              <a:rPr lang="en-US"/>
-              <a:t/>
-            </a:r>
+          <a:lstStyle/>
+          <a:p>
+            <a:endParaRPr/>
           </a:p>
         </p:txBody>
       </p:sp>
     </p:spTree>
   </p:cSld>
+  <p:clrMapOvr>
+    <a:masterClrMapping/>
+  </p:clrMapOvr>
 </p:sldLayout>
 </file>
 
 <file path=ppt/slideLayouts/slideLayout10.xml><?xml version="1.0" encoding="utf-8"?>
-<p:sldLayout xmlns:a="http://schemas.openxmlformats.org/drawingml/2006/main" xmlns:p="http://schemas.openxmlformats.org/presentationml/2006/main" xmlns:r="http://schemas.openxmlformats.org/officeDocument/2006/relationships" xmlns:p14="http://schemas.microsoft.com/office/powerpoint/2010/main" xmlns:p15="http://schemas.microsoft.com/office/powerpoint/2012/main" xmlns:mc="http://schemas.openxmlformats.org/markup-compatibility/2006" type="objOverTx" preserve="1">
+<p:sldLayout xmlns:a="http://schemas.openxmlformats.org/drawingml/2006/main" xmlns:r="http://schemas.openxmlformats.org/officeDocument/2006/relationships" xmlns:p="http://schemas.openxmlformats.org/presentationml/2006/main" type="objOverTx" preserve="1">
   <p:cSld name="Title, Content over Content">
     <p:spTree>
       <p:nvGrpSpPr>
@@ -148,14 +252,15 @@
           </a:ln>
         </p:spPr>
         <p:txBody>
-          <a:bodyPr lIns="0" rIns="0" tIns="0" bIns="0" anchor="ctr">
+          <a:bodyPr lIns="0" tIns="0" rIns="0" bIns="0" anchor="ctr">
             <a:noAutofit/>
           </a:bodyPr>
+          <a:lstStyle/>
           <a:p>
             <a:pPr indent="0" algn="ctr">
               <a:buNone/>
             </a:pPr>
-            <a:endParaRPr b="0" lang="en-US" sz="4400" spc="-1" strike="noStrike">
+            <a:endParaRPr lang="en-US" sz="4400" b="0" strike="noStrike" spc="-1">
               <a:solidFill>
                 <a:srgbClr val="000000"/>
               </a:solidFill>
@@ -188,9 +293,10 @@
           </a:ln>
         </p:spPr>
         <p:txBody>
-          <a:bodyPr lIns="0" rIns="0" tIns="0" bIns="0" anchor="t">
+          <a:bodyPr lIns="0" tIns="0" rIns="0" bIns="0" anchor="t">
             <a:normAutofit/>
           </a:bodyPr>
+          <a:lstStyle/>
           <a:p>
             <a:pPr indent="0">
               <a:spcBef>
@@ -198,7 +304,7 @@
               </a:spcBef>
               <a:buNone/>
             </a:pPr>
-            <a:endParaRPr b="0" lang="en-US" sz="3200" spc="-1" strike="noStrike">
+            <a:endParaRPr lang="en-US" sz="3200" b="0" strike="noStrike" spc="-1">
               <a:solidFill>
                 <a:srgbClr val="000000"/>
               </a:solidFill>
@@ -231,9 +337,10 @@
           </a:ln>
         </p:spPr>
         <p:txBody>
-          <a:bodyPr lIns="0" rIns="0" tIns="0" bIns="0" anchor="t">
+          <a:bodyPr lIns="0" tIns="0" rIns="0" bIns="0" anchor="t">
             <a:normAutofit/>
           </a:bodyPr>
+          <a:lstStyle/>
           <a:p>
             <a:pPr indent="0">
               <a:spcBef>
@@ -241,7 +348,7 @@
               </a:spcBef>
               <a:buNone/>
             </a:pPr>
-            <a:endParaRPr b="0" lang="en-US" sz="3200" spc="-1" strike="noStrike">
+            <a:endParaRPr lang="en-US" sz="3200" b="0" strike="noStrike" spc="-1">
               <a:solidFill>
                 <a:srgbClr val="000000"/>
               </a:solidFill>
@@ -263,6 +370,7 @@
         <p:spPr/>
         <p:txBody>
           <a:bodyPr/>
+          <a:lstStyle/>
           <a:p>
             <a:r>
               <a:t>Footer</a:t>
@@ -283,10 +391,12 @@
         <p:spPr/>
         <p:txBody>
           <a:bodyPr/>
+          <a:lstStyle/>
           <a:p>
             <a:fld id="{260831C9-FEE2-4F7C-B002-15EA26225206}" type="slidenum">
-              <a:t>&lt;#&gt;</a:t>
+              <a:t>‹#›</a:t>
             </a:fld>
+            <a:endParaRPr/>
           </a:p>
         </p:txBody>
       </p:sp>
@@ -303,21 +413,22 @@
         <p:spPr/>
         <p:txBody>
           <a:bodyPr/>
-          <a:p>
-            <a:r>
-              <a:rPr lang="en-US"/>
-              <a:t/>
-            </a:r>
+          <a:lstStyle/>
+          <a:p>
+            <a:endParaRPr/>
           </a:p>
         </p:txBody>
       </p:sp>
     </p:spTree>
   </p:cSld>
+  <p:clrMapOvr>
+    <a:masterClrMapping/>
+  </p:clrMapOvr>
 </p:sldLayout>
 </file>
 
 <file path=ppt/slideLayouts/slideLayout11.xml><?xml version="1.0" encoding="utf-8"?>
-<p:sldLayout xmlns:a="http://schemas.openxmlformats.org/drawingml/2006/main" xmlns:p="http://schemas.openxmlformats.org/presentationml/2006/main" xmlns:r="http://schemas.openxmlformats.org/officeDocument/2006/relationships" xmlns:p14="http://schemas.microsoft.com/office/powerpoint/2010/main" xmlns:p15="http://schemas.microsoft.com/office/powerpoint/2012/main" xmlns:mc="http://schemas.openxmlformats.org/markup-compatibility/2006" type="fourObj" preserve="1">
+<p:sldLayout xmlns:a="http://schemas.openxmlformats.org/drawingml/2006/main" xmlns:r="http://schemas.openxmlformats.org/officeDocument/2006/relationships" xmlns:p="http://schemas.openxmlformats.org/presentationml/2006/main" type="fourObj" preserve="1">
   <p:cSld name="Title, 4 Content">
     <p:spTree>
       <p:nvGrpSpPr>
@@ -357,14 +468,15 @@
           </a:ln>
         </p:spPr>
         <p:txBody>
-          <a:bodyPr lIns="0" rIns="0" tIns="0" bIns="0" anchor="ctr">
+          <a:bodyPr lIns="0" tIns="0" rIns="0" bIns="0" anchor="ctr">
             <a:noAutofit/>
           </a:bodyPr>
+          <a:lstStyle/>
           <a:p>
             <a:pPr indent="0" algn="ctr">
               <a:buNone/>
             </a:pPr>
-            <a:endParaRPr b="0" lang="en-US" sz="4400" spc="-1" strike="noStrike">
+            <a:endParaRPr lang="en-US" sz="4400" b="0" strike="noStrike" spc="-1">
               <a:solidFill>
                 <a:srgbClr val="000000"/>
               </a:solidFill>
@@ -397,9 +509,10 @@
           </a:ln>
         </p:spPr>
         <p:txBody>
-          <a:bodyPr lIns="0" rIns="0" tIns="0" bIns="0" anchor="t">
+          <a:bodyPr lIns="0" tIns="0" rIns="0" bIns="0" anchor="t">
             <a:normAutofit/>
           </a:bodyPr>
+          <a:lstStyle/>
           <a:p>
             <a:pPr indent="0">
               <a:spcBef>
@@ -407,7 +520,7 @@
               </a:spcBef>
               <a:buNone/>
             </a:pPr>
-            <a:endParaRPr b="0" lang="en-US" sz="3200" spc="-1" strike="noStrike">
+            <a:endParaRPr lang="en-US" sz="3200" b="0" strike="noStrike" spc="-1">
               <a:solidFill>
                 <a:srgbClr val="000000"/>
               </a:solidFill>
@@ -440,9 +553,10 @@
           </a:ln>
         </p:spPr>
         <p:txBody>
-          <a:bodyPr lIns="0" rIns="0" tIns="0" bIns="0" anchor="t">
+          <a:bodyPr lIns="0" tIns="0" rIns="0" bIns="0" anchor="t">
             <a:normAutofit/>
           </a:bodyPr>
+          <a:lstStyle/>
           <a:p>
             <a:pPr indent="0">
               <a:spcBef>
@@ -450,7 +564,7 @@
               </a:spcBef>
               <a:buNone/>
             </a:pPr>
-            <a:endParaRPr b="0" lang="en-US" sz="3200" spc="-1" strike="noStrike">
+            <a:endParaRPr lang="en-US" sz="3200" b="0" strike="noStrike" spc="-1">
               <a:solidFill>
                 <a:srgbClr val="000000"/>
               </a:solidFill>
@@ -483,9 +597,10 @@
           </a:ln>
         </p:spPr>
         <p:txBody>
-          <a:bodyPr lIns="0" rIns="0" tIns="0" bIns="0" anchor="t">
+          <a:bodyPr lIns="0" tIns="0" rIns="0" bIns="0" anchor="t">
             <a:normAutofit/>
           </a:bodyPr>
+          <a:lstStyle/>
           <a:p>
             <a:pPr indent="0">
               <a:spcBef>
@@ -493,7 +608,7 @@
               </a:spcBef>
               <a:buNone/>
             </a:pPr>
-            <a:endParaRPr b="0" lang="en-US" sz="3200" spc="-1" strike="noStrike">
+            <a:endParaRPr lang="en-US" sz="3200" b="0" strike="noStrike" spc="-1">
               <a:solidFill>
                 <a:srgbClr val="000000"/>
               </a:solidFill>
@@ -526,9 +641,10 @@
           </a:ln>
         </p:spPr>
         <p:txBody>
-          <a:bodyPr lIns="0" rIns="0" tIns="0" bIns="0" anchor="t">
+          <a:bodyPr lIns="0" tIns="0" rIns="0" bIns="0" anchor="t">
             <a:normAutofit/>
           </a:bodyPr>
+          <a:lstStyle/>
           <a:p>
             <a:pPr indent="0">
               <a:spcBef>
@@ -536,7 +652,7 @@
               </a:spcBef>
               <a:buNone/>
             </a:pPr>
-            <a:endParaRPr b="0" lang="en-US" sz="3200" spc="-1" strike="noStrike">
+            <a:endParaRPr lang="en-US" sz="3200" b="0" strike="noStrike" spc="-1">
               <a:solidFill>
                 <a:srgbClr val="000000"/>
               </a:solidFill>
@@ -558,6 +674,7 @@
         <p:spPr/>
         <p:txBody>
           <a:bodyPr/>
+          <a:lstStyle/>
           <a:p>
             <a:r>
               <a:t>Footer</a:t>
@@ -578,10 +695,12 @@
         <p:spPr/>
         <p:txBody>
           <a:bodyPr/>
+          <a:lstStyle/>
           <a:p>
             <a:fld id="{D4ECF517-8A0F-4DDE-90E8-840D00059BD9}" type="slidenum">
-              <a:t>&lt;#&gt;</a:t>
+              <a:t>‹#›</a:t>
             </a:fld>
+            <a:endParaRPr/>
           </a:p>
         </p:txBody>
       </p:sp>
@@ -598,21 +717,22 @@
         <p:spPr/>
         <p:txBody>
           <a:bodyPr/>
-          <a:p>
-            <a:r>
-              <a:rPr lang="en-US"/>
-              <a:t/>
-            </a:r>
+          <a:lstStyle/>
+          <a:p>
+            <a:endParaRPr/>
           </a:p>
         </p:txBody>
       </p:sp>
     </p:spTree>
   </p:cSld>
+  <p:clrMapOvr>
+    <a:masterClrMapping/>
+  </p:clrMapOvr>
 </p:sldLayout>
 </file>
 
 <file path=ppt/slideLayouts/slideLayout12.xml><?xml version="1.0" encoding="utf-8"?>
-<p:sldLayout xmlns:a="http://schemas.openxmlformats.org/drawingml/2006/main" xmlns:p="http://schemas.openxmlformats.org/presentationml/2006/main" xmlns:r="http://schemas.openxmlformats.org/officeDocument/2006/relationships" xmlns:p14="http://schemas.microsoft.com/office/powerpoint/2010/main" xmlns:p15="http://schemas.microsoft.com/office/powerpoint/2012/main" xmlns:mc="http://schemas.openxmlformats.org/markup-compatibility/2006" type="blank" preserve="1">
+<p:sldLayout xmlns:a="http://schemas.openxmlformats.org/drawingml/2006/main" xmlns:r="http://schemas.openxmlformats.org/officeDocument/2006/relationships" xmlns:p="http://schemas.openxmlformats.org/presentationml/2006/main" type="blank" preserve="1">
   <p:cSld name="Title, 6 Content">
     <p:spTree>
       <p:nvGrpSpPr>
@@ -652,14 +772,15 @@
           </a:ln>
         </p:spPr>
         <p:txBody>
-          <a:bodyPr lIns="0" rIns="0" tIns="0" bIns="0" anchor="ctr">
+          <a:bodyPr lIns="0" tIns="0" rIns="0" bIns="0" anchor="ctr">
             <a:noAutofit/>
           </a:bodyPr>
+          <a:lstStyle/>
           <a:p>
             <a:pPr indent="0" algn="ctr">
               <a:buNone/>
             </a:pPr>
-            <a:endParaRPr b="0" lang="en-US" sz="4400" spc="-1" strike="noStrike">
+            <a:endParaRPr lang="en-US" sz="4400" b="0" strike="noStrike" spc="-1">
               <a:solidFill>
                 <a:srgbClr val="000000"/>
               </a:solidFill>
@@ -692,9 +813,10 @@
           </a:ln>
         </p:spPr>
         <p:txBody>
-          <a:bodyPr lIns="0" rIns="0" tIns="0" bIns="0" anchor="t">
+          <a:bodyPr lIns="0" tIns="0" rIns="0" bIns="0" anchor="t">
             <a:normAutofit/>
           </a:bodyPr>
+          <a:lstStyle/>
           <a:p>
             <a:pPr indent="0">
               <a:spcBef>
@@ -702,7 +824,7 @@
               </a:spcBef>
               <a:buNone/>
             </a:pPr>
-            <a:endParaRPr b="0" lang="en-US" sz="3200" spc="-1" strike="noStrike">
+            <a:endParaRPr lang="en-US" sz="3200" b="0" strike="noStrike" spc="-1">
               <a:solidFill>
                 <a:srgbClr val="000000"/>
               </a:solidFill>
@@ -735,9 +857,10 @@
           </a:ln>
         </p:spPr>
         <p:txBody>
-          <a:bodyPr lIns="0" rIns="0" tIns="0" bIns="0" anchor="t">
+          <a:bodyPr lIns="0" tIns="0" rIns="0" bIns="0" anchor="t">
             <a:normAutofit/>
           </a:bodyPr>
+          <a:lstStyle/>
           <a:p>
             <a:pPr indent="0">
               <a:spcBef>
@@ -745,7 +868,7 @@
               </a:spcBef>
               <a:buNone/>
             </a:pPr>
-            <a:endParaRPr b="0" lang="en-US" sz="3200" spc="-1" strike="noStrike">
+            <a:endParaRPr lang="en-US" sz="3200" b="0" strike="noStrike" spc="-1">
               <a:solidFill>
                 <a:srgbClr val="000000"/>
               </a:solidFill>
@@ -778,9 +901,10 @@
           </a:ln>
         </p:spPr>
         <p:txBody>
-          <a:bodyPr lIns="0" rIns="0" tIns="0" bIns="0" anchor="t">
+          <a:bodyPr lIns="0" tIns="0" rIns="0" bIns="0" anchor="t">
             <a:normAutofit/>
           </a:bodyPr>
+          <a:lstStyle/>
           <a:p>
             <a:pPr indent="0">
               <a:spcBef>
@@ -788,7 +912,7 @@
               </a:spcBef>
               <a:buNone/>
             </a:pPr>
-            <a:endParaRPr b="0" lang="en-US" sz="3200" spc="-1" strike="noStrike">
+            <a:endParaRPr lang="en-US" sz="3200" b="0" strike="noStrike" spc="-1">
               <a:solidFill>
                 <a:srgbClr val="000000"/>
               </a:solidFill>
@@ -821,9 +945,10 @@
           </a:ln>
         </p:spPr>
         <p:txBody>
-          <a:bodyPr lIns="0" rIns="0" tIns="0" bIns="0" anchor="t">
+          <a:bodyPr lIns="0" tIns="0" rIns="0" bIns="0" anchor="t">
             <a:normAutofit/>
           </a:bodyPr>
+          <a:lstStyle/>
           <a:p>
             <a:pPr indent="0">
               <a:spcBef>
@@ -831,7 +956,7 @@
               </a:spcBef>
               <a:buNone/>
             </a:pPr>
-            <a:endParaRPr b="0" lang="en-US" sz="3200" spc="-1" strike="noStrike">
+            <a:endParaRPr lang="en-US" sz="3200" b="0" strike="noStrike" spc="-1">
               <a:solidFill>
                 <a:srgbClr val="000000"/>
               </a:solidFill>
@@ -864,9 +989,10 @@
           </a:ln>
         </p:spPr>
         <p:txBody>
-          <a:bodyPr lIns="0" rIns="0" tIns="0" bIns="0" anchor="t">
+          <a:bodyPr lIns="0" tIns="0" rIns="0" bIns="0" anchor="t">
             <a:normAutofit/>
           </a:bodyPr>
+          <a:lstStyle/>
           <a:p>
             <a:pPr indent="0">
               <a:spcBef>
@@ -874,7 +1000,7 @@
               </a:spcBef>
               <a:buNone/>
             </a:pPr>
-            <a:endParaRPr b="0" lang="en-US" sz="3200" spc="-1" strike="noStrike">
+            <a:endParaRPr lang="en-US" sz="3200" b="0" strike="noStrike" spc="-1">
               <a:solidFill>
                 <a:srgbClr val="000000"/>
               </a:solidFill>
@@ -907,9 +1033,10 @@
           </a:ln>
         </p:spPr>
         <p:txBody>
-          <a:bodyPr lIns="0" rIns="0" tIns="0" bIns="0" anchor="t">
+          <a:bodyPr lIns="0" tIns="0" rIns="0" bIns="0" anchor="t">
             <a:normAutofit/>
           </a:bodyPr>
+          <a:lstStyle/>
           <a:p>
             <a:pPr indent="0">
               <a:spcBef>
@@ -917,7 +1044,7 @@
               </a:spcBef>
               <a:buNone/>
             </a:pPr>
-            <a:endParaRPr b="0" lang="en-US" sz="3200" spc="-1" strike="noStrike">
+            <a:endParaRPr lang="en-US" sz="3200" b="0" strike="noStrike" spc="-1">
               <a:solidFill>
                 <a:srgbClr val="000000"/>
               </a:solidFill>
@@ -939,6 +1066,7 @@
         <p:spPr/>
         <p:txBody>
           <a:bodyPr/>
+          <a:lstStyle/>
           <a:p>
             <a:r>
               <a:t>Footer</a:t>
@@ -959,10 +1087,12 @@
         <p:spPr/>
         <p:txBody>
           <a:bodyPr/>
+          <a:lstStyle/>
           <a:p>
             <a:fld id="{4C124149-2BD6-4045-8C2C-13D056A42DC5}" type="slidenum">
-              <a:t>&lt;#&gt;</a:t>
+              <a:t>‹#›</a:t>
             </a:fld>
+            <a:endParaRPr/>
           </a:p>
         </p:txBody>
       </p:sp>
@@ -979,21 +1109,22 @@
         <p:spPr/>
         <p:txBody>
           <a:bodyPr/>
-          <a:p>
-            <a:r>
-              <a:rPr lang="en-US"/>
-              <a:t/>
-            </a:r>
+          <a:lstStyle/>
+          <a:p>
+            <a:endParaRPr/>
           </a:p>
         </p:txBody>
       </p:sp>
     </p:spTree>
   </p:cSld>
+  <p:clrMapOvr>
+    <a:masterClrMapping/>
+  </p:clrMapOvr>
 </p:sldLayout>
 </file>
 
 <file path=ppt/slideLayouts/slideLayout13.xml><?xml version="1.0" encoding="utf-8"?>
-<p:sldLayout xmlns:a="http://schemas.openxmlformats.org/drawingml/2006/main" xmlns:p="http://schemas.openxmlformats.org/presentationml/2006/main" xmlns:r="http://schemas.openxmlformats.org/officeDocument/2006/relationships" xmlns:p14="http://schemas.microsoft.com/office/powerpoint/2010/main" xmlns:p15="http://schemas.microsoft.com/office/powerpoint/2012/main" xmlns:mc="http://schemas.openxmlformats.org/markup-compatibility/2006" type="blank" preserve="1">
+<p:sldLayout xmlns:a="http://schemas.openxmlformats.org/drawingml/2006/main" xmlns:r="http://schemas.openxmlformats.org/officeDocument/2006/relationships" xmlns:p="http://schemas.openxmlformats.org/presentationml/2006/main" type="blank" preserve="1">
   <p:cSld name="Blank Slide">
     <p:spTree>
       <p:nvGrpSpPr>
@@ -1022,6 +1153,7 @@
         <p:spPr/>
         <p:txBody>
           <a:bodyPr/>
+          <a:lstStyle/>
           <a:p>
             <a:r>
               <a:t>Footer</a:t>
@@ -1042,10 +1174,12 @@
         <p:spPr/>
         <p:txBody>
           <a:bodyPr/>
+          <a:lstStyle/>
           <a:p>
             <a:fld id="{9A5ED31F-CA34-4AA3-98B5-ECC39B5018EA}" type="slidenum">
-              <a:t>&lt;#&gt;</a:t>
+              <a:t>‹#›</a:t>
             </a:fld>
+            <a:endParaRPr/>
           </a:p>
         </p:txBody>
       </p:sp>
@@ -1062,21 +1196,22 @@
         <p:spPr/>
         <p:txBody>
           <a:bodyPr/>
-          <a:p>
-            <a:r>
-              <a:rPr lang="en-US"/>
-              <a:t/>
-            </a:r>
+          <a:lstStyle/>
+          <a:p>
+            <a:endParaRPr/>
           </a:p>
         </p:txBody>
       </p:sp>
     </p:spTree>
   </p:cSld>
+  <p:clrMapOvr>
+    <a:masterClrMapping/>
+  </p:clrMapOvr>
 </p:sldLayout>
 </file>
 
 <file path=ppt/slideLayouts/slideLayout14.xml><?xml version="1.0" encoding="utf-8"?>
-<p:sldLayout xmlns:a="http://schemas.openxmlformats.org/drawingml/2006/main" xmlns:p="http://schemas.openxmlformats.org/presentationml/2006/main" xmlns:r="http://schemas.openxmlformats.org/officeDocument/2006/relationships" xmlns:p14="http://schemas.microsoft.com/office/powerpoint/2010/main" xmlns:p15="http://schemas.microsoft.com/office/powerpoint/2012/main" xmlns:mc="http://schemas.openxmlformats.org/markup-compatibility/2006" type="tx" preserve="1">
+<p:sldLayout xmlns:a="http://schemas.openxmlformats.org/drawingml/2006/main" xmlns:r="http://schemas.openxmlformats.org/officeDocument/2006/relationships" xmlns:p="http://schemas.openxmlformats.org/presentationml/2006/main" type="tx" preserve="1">
   <p:cSld name="Title Slide">
     <p:spTree>
       <p:nvGrpSpPr>
@@ -1116,14 +1251,15 @@
           </a:ln>
         </p:spPr>
         <p:txBody>
-          <a:bodyPr lIns="0" rIns="0" tIns="0" bIns="0" anchor="ctr">
+          <a:bodyPr lIns="0" tIns="0" rIns="0" bIns="0" anchor="ctr">
             <a:noAutofit/>
           </a:bodyPr>
+          <a:lstStyle/>
           <a:p>
             <a:pPr indent="0" algn="ctr">
               <a:buNone/>
             </a:pPr>
-            <a:endParaRPr b="0" lang="en-US" sz="4400" spc="-1" strike="noStrike">
+            <a:endParaRPr lang="en-US" sz="4400" b="0" strike="noStrike" spc="-1">
               <a:solidFill>
                 <a:srgbClr val="000000"/>
               </a:solidFill>
@@ -1156,14 +1292,15 @@
           </a:ln>
         </p:spPr>
         <p:txBody>
-          <a:bodyPr lIns="0" rIns="0" tIns="0" bIns="0" anchor="ctr">
+          <a:bodyPr lIns="0" tIns="0" rIns="0" bIns="0" anchor="ctr">
             <a:noAutofit/>
           </a:bodyPr>
+          <a:lstStyle/>
           <a:p>
             <a:pPr indent="0" algn="ctr">
               <a:buNone/>
             </a:pPr>
-            <a:endParaRPr b="0" lang="en-US" sz="3200" spc="-1" strike="noStrike">
+            <a:endParaRPr lang="en-US" sz="3200" b="0" strike="noStrike" spc="-1">
               <a:solidFill>
                 <a:srgbClr val="000000"/>
               </a:solidFill>
@@ -1185,6 +1322,7 @@
         <p:spPr/>
         <p:txBody>
           <a:bodyPr/>
+          <a:lstStyle/>
           <a:p>
             <a:r>
               <a:t>Footer</a:t>
@@ -1205,10 +1343,12 @@
         <p:spPr/>
         <p:txBody>
           <a:bodyPr/>
+          <a:lstStyle/>
           <a:p>
             <a:fld id="{035B351A-C8F6-43F1-8B02-79021FC267AD}" type="slidenum">
-              <a:t>&lt;#&gt;</a:t>
+              <a:t>‹#›</a:t>
             </a:fld>
+            <a:endParaRPr/>
           </a:p>
         </p:txBody>
       </p:sp>
@@ -1225,21 +1365,22 @@
         <p:spPr/>
         <p:txBody>
           <a:bodyPr/>
-          <a:p>
-            <a:r>
-              <a:rPr lang="en-US"/>
-              <a:t/>
-            </a:r>
+          <a:lstStyle/>
+          <a:p>
+            <a:endParaRPr/>
           </a:p>
         </p:txBody>
       </p:sp>
     </p:spTree>
   </p:cSld>
+  <p:clrMapOvr>
+    <a:masterClrMapping/>
+  </p:clrMapOvr>
 </p:sldLayout>
 </file>
 
 <file path=ppt/slideLayouts/slideLayout15.xml><?xml version="1.0" encoding="utf-8"?>
-<p:sldLayout xmlns:a="http://schemas.openxmlformats.org/drawingml/2006/main" xmlns:p="http://schemas.openxmlformats.org/presentationml/2006/main" xmlns:r="http://schemas.openxmlformats.org/officeDocument/2006/relationships" xmlns:p14="http://schemas.microsoft.com/office/powerpoint/2010/main" xmlns:p15="http://schemas.microsoft.com/office/powerpoint/2012/main" xmlns:mc="http://schemas.openxmlformats.org/markup-compatibility/2006" type="obj" preserve="1">
+<p:sldLayout xmlns:a="http://schemas.openxmlformats.org/drawingml/2006/main" xmlns:r="http://schemas.openxmlformats.org/officeDocument/2006/relationships" xmlns:p="http://schemas.openxmlformats.org/presentationml/2006/main" type="obj" preserve="1">
   <p:cSld name="Title, Content">
     <p:spTree>
       <p:nvGrpSpPr>
@@ -1279,14 +1420,15 @@
           </a:ln>
         </p:spPr>
         <p:txBody>
-          <a:bodyPr lIns="0" rIns="0" tIns="0" bIns="0" anchor="ctr">
+          <a:bodyPr lIns="0" tIns="0" rIns="0" bIns="0" anchor="ctr">
             <a:noAutofit/>
           </a:bodyPr>
+          <a:lstStyle/>
           <a:p>
             <a:pPr indent="0" algn="ctr">
               <a:buNone/>
             </a:pPr>
-            <a:endParaRPr b="0" lang="en-US" sz="4400" spc="-1" strike="noStrike">
+            <a:endParaRPr lang="en-US" sz="4400" b="0" strike="noStrike" spc="-1">
               <a:solidFill>
                 <a:srgbClr val="000000"/>
               </a:solidFill>
@@ -1319,9 +1461,10 @@
           </a:ln>
         </p:spPr>
         <p:txBody>
-          <a:bodyPr lIns="0" rIns="0" tIns="0" bIns="0" anchor="t">
+          <a:bodyPr lIns="0" tIns="0" rIns="0" bIns="0" anchor="t">
             <a:normAutofit/>
           </a:bodyPr>
+          <a:lstStyle/>
           <a:p>
             <a:pPr indent="0">
               <a:spcBef>
@@ -1329,7 +1472,7 @@
               </a:spcBef>
               <a:buNone/>
             </a:pPr>
-            <a:endParaRPr b="0" lang="en-US" sz="3200" spc="-1" strike="noStrike">
+            <a:endParaRPr lang="en-US" sz="3200" b="0" strike="noStrike" spc="-1">
               <a:solidFill>
                 <a:srgbClr val="000000"/>
               </a:solidFill>
@@ -1351,6 +1494,7 @@
         <p:spPr/>
         <p:txBody>
           <a:bodyPr/>
+          <a:lstStyle/>
           <a:p>
             <a:r>
               <a:t>Footer</a:t>
@@ -1371,10 +1515,12 @@
         <p:spPr/>
         <p:txBody>
           <a:bodyPr/>
+          <a:lstStyle/>
           <a:p>
             <a:fld id="{78028F99-DB81-4A95-B22D-5775B4C3E3A1}" type="slidenum">
-              <a:t>&lt;#&gt;</a:t>
+              <a:t>‹#›</a:t>
             </a:fld>
+            <a:endParaRPr/>
           </a:p>
         </p:txBody>
       </p:sp>
@@ -1391,21 +1537,22 @@
         <p:spPr/>
         <p:txBody>
           <a:bodyPr/>
-          <a:p>
-            <a:r>
-              <a:rPr lang="en-US"/>
-              <a:t/>
-            </a:r>
+          <a:lstStyle/>
+          <a:p>
+            <a:endParaRPr/>
           </a:p>
         </p:txBody>
       </p:sp>
     </p:spTree>
   </p:cSld>
+  <p:clrMapOvr>
+    <a:masterClrMapping/>
+  </p:clrMapOvr>
 </p:sldLayout>
 </file>
 
 <file path=ppt/slideLayouts/slideLayout16.xml><?xml version="1.0" encoding="utf-8"?>
-<p:sldLayout xmlns:a="http://schemas.openxmlformats.org/drawingml/2006/main" xmlns:p="http://schemas.openxmlformats.org/presentationml/2006/main" xmlns:r="http://schemas.openxmlformats.org/officeDocument/2006/relationships" xmlns:p14="http://schemas.microsoft.com/office/powerpoint/2010/main" xmlns:p15="http://schemas.microsoft.com/office/powerpoint/2012/main" xmlns:mc="http://schemas.openxmlformats.org/markup-compatibility/2006" type="twoObj" preserve="1">
+<p:sldLayout xmlns:a="http://schemas.openxmlformats.org/drawingml/2006/main" xmlns:r="http://schemas.openxmlformats.org/officeDocument/2006/relationships" xmlns:p="http://schemas.openxmlformats.org/presentationml/2006/main" type="twoObj" preserve="1">
   <p:cSld name="Title, 2 Content">
     <p:spTree>
       <p:nvGrpSpPr>
@@ -1445,14 +1592,15 @@
           </a:ln>
         </p:spPr>
         <p:txBody>
-          <a:bodyPr lIns="0" rIns="0" tIns="0" bIns="0" anchor="ctr">
+          <a:bodyPr lIns="0" tIns="0" rIns="0" bIns="0" anchor="ctr">
             <a:noAutofit/>
           </a:bodyPr>
+          <a:lstStyle/>
           <a:p>
             <a:pPr indent="0" algn="ctr">
               <a:buNone/>
             </a:pPr>
-            <a:endParaRPr b="0" lang="en-US" sz="4400" spc="-1" strike="noStrike">
+            <a:endParaRPr lang="en-US" sz="4400" b="0" strike="noStrike" spc="-1">
               <a:solidFill>
                 <a:srgbClr val="000000"/>
               </a:solidFill>
@@ -1485,9 +1633,10 @@
           </a:ln>
         </p:spPr>
         <p:txBody>
-          <a:bodyPr lIns="0" rIns="0" tIns="0" bIns="0" anchor="t">
+          <a:bodyPr lIns="0" tIns="0" rIns="0" bIns="0" anchor="t">
             <a:normAutofit/>
           </a:bodyPr>
+          <a:lstStyle/>
           <a:p>
             <a:pPr indent="0">
               <a:spcBef>
@@ -1495,7 +1644,7 @@
               </a:spcBef>
               <a:buNone/>
             </a:pPr>
-            <a:endParaRPr b="0" lang="en-US" sz="3200" spc="-1" strike="noStrike">
+            <a:endParaRPr lang="en-US" sz="3200" b="0" strike="noStrike" spc="-1">
               <a:solidFill>
                 <a:srgbClr val="000000"/>
               </a:solidFill>
@@ -1528,9 +1677,10 @@
           </a:ln>
         </p:spPr>
         <p:txBody>
-          <a:bodyPr lIns="0" rIns="0" tIns="0" bIns="0" anchor="t">
+          <a:bodyPr lIns="0" tIns="0" rIns="0" bIns="0" anchor="t">
             <a:normAutofit/>
           </a:bodyPr>
+          <a:lstStyle/>
           <a:p>
             <a:pPr indent="0">
               <a:spcBef>
@@ -1538,7 +1688,7 @@
               </a:spcBef>
               <a:buNone/>
             </a:pPr>
-            <a:endParaRPr b="0" lang="en-US" sz="3200" spc="-1" strike="noStrike">
+            <a:endParaRPr lang="en-US" sz="3200" b="0" strike="noStrike" spc="-1">
               <a:solidFill>
                 <a:srgbClr val="000000"/>
               </a:solidFill>
@@ -1560,6 +1710,7 @@
         <p:spPr/>
         <p:txBody>
           <a:bodyPr/>
+          <a:lstStyle/>
           <a:p>
             <a:r>
               <a:t>Footer</a:t>
@@ -1580,10 +1731,12 @@
         <p:spPr/>
         <p:txBody>
           <a:bodyPr/>
+          <a:lstStyle/>
           <a:p>
             <a:fld id="{933529DD-8428-45C6-B4EF-DB15EFCF0402}" type="slidenum">
-              <a:t>&lt;#&gt;</a:t>
+              <a:t>‹#›</a:t>
             </a:fld>
+            <a:endParaRPr/>
           </a:p>
         </p:txBody>
       </p:sp>
@@ -1600,21 +1753,22 @@
         <p:spPr/>
         <p:txBody>
           <a:bodyPr/>
-          <a:p>
-            <a:r>
-              <a:rPr lang="en-US"/>
-              <a:t/>
-            </a:r>
+          <a:lstStyle/>
+          <a:p>
+            <a:endParaRPr/>
           </a:p>
         </p:txBody>
       </p:sp>
     </p:spTree>
   </p:cSld>
+  <p:clrMapOvr>
+    <a:masterClrMapping/>
+  </p:clrMapOvr>
 </p:sldLayout>
 </file>
 
 <file path=ppt/slideLayouts/slideLayout17.xml><?xml version="1.0" encoding="utf-8"?>
-<p:sldLayout xmlns:a="http://schemas.openxmlformats.org/drawingml/2006/main" xmlns:p="http://schemas.openxmlformats.org/presentationml/2006/main" xmlns:r="http://schemas.openxmlformats.org/officeDocument/2006/relationships" xmlns:p14="http://schemas.microsoft.com/office/powerpoint/2010/main" xmlns:p15="http://schemas.microsoft.com/office/powerpoint/2012/main" xmlns:mc="http://schemas.openxmlformats.org/markup-compatibility/2006" type="titleOnly" preserve="1">
+<p:sldLayout xmlns:a="http://schemas.openxmlformats.org/drawingml/2006/main" xmlns:r="http://schemas.openxmlformats.org/officeDocument/2006/relationships" xmlns:p="http://schemas.openxmlformats.org/presentationml/2006/main" type="titleOnly" preserve="1">
   <p:cSld name="Title Only">
     <p:spTree>
       <p:nvGrpSpPr>
@@ -1654,14 +1808,15 @@
           </a:ln>
         </p:spPr>
         <p:txBody>
-          <a:bodyPr lIns="0" rIns="0" tIns="0" bIns="0" anchor="ctr">
+          <a:bodyPr lIns="0" tIns="0" rIns="0" bIns="0" anchor="ctr">
             <a:noAutofit/>
           </a:bodyPr>
+          <a:lstStyle/>
           <a:p>
             <a:pPr indent="0" algn="ctr">
               <a:buNone/>
             </a:pPr>
-            <a:endParaRPr b="0" lang="en-US" sz="4400" spc="-1" strike="noStrike">
+            <a:endParaRPr lang="en-US" sz="4400" b="0" strike="noStrike" spc="-1">
               <a:solidFill>
                 <a:srgbClr val="000000"/>
               </a:solidFill>
@@ -1683,6 +1838,7 @@
         <p:spPr/>
         <p:txBody>
           <a:bodyPr/>
+          <a:lstStyle/>
           <a:p>
             <a:r>
               <a:t>Footer</a:t>
@@ -1703,10 +1859,12 @@
         <p:spPr/>
         <p:txBody>
           <a:bodyPr/>
+          <a:lstStyle/>
           <a:p>
             <a:fld id="{EFC65498-738B-413A-A074-72C1ED192B8C}" type="slidenum">
-              <a:t>&lt;#&gt;</a:t>
+              <a:t>‹#›</a:t>
             </a:fld>
+            <a:endParaRPr/>
           </a:p>
         </p:txBody>
       </p:sp>
@@ -1723,21 +1881,22 @@
         <p:spPr/>
         <p:txBody>
           <a:bodyPr/>
-          <a:p>
-            <a:r>
-              <a:rPr lang="en-US"/>
-              <a:t/>
-            </a:r>
+          <a:lstStyle/>
+          <a:p>
+            <a:endParaRPr/>
           </a:p>
         </p:txBody>
       </p:sp>
     </p:spTree>
   </p:cSld>
+  <p:clrMapOvr>
+    <a:masterClrMapping/>
+  </p:clrMapOvr>
 </p:sldLayout>
 </file>
 
 <file path=ppt/slideLayouts/slideLayout18.xml><?xml version="1.0" encoding="utf-8"?>
-<p:sldLayout xmlns:a="http://schemas.openxmlformats.org/drawingml/2006/main" xmlns:p="http://schemas.openxmlformats.org/presentationml/2006/main" xmlns:r="http://schemas.openxmlformats.org/officeDocument/2006/relationships" xmlns:p14="http://schemas.microsoft.com/office/powerpoint/2010/main" xmlns:p15="http://schemas.microsoft.com/office/powerpoint/2012/main" xmlns:mc="http://schemas.openxmlformats.org/markup-compatibility/2006" type="objOnly" preserve="1">
+<p:sldLayout xmlns:a="http://schemas.openxmlformats.org/drawingml/2006/main" xmlns:r="http://schemas.openxmlformats.org/officeDocument/2006/relationships" xmlns:p="http://schemas.openxmlformats.org/presentationml/2006/main" type="objOnly" preserve="1">
   <p:cSld name="Centered Text">
     <p:spTree>
       <p:nvGrpSpPr>
@@ -1777,12 +1936,13 @@
           </a:ln>
         </p:spPr>
         <p:txBody>
-          <a:bodyPr lIns="0" rIns="0" tIns="0" bIns="0" anchor="ctr">
+          <a:bodyPr lIns="0" tIns="0" rIns="0" bIns="0" anchor="ctr">
             <a:noAutofit/>
           </a:bodyPr>
+          <a:lstStyle/>
           <a:p>
             <a:pPr algn="ctr"/>
-            <a:endParaRPr b="0" lang="en-US" sz="3200" spc="-1" strike="noStrike">
+            <a:endParaRPr lang="en-US" sz="3200" b="0" strike="noStrike" spc="-1">
               <a:solidFill>
                 <a:srgbClr val="000000"/>
               </a:solidFill>
@@ -1804,6 +1964,7 @@
         <p:spPr/>
         <p:txBody>
           <a:bodyPr/>
+          <a:lstStyle/>
           <a:p>
             <a:r>
               <a:t>Footer</a:t>
@@ -1824,10 +1985,12 @@
         <p:spPr/>
         <p:txBody>
           <a:bodyPr/>
+          <a:lstStyle/>
           <a:p>
             <a:fld id="{9FFC5269-A6FE-499D-A823-F0A9E3BF2B35}" type="slidenum">
-              <a:t>&lt;#&gt;</a:t>
+              <a:t>‹#›</a:t>
             </a:fld>
+            <a:endParaRPr/>
           </a:p>
         </p:txBody>
       </p:sp>
@@ -1844,21 +2007,22 @@
         <p:spPr/>
         <p:txBody>
           <a:bodyPr/>
-          <a:p>
-            <a:r>
-              <a:rPr lang="en-US"/>
-              <a:t/>
-            </a:r>
+          <a:lstStyle/>
+          <a:p>
+            <a:endParaRPr/>
           </a:p>
         </p:txBody>
       </p:sp>
     </p:spTree>
   </p:cSld>
+  <p:clrMapOvr>
+    <a:masterClrMapping/>
+  </p:clrMapOvr>
 </p:sldLayout>
 </file>
 
 <file path=ppt/slideLayouts/slideLayout19.xml><?xml version="1.0" encoding="utf-8"?>
-<p:sldLayout xmlns:a="http://schemas.openxmlformats.org/drawingml/2006/main" xmlns:p="http://schemas.openxmlformats.org/presentationml/2006/main" xmlns:r="http://schemas.openxmlformats.org/officeDocument/2006/relationships" xmlns:p14="http://schemas.microsoft.com/office/powerpoint/2010/main" xmlns:p15="http://schemas.microsoft.com/office/powerpoint/2012/main" xmlns:mc="http://schemas.openxmlformats.org/markup-compatibility/2006" type="twoObjAndObj" preserve="1">
+<p:sldLayout xmlns:a="http://schemas.openxmlformats.org/drawingml/2006/main" xmlns:r="http://schemas.openxmlformats.org/officeDocument/2006/relationships" xmlns:p="http://schemas.openxmlformats.org/presentationml/2006/main" type="twoObjAndObj" preserve="1">
   <p:cSld name="Title, 2 Content and Content">
     <p:spTree>
       <p:nvGrpSpPr>
@@ -1898,14 +2062,15 @@
           </a:ln>
         </p:spPr>
         <p:txBody>
-          <a:bodyPr lIns="0" rIns="0" tIns="0" bIns="0" anchor="ctr">
+          <a:bodyPr lIns="0" tIns="0" rIns="0" bIns="0" anchor="ctr">
             <a:noAutofit/>
           </a:bodyPr>
+          <a:lstStyle/>
           <a:p>
             <a:pPr indent="0" algn="ctr">
               <a:buNone/>
             </a:pPr>
-            <a:endParaRPr b="0" lang="en-US" sz="4400" spc="-1" strike="noStrike">
+            <a:endParaRPr lang="en-US" sz="4400" b="0" strike="noStrike" spc="-1">
               <a:solidFill>
                 <a:srgbClr val="000000"/>
               </a:solidFill>
@@ -1938,9 +2103,10 @@
           </a:ln>
         </p:spPr>
         <p:txBody>
-          <a:bodyPr lIns="0" rIns="0" tIns="0" bIns="0" anchor="t">
+          <a:bodyPr lIns="0" tIns="0" rIns="0" bIns="0" anchor="t">
             <a:normAutofit/>
           </a:bodyPr>
+          <a:lstStyle/>
           <a:p>
             <a:pPr indent="0">
               <a:spcBef>
@@ -1948,7 +2114,7 @@
               </a:spcBef>
               <a:buNone/>
             </a:pPr>
-            <a:endParaRPr b="0" lang="en-US" sz="3200" spc="-1" strike="noStrike">
+            <a:endParaRPr lang="en-US" sz="3200" b="0" strike="noStrike" spc="-1">
               <a:solidFill>
                 <a:srgbClr val="000000"/>
               </a:solidFill>
@@ -1981,9 +2147,10 @@
           </a:ln>
         </p:spPr>
         <p:txBody>
-          <a:bodyPr lIns="0" rIns="0" tIns="0" bIns="0" anchor="t">
+          <a:bodyPr lIns="0" tIns="0" rIns="0" bIns="0" anchor="t">
             <a:normAutofit/>
           </a:bodyPr>
+          <a:lstStyle/>
           <a:p>
             <a:pPr indent="0">
               <a:spcBef>
@@ -1991,7 +2158,7 @@
               </a:spcBef>
               <a:buNone/>
             </a:pPr>
-            <a:endParaRPr b="0" lang="en-US" sz="3200" spc="-1" strike="noStrike">
+            <a:endParaRPr lang="en-US" sz="3200" b="0" strike="noStrike" spc="-1">
               <a:solidFill>
                 <a:srgbClr val="000000"/>
               </a:solidFill>
@@ -2024,9 +2191,10 @@
           </a:ln>
         </p:spPr>
         <p:txBody>
-          <a:bodyPr lIns="0" rIns="0" tIns="0" bIns="0" anchor="t">
+          <a:bodyPr lIns="0" tIns="0" rIns="0" bIns="0" anchor="t">
             <a:normAutofit/>
           </a:bodyPr>
+          <a:lstStyle/>
           <a:p>
             <a:pPr indent="0">
               <a:spcBef>
@@ -2034,7 +2202,7 @@
               </a:spcBef>
               <a:buNone/>
             </a:pPr>
-            <a:endParaRPr b="0" lang="en-US" sz="3200" spc="-1" strike="noStrike">
+            <a:endParaRPr lang="en-US" sz="3200" b="0" strike="noStrike" spc="-1">
               <a:solidFill>
                 <a:srgbClr val="000000"/>
               </a:solidFill>
@@ -2056,6 +2224,7 @@
         <p:spPr/>
         <p:txBody>
           <a:bodyPr/>
+          <a:lstStyle/>
           <a:p>
             <a:r>
               <a:t>Footer</a:t>
@@ -2076,10 +2245,12 @@
         <p:spPr/>
         <p:txBody>
           <a:bodyPr/>
+          <a:lstStyle/>
           <a:p>
             <a:fld id="{1847232C-0A28-4C43-A977-1D34EF7D9C46}" type="slidenum">
-              <a:t>&lt;#&gt;</a:t>
+              <a:t>‹#›</a:t>
             </a:fld>
+            <a:endParaRPr/>
           </a:p>
         </p:txBody>
       </p:sp>
@@ -2096,21 +2267,22 @@
         <p:spPr/>
         <p:txBody>
           <a:bodyPr/>
-          <a:p>
-            <a:r>
-              <a:rPr lang="en-US"/>
-              <a:t/>
-            </a:r>
+          <a:lstStyle/>
+          <a:p>
+            <a:endParaRPr/>
           </a:p>
         </p:txBody>
       </p:sp>
     </p:spTree>
   </p:cSld>
+  <p:clrMapOvr>
+    <a:masterClrMapping/>
+  </p:clrMapOvr>
 </p:sldLayout>
 </file>
 
 <file path=ppt/slideLayouts/slideLayout2.xml><?xml version="1.0" encoding="utf-8"?>
-<p:sldLayout xmlns:a="http://schemas.openxmlformats.org/drawingml/2006/main" xmlns:p="http://schemas.openxmlformats.org/presentationml/2006/main" xmlns:r="http://schemas.openxmlformats.org/officeDocument/2006/relationships" xmlns:p14="http://schemas.microsoft.com/office/powerpoint/2010/main" xmlns:p15="http://schemas.microsoft.com/office/powerpoint/2012/main" xmlns:mc="http://schemas.openxmlformats.org/markup-compatibility/2006" type="tx" preserve="1">
+<p:sldLayout xmlns:a="http://schemas.openxmlformats.org/drawingml/2006/main" xmlns:r="http://schemas.openxmlformats.org/officeDocument/2006/relationships" xmlns:p="http://schemas.openxmlformats.org/presentationml/2006/main" type="tx" preserve="1">
   <p:cSld name="Title Slide">
     <p:spTree>
       <p:nvGrpSpPr>
@@ -2150,14 +2322,15 @@
           </a:ln>
         </p:spPr>
         <p:txBody>
-          <a:bodyPr lIns="0" rIns="0" tIns="0" bIns="0" anchor="ctr">
+          <a:bodyPr lIns="0" tIns="0" rIns="0" bIns="0" anchor="ctr">
             <a:noAutofit/>
           </a:bodyPr>
+          <a:lstStyle/>
           <a:p>
             <a:pPr indent="0" algn="ctr">
               <a:buNone/>
             </a:pPr>
-            <a:endParaRPr b="0" lang="en-US" sz="4400" spc="-1" strike="noStrike">
+            <a:endParaRPr lang="en-US" sz="4400" b="0" strike="noStrike" spc="-1">
               <a:solidFill>
                 <a:srgbClr val="000000"/>
               </a:solidFill>
@@ -2190,14 +2363,15 @@
           </a:ln>
         </p:spPr>
         <p:txBody>
-          <a:bodyPr lIns="0" rIns="0" tIns="0" bIns="0" anchor="ctr">
+          <a:bodyPr lIns="0" tIns="0" rIns="0" bIns="0" anchor="ctr">
             <a:noAutofit/>
           </a:bodyPr>
+          <a:lstStyle/>
           <a:p>
             <a:pPr indent="0" algn="ctr">
               <a:buNone/>
             </a:pPr>
-            <a:endParaRPr b="0" lang="en-US" sz="3200" spc="-1" strike="noStrike">
+            <a:endParaRPr lang="en-US" sz="3200" b="0" strike="noStrike" spc="-1">
               <a:solidFill>
                 <a:srgbClr val="000000"/>
               </a:solidFill>
@@ -2219,6 +2393,7 @@
         <p:spPr/>
         <p:txBody>
           <a:bodyPr/>
+          <a:lstStyle/>
           <a:p>
             <a:r>
               <a:t>Footer</a:t>
@@ -2228,7 +2403,7 @@
       </p:sp>
       <p:sp>
         <p:nvSpPr>
-          <p:cNvPr id="5" name="PlaceHolder 4"/>
+          <p:cNvPr id="2" name="PlaceHolder 4"/>
           <p:cNvSpPr>
             <a:spLocks noGrp="1"/>
           </p:cNvSpPr>
@@ -2239,16 +2414,18 @@
         <p:spPr/>
         <p:txBody>
           <a:bodyPr/>
+          <a:lstStyle/>
           <a:p>
             <a:fld id="{5E85DE7F-E0F0-4181-B75B-577B6328C167}" type="slidenum">
-              <a:t>&lt;#&gt;</a:t>
+              <a:t>‹#›</a:t>
             </a:fld>
-          </a:p>
-        </p:txBody>
-      </p:sp>
-      <p:sp>
-        <p:nvSpPr>
-          <p:cNvPr id="6" name="PlaceHolder 5"/>
+            <a:endParaRPr/>
+          </a:p>
+        </p:txBody>
+      </p:sp>
+      <p:sp>
+        <p:nvSpPr>
+          <p:cNvPr id="3" name="PlaceHolder 5"/>
           <p:cNvSpPr>
             <a:spLocks noGrp="1"/>
           </p:cNvSpPr>
@@ -2259,21 +2436,22 @@
         <p:spPr/>
         <p:txBody>
           <a:bodyPr/>
-          <a:p>
-            <a:r>
-              <a:rPr lang="en-US"/>
-              <a:t/>
-            </a:r>
+          <a:lstStyle/>
+          <a:p>
+            <a:endParaRPr/>
           </a:p>
         </p:txBody>
       </p:sp>
     </p:spTree>
   </p:cSld>
+  <p:clrMapOvr>
+    <a:masterClrMapping/>
+  </p:clrMapOvr>
 </p:sldLayout>
 </file>
 
 <file path=ppt/slideLayouts/slideLayout20.xml><?xml version="1.0" encoding="utf-8"?>
-<p:sldLayout xmlns:a="http://schemas.openxmlformats.org/drawingml/2006/main" xmlns:p="http://schemas.openxmlformats.org/presentationml/2006/main" xmlns:r="http://schemas.openxmlformats.org/officeDocument/2006/relationships" xmlns:p14="http://schemas.microsoft.com/office/powerpoint/2010/main" xmlns:p15="http://schemas.microsoft.com/office/powerpoint/2012/main" xmlns:mc="http://schemas.openxmlformats.org/markup-compatibility/2006" type="objAndTwoObj" preserve="1">
+<p:sldLayout xmlns:a="http://schemas.openxmlformats.org/drawingml/2006/main" xmlns:r="http://schemas.openxmlformats.org/officeDocument/2006/relationships" xmlns:p="http://schemas.openxmlformats.org/presentationml/2006/main" type="objAndTwoObj" preserve="1">
   <p:cSld name="Title Content and 2 Content">
     <p:spTree>
       <p:nvGrpSpPr>
@@ -2313,14 +2491,15 @@
           </a:ln>
         </p:spPr>
         <p:txBody>
-          <a:bodyPr lIns="0" rIns="0" tIns="0" bIns="0" anchor="ctr">
+          <a:bodyPr lIns="0" tIns="0" rIns="0" bIns="0" anchor="ctr">
             <a:noAutofit/>
           </a:bodyPr>
+          <a:lstStyle/>
           <a:p>
             <a:pPr indent="0" algn="ctr">
               <a:buNone/>
             </a:pPr>
-            <a:endParaRPr b="0" lang="en-US" sz="4400" spc="-1" strike="noStrike">
+            <a:endParaRPr lang="en-US" sz="4400" b="0" strike="noStrike" spc="-1">
               <a:solidFill>
                 <a:srgbClr val="000000"/>
               </a:solidFill>
@@ -2353,9 +2532,10 @@
           </a:ln>
         </p:spPr>
         <p:txBody>
-          <a:bodyPr lIns="0" rIns="0" tIns="0" bIns="0" anchor="t">
+          <a:bodyPr lIns="0" tIns="0" rIns="0" bIns="0" anchor="t">
             <a:normAutofit/>
           </a:bodyPr>
+          <a:lstStyle/>
           <a:p>
             <a:pPr indent="0">
               <a:spcBef>
@@ -2363,7 +2543,7 @@
               </a:spcBef>
               <a:buNone/>
             </a:pPr>
-            <a:endParaRPr b="0" lang="en-US" sz="3200" spc="-1" strike="noStrike">
+            <a:endParaRPr lang="en-US" sz="3200" b="0" strike="noStrike" spc="-1">
               <a:solidFill>
                 <a:srgbClr val="000000"/>
               </a:solidFill>
@@ -2396,9 +2576,10 @@
           </a:ln>
         </p:spPr>
         <p:txBody>
-          <a:bodyPr lIns="0" rIns="0" tIns="0" bIns="0" anchor="t">
+          <a:bodyPr lIns="0" tIns="0" rIns="0" bIns="0" anchor="t">
             <a:normAutofit/>
           </a:bodyPr>
+          <a:lstStyle/>
           <a:p>
             <a:pPr indent="0">
               <a:spcBef>
@@ -2406,7 +2587,7 @@
               </a:spcBef>
               <a:buNone/>
             </a:pPr>
-            <a:endParaRPr b="0" lang="en-US" sz="3200" spc="-1" strike="noStrike">
+            <a:endParaRPr lang="en-US" sz="3200" b="0" strike="noStrike" spc="-1">
               <a:solidFill>
                 <a:srgbClr val="000000"/>
               </a:solidFill>
@@ -2439,9 +2620,10 @@
           </a:ln>
         </p:spPr>
         <p:txBody>
-          <a:bodyPr lIns="0" rIns="0" tIns="0" bIns="0" anchor="t">
+          <a:bodyPr lIns="0" tIns="0" rIns="0" bIns="0" anchor="t">
             <a:normAutofit/>
           </a:bodyPr>
+          <a:lstStyle/>
           <a:p>
             <a:pPr indent="0">
               <a:spcBef>
@@ -2449,7 +2631,7 @@
               </a:spcBef>
               <a:buNone/>
             </a:pPr>
-            <a:endParaRPr b="0" lang="en-US" sz="3200" spc="-1" strike="noStrike">
+            <a:endParaRPr lang="en-US" sz="3200" b="0" strike="noStrike" spc="-1">
               <a:solidFill>
                 <a:srgbClr val="000000"/>
               </a:solidFill>
@@ -2471,6 +2653,7 @@
         <p:spPr/>
         <p:txBody>
           <a:bodyPr/>
+          <a:lstStyle/>
           <a:p>
             <a:r>
               <a:t>Footer</a:t>
@@ -2491,10 +2674,12 @@
         <p:spPr/>
         <p:txBody>
           <a:bodyPr/>
+          <a:lstStyle/>
           <a:p>
             <a:fld id="{ACEF8EF8-F7C1-4617-A51D-4A26B53C6639}" type="slidenum">
-              <a:t>&lt;#&gt;</a:t>
+              <a:t>‹#›</a:t>
             </a:fld>
+            <a:endParaRPr/>
           </a:p>
         </p:txBody>
       </p:sp>
@@ -2511,21 +2696,22 @@
         <p:spPr/>
         <p:txBody>
           <a:bodyPr/>
-          <a:p>
-            <a:r>
-              <a:rPr lang="en-US"/>
-              <a:t/>
-            </a:r>
+          <a:lstStyle/>
+          <a:p>
+            <a:endParaRPr/>
           </a:p>
         </p:txBody>
       </p:sp>
     </p:spTree>
   </p:cSld>
+  <p:clrMapOvr>
+    <a:masterClrMapping/>
+  </p:clrMapOvr>
 </p:sldLayout>
 </file>
 
 <file path=ppt/slideLayouts/slideLayout21.xml><?xml version="1.0" encoding="utf-8"?>
-<p:sldLayout xmlns:a="http://schemas.openxmlformats.org/drawingml/2006/main" xmlns:p="http://schemas.openxmlformats.org/presentationml/2006/main" xmlns:r="http://schemas.openxmlformats.org/officeDocument/2006/relationships" xmlns:p14="http://schemas.microsoft.com/office/powerpoint/2010/main" xmlns:p15="http://schemas.microsoft.com/office/powerpoint/2012/main" xmlns:mc="http://schemas.openxmlformats.org/markup-compatibility/2006" type="twoObjOverTx" preserve="1">
+<p:sldLayout xmlns:a="http://schemas.openxmlformats.org/drawingml/2006/main" xmlns:r="http://schemas.openxmlformats.org/officeDocument/2006/relationships" xmlns:p="http://schemas.openxmlformats.org/presentationml/2006/main" type="twoObjOverTx" preserve="1">
   <p:cSld name="Title, 2 Content over Content">
     <p:spTree>
       <p:nvGrpSpPr>
@@ -2565,14 +2751,15 @@
           </a:ln>
         </p:spPr>
         <p:txBody>
-          <a:bodyPr lIns="0" rIns="0" tIns="0" bIns="0" anchor="ctr">
+          <a:bodyPr lIns="0" tIns="0" rIns="0" bIns="0" anchor="ctr">
             <a:noAutofit/>
           </a:bodyPr>
+          <a:lstStyle/>
           <a:p>
             <a:pPr indent="0" algn="ctr">
               <a:buNone/>
             </a:pPr>
-            <a:endParaRPr b="0" lang="en-US" sz="4400" spc="-1" strike="noStrike">
+            <a:endParaRPr lang="en-US" sz="4400" b="0" strike="noStrike" spc="-1">
               <a:solidFill>
                 <a:srgbClr val="000000"/>
               </a:solidFill>
@@ -2605,9 +2792,10 @@
           </a:ln>
         </p:spPr>
         <p:txBody>
-          <a:bodyPr lIns="0" rIns="0" tIns="0" bIns="0" anchor="t">
+          <a:bodyPr lIns="0" tIns="0" rIns="0" bIns="0" anchor="t">
             <a:normAutofit/>
           </a:bodyPr>
+          <a:lstStyle/>
           <a:p>
             <a:pPr indent="0">
               <a:spcBef>
@@ -2615,7 +2803,7 @@
               </a:spcBef>
               <a:buNone/>
             </a:pPr>
-            <a:endParaRPr b="0" lang="en-US" sz="3200" spc="-1" strike="noStrike">
+            <a:endParaRPr lang="en-US" sz="3200" b="0" strike="noStrike" spc="-1">
               <a:solidFill>
                 <a:srgbClr val="000000"/>
               </a:solidFill>
@@ -2648,9 +2836,10 @@
           </a:ln>
         </p:spPr>
         <p:txBody>
-          <a:bodyPr lIns="0" rIns="0" tIns="0" bIns="0" anchor="t">
+          <a:bodyPr lIns="0" tIns="0" rIns="0" bIns="0" anchor="t">
             <a:normAutofit/>
           </a:bodyPr>
+          <a:lstStyle/>
           <a:p>
             <a:pPr indent="0">
               <a:spcBef>
@@ -2658,7 +2847,7 @@
               </a:spcBef>
               <a:buNone/>
             </a:pPr>
-            <a:endParaRPr b="0" lang="en-US" sz="3200" spc="-1" strike="noStrike">
+            <a:endParaRPr lang="en-US" sz="3200" b="0" strike="noStrike" spc="-1">
               <a:solidFill>
                 <a:srgbClr val="000000"/>
               </a:solidFill>
@@ -2691,9 +2880,10 @@
           </a:ln>
         </p:spPr>
         <p:txBody>
-          <a:bodyPr lIns="0" rIns="0" tIns="0" bIns="0" anchor="t">
+          <a:bodyPr lIns="0" tIns="0" rIns="0" bIns="0" anchor="t">
             <a:normAutofit/>
           </a:bodyPr>
+          <a:lstStyle/>
           <a:p>
             <a:pPr indent="0">
               <a:spcBef>
@@ -2701,7 +2891,7 @@
               </a:spcBef>
               <a:buNone/>
             </a:pPr>
-            <a:endParaRPr b="0" lang="en-US" sz="3200" spc="-1" strike="noStrike">
+            <a:endParaRPr lang="en-US" sz="3200" b="0" strike="noStrike" spc="-1">
               <a:solidFill>
                 <a:srgbClr val="000000"/>
               </a:solidFill>
@@ -2723,6 +2913,7 @@
         <p:spPr/>
         <p:txBody>
           <a:bodyPr/>
+          <a:lstStyle/>
           <a:p>
             <a:r>
               <a:t>Footer</a:t>
@@ -2743,10 +2934,12 @@
         <p:spPr/>
         <p:txBody>
           <a:bodyPr/>
+          <a:lstStyle/>
           <a:p>
             <a:fld id="{0CA11AF9-871E-4585-8BC1-86FF4C41B908}" type="slidenum">
-              <a:t>&lt;#&gt;</a:t>
+              <a:t>‹#›</a:t>
             </a:fld>
+            <a:endParaRPr/>
           </a:p>
         </p:txBody>
       </p:sp>
@@ -2763,21 +2956,22 @@
         <p:spPr/>
         <p:txBody>
           <a:bodyPr/>
-          <a:p>
-            <a:r>
-              <a:rPr lang="en-US"/>
-              <a:t/>
-            </a:r>
+          <a:lstStyle/>
+          <a:p>
+            <a:endParaRPr/>
           </a:p>
         </p:txBody>
       </p:sp>
     </p:spTree>
   </p:cSld>
+  <p:clrMapOvr>
+    <a:masterClrMapping/>
+  </p:clrMapOvr>
 </p:sldLayout>
 </file>
 
 <file path=ppt/slideLayouts/slideLayout22.xml><?xml version="1.0" encoding="utf-8"?>
-<p:sldLayout xmlns:a="http://schemas.openxmlformats.org/drawingml/2006/main" xmlns:p="http://schemas.openxmlformats.org/presentationml/2006/main" xmlns:r="http://schemas.openxmlformats.org/officeDocument/2006/relationships" xmlns:p14="http://schemas.microsoft.com/office/powerpoint/2010/main" xmlns:p15="http://schemas.microsoft.com/office/powerpoint/2012/main" xmlns:mc="http://schemas.openxmlformats.org/markup-compatibility/2006" type="objOverTx" preserve="1">
+<p:sldLayout xmlns:a="http://schemas.openxmlformats.org/drawingml/2006/main" xmlns:r="http://schemas.openxmlformats.org/officeDocument/2006/relationships" xmlns:p="http://schemas.openxmlformats.org/presentationml/2006/main" type="objOverTx" preserve="1">
   <p:cSld name="Title, Content over Content">
     <p:spTree>
       <p:nvGrpSpPr>
@@ -2817,14 +3011,15 @@
           </a:ln>
         </p:spPr>
         <p:txBody>
-          <a:bodyPr lIns="0" rIns="0" tIns="0" bIns="0" anchor="ctr">
+          <a:bodyPr lIns="0" tIns="0" rIns="0" bIns="0" anchor="ctr">
             <a:noAutofit/>
           </a:bodyPr>
+          <a:lstStyle/>
           <a:p>
             <a:pPr indent="0" algn="ctr">
               <a:buNone/>
             </a:pPr>
-            <a:endParaRPr b="0" lang="en-US" sz="4400" spc="-1" strike="noStrike">
+            <a:endParaRPr lang="en-US" sz="4400" b="0" strike="noStrike" spc="-1">
               <a:solidFill>
                 <a:srgbClr val="000000"/>
               </a:solidFill>
@@ -2857,9 +3052,10 @@
           </a:ln>
         </p:spPr>
         <p:txBody>
-          <a:bodyPr lIns="0" rIns="0" tIns="0" bIns="0" anchor="t">
+          <a:bodyPr lIns="0" tIns="0" rIns="0" bIns="0" anchor="t">
             <a:normAutofit/>
           </a:bodyPr>
+          <a:lstStyle/>
           <a:p>
             <a:pPr indent="0">
               <a:spcBef>
@@ -2867,7 +3063,7 @@
               </a:spcBef>
               <a:buNone/>
             </a:pPr>
-            <a:endParaRPr b="0" lang="en-US" sz="3200" spc="-1" strike="noStrike">
+            <a:endParaRPr lang="en-US" sz="3200" b="0" strike="noStrike" spc="-1">
               <a:solidFill>
                 <a:srgbClr val="000000"/>
               </a:solidFill>
@@ -2900,9 +3096,10 @@
           </a:ln>
         </p:spPr>
         <p:txBody>
-          <a:bodyPr lIns="0" rIns="0" tIns="0" bIns="0" anchor="t">
+          <a:bodyPr lIns="0" tIns="0" rIns="0" bIns="0" anchor="t">
             <a:normAutofit/>
           </a:bodyPr>
+          <a:lstStyle/>
           <a:p>
             <a:pPr indent="0">
               <a:spcBef>
@@ -2910,7 +3107,7 @@
               </a:spcBef>
               <a:buNone/>
             </a:pPr>
-            <a:endParaRPr b="0" lang="en-US" sz="3200" spc="-1" strike="noStrike">
+            <a:endParaRPr lang="en-US" sz="3200" b="0" strike="noStrike" spc="-1">
               <a:solidFill>
                 <a:srgbClr val="000000"/>
               </a:solidFill>
@@ -2932,6 +3129,7 @@
         <p:spPr/>
         <p:txBody>
           <a:bodyPr/>
+          <a:lstStyle/>
           <a:p>
             <a:r>
               <a:t>Footer</a:t>
@@ -2952,10 +3150,12 @@
         <p:spPr/>
         <p:txBody>
           <a:bodyPr/>
+          <a:lstStyle/>
           <a:p>
             <a:fld id="{6B121245-4284-46B8-A8D8-031A3CDA5E4F}" type="slidenum">
-              <a:t>&lt;#&gt;</a:t>
+              <a:t>‹#›</a:t>
             </a:fld>
+            <a:endParaRPr/>
           </a:p>
         </p:txBody>
       </p:sp>
@@ -2972,21 +3172,22 @@
         <p:spPr/>
         <p:txBody>
           <a:bodyPr/>
-          <a:p>
-            <a:r>
-              <a:rPr lang="en-US"/>
-              <a:t/>
-            </a:r>
+          <a:lstStyle/>
+          <a:p>
+            <a:endParaRPr/>
           </a:p>
         </p:txBody>
       </p:sp>
     </p:spTree>
   </p:cSld>
+  <p:clrMapOvr>
+    <a:masterClrMapping/>
+  </p:clrMapOvr>
 </p:sldLayout>
 </file>
 
 <file path=ppt/slideLayouts/slideLayout23.xml><?xml version="1.0" encoding="utf-8"?>
-<p:sldLayout xmlns:a="http://schemas.openxmlformats.org/drawingml/2006/main" xmlns:p="http://schemas.openxmlformats.org/presentationml/2006/main" xmlns:r="http://schemas.openxmlformats.org/officeDocument/2006/relationships" xmlns:p14="http://schemas.microsoft.com/office/powerpoint/2010/main" xmlns:p15="http://schemas.microsoft.com/office/powerpoint/2012/main" xmlns:mc="http://schemas.openxmlformats.org/markup-compatibility/2006" type="fourObj" preserve="1">
+<p:sldLayout xmlns:a="http://schemas.openxmlformats.org/drawingml/2006/main" xmlns:r="http://schemas.openxmlformats.org/officeDocument/2006/relationships" xmlns:p="http://schemas.openxmlformats.org/presentationml/2006/main" type="fourObj" preserve="1">
   <p:cSld name="Title, 4 Content">
     <p:spTree>
       <p:nvGrpSpPr>
@@ -3026,14 +3227,15 @@
           </a:ln>
         </p:spPr>
         <p:txBody>
-          <a:bodyPr lIns="0" rIns="0" tIns="0" bIns="0" anchor="ctr">
+          <a:bodyPr lIns="0" tIns="0" rIns="0" bIns="0" anchor="ctr">
             <a:noAutofit/>
           </a:bodyPr>
+          <a:lstStyle/>
           <a:p>
             <a:pPr indent="0" algn="ctr">
               <a:buNone/>
             </a:pPr>
-            <a:endParaRPr b="0" lang="en-US" sz="4400" spc="-1" strike="noStrike">
+            <a:endParaRPr lang="en-US" sz="4400" b="0" strike="noStrike" spc="-1">
               <a:solidFill>
                 <a:srgbClr val="000000"/>
               </a:solidFill>
@@ -3066,9 +3268,10 @@
           </a:ln>
         </p:spPr>
         <p:txBody>
-          <a:bodyPr lIns="0" rIns="0" tIns="0" bIns="0" anchor="t">
+          <a:bodyPr lIns="0" tIns="0" rIns="0" bIns="0" anchor="t">
             <a:normAutofit/>
           </a:bodyPr>
+          <a:lstStyle/>
           <a:p>
             <a:pPr indent="0">
               <a:spcBef>
@@ -3076,7 +3279,7 @@
               </a:spcBef>
               <a:buNone/>
             </a:pPr>
-            <a:endParaRPr b="0" lang="en-US" sz="3200" spc="-1" strike="noStrike">
+            <a:endParaRPr lang="en-US" sz="3200" b="0" strike="noStrike" spc="-1">
               <a:solidFill>
                 <a:srgbClr val="000000"/>
               </a:solidFill>
@@ -3109,9 +3312,10 @@
           </a:ln>
         </p:spPr>
         <p:txBody>
-          <a:bodyPr lIns="0" rIns="0" tIns="0" bIns="0" anchor="t">
+          <a:bodyPr lIns="0" tIns="0" rIns="0" bIns="0" anchor="t">
             <a:normAutofit/>
           </a:bodyPr>
+          <a:lstStyle/>
           <a:p>
             <a:pPr indent="0">
               <a:spcBef>
@@ -3119,7 +3323,7 @@
               </a:spcBef>
               <a:buNone/>
             </a:pPr>
-            <a:endParaRPr b="0" lang="en-US" sz="3200" spc="-1" strike="noStrike">
+            <a:endParaRPr lang="en-US" sz="3200" b="0" strike="noStrike" spc="-1">
               <a:solidFill>
                 <a:srgbClr val="000000"/>
               </a:solidFill>
@@ -3152,9 +3356,10 @@
           </a:ln>
         </p:spPr>
         <p:txBody>
-          <a:bodyPr lIns="0" rIns="0" tIns="0" bIns="0" anchor="t">
+          <a:bodyPr lIns="0" tIns="0" rIns="0" bIns="0" anchor="t">
             <a:normAutofit/>
           </a:bodyPr>
+          <a:lstStyle/>
           <a:p>
             <a:pPr indent="0">
               <a:spcBef>
@@ -3162,7 +3367,7 @@
               </a:spcBef>
               <a:buNone/>
             </a:pPr>
-            <a:endParaRPr b="0" lang="en-US" sz="3200" spc="-1" strike="noStrike">
+            <a:endParaRPr lang="en-US" sz="3200" b="0" strike="noStrike" spc="-1">
               <a:solidFill>
                 <a:srgbClr val="000000"/>
               </a:solidFill>
@@ -3195,9 +3400,10 @@
           </a:ln>
         </p:spPr>
         <p:txBody>
-          <a:bodyPr lIns="0" rIns="0" tIns="0" bIns="0" anchor="t">
+          <a:bodyPr lIns="0" tIns="0" rIns="0" bIns="0" anchor="t">
             <a:normAutofit/>
           </a:bodyPr>
+          <a:lstStyle/>
           <a:p>
             <a:pPr indent="0">
               <a:spcBef>
@@ -3205,7 +3411,7 @@
               </a:spcBef>
               <a:buNone/>
             </a:pPr>
-            <a:endParaRPr b="0" lang="en-US" sz="3200" spc="-1" strike="noStrike">
+            <a:endParaRPr lang="en-US" sz="3200" b="0" strike="noStrike" spc="-1">
               <a:solidFill>
                 <a:srgbClr val="000000"/>
               </a:solidFill>
@@ -3227,6 +3433,7 @@
         <p:spPr/>
         <p:txBody>
           <a:bodyPr/>
+          <a:lstStyle/>
           <a:p>
             <a:r>
               <a:t>Footer</a:t>
@@ -3247,10 +3454,12 @@
         <p:spPr/>
         <p:txBody>
           <a:bodyPr/>
+          <a:lstStyle/>
           <a:p>
             <a:fld id="{371F58B5-F780-4FC5-95A5-7ADF377148DC}" type="slidenum">
-              <a:t>&lt;#&gt;</a:t>
+              <a:t>‹#›</a:t>
             </a:fld>
+            <a:endParaRPr/>
           </a:p>
         </p:txBody>
       </p:sp>
@@ -3267,21 +3476,22 @@
         <p:spPr/>
         <p:txBody>
           <a:bodyPr/>
-          <a:p>
-            <a:r>
-              <a:rPr lang="en-US"/>
-              <a:t/>
-            </a:r>
+          <a:lstStyle/>
+          <a:p>
+            <a:endParaRPr/>
           </a:p>
         </p:txBody>
       </p:sp>
     </p:spTree>
   </p:cSld>
+  <p:clrMapOvr>
+    <a:masterClrMapping/>
+  </p:clrMapOvr>
 </p:sldLayout>
 </file>
 
 <file path=ppt/slideLayouts/slideLayout24.xml><?xml version="1.0" encoding="utf-8"?>
-<p:sldLayout xmlns:a="http://schemas.openxmlformats.org/drawingml/2006/main" xmlns:p="http://schemas.openxmlformats.org/presentationml/2006/main" xmlns:r="http://schemas.openxmlformats.org/officeDocument/2006/relationships" xmlns:p14="http://schemas.microsoft.com/office/powerpoint/2010/main" xmlns:p15="http://schemas.microsoft.com/office/powerpoint/2012/main" xmlns:mc="http://schemas.openxmlformats.org/markup-compatibility/2006" type="blank" preserve="1">
+<p:sldLayout xmlns:a="http://schemas.openxmlformats.org/drawingml/2006/main" xmlns:r="http://schemas.openxmlformats.org/officeDocument/2006/relationships" xmlns:p="http://schemas.openxmlformats.org/presentationml/2006/main" type="blank" preserve="1">
   <p:cSld name="Title, 6 Content">
     <p:spTree>
       <p:nvGrpSpPr>
@@ -3321,14 +3531,15 @@
           </a:ln>
         </p:spPr>
         <p:txBody>
-          <a:bodyPr lIns="0" rIns="0" tIns="0" bIns="0" anchor="ctr">
+          <a:bodyPr lIns="0" tIns="0" rIns="0" bIns="0" anchor="ctr">
             <a:noAutofit/>
           </a:bodyPr>
+          <a:lstStyle/>
           <a:p>
             <a:pPr indent="0" algn="ctr">
               <a:buNone/>
             </a:pPr>
-            <a:endParaRPr b="0" lang="en-US" sz="4400" spc="-1" strike="noStrike">
+            <a:endParaRPr lang="en-US" sz="4400" b="0" strike="noStrike" spc="-1">
               <a:solidFill>
                 <a:srgbClr val="000000"/>
               </a:solidFill>
@@ -3361,9 +3572,10 @@
           </a:ln>
         </p:spPr>
         <p:txBody>
-          <a:bodyPr lIns="0" rIns="0" tIns="0" bIns="0" anchor="t">
+          <a:bodyPr lIns="0" tIns="0" rIns="0" bIns="0" anchor="t">
             <a:normAutofit/>
           </a:bodyPr>
+          <a:lstStyle/>
           <a:p>
             <a:pPr indent="0">
               <a:spcBef>
@@ -3371,7 +3583,7 @@
               </a:spcBef>
               <a:buNone/>
             </a:pPr>
-            <a:endParaRPr b="0" lang="en-US" sz="3200" spc="-1" strike="noStrike">
+            <a:endParaRPr lang="en-US" sz="3200" b="0" strike="noStrike" spc="-1">
               <a:solidFill>
                 <a:srgbClr val="000000"/>
               </a:solidFill>
@@ -3404,9 +3616,10 @@
           </a:ln>
         </p:spPr>
         <p:txBody>
-          <a:bodyPr lIns="0" rIns="0" tIns="0" bIns="0" anchor="t">
+          <a:bodyPr lIns="0" tIns="0" rIns="0" bIns="0" anchor="t">
             <a:normAutofit/>
           </a:bodyPr>
+          <a:lstStyle/>
           <a:p>
             <a:pPr indent="0">
               <a:spcBef>
@@ -3414,7 +3627,7 @@
               </a:spcBef>
               <a:buNone/>
             </a:pPr>
-            <a:endParaRPr b="0" lang="en-US" sz="3200" spc="-1" strike="noStrike">
+            <a:endParaRPr lang="en-US" sz="3200" b="0" strike="noStrike" spc="-1">
               <a:solidFill>
                 <a:srgbClr val="000000"/>
               </a:solidFill>
@@ -3447,9 +3660,10 @@
           </a:ln>
         </p:spPr>
         <p:txBody>
-          <a:bodyPr lIns="0" rIns="0" tIns="0" bIns="0" anchor="t">
+          <a:bodyPr lIns="0" tIns="0" rIns="0" bIns="0" anchor="t">
             <a:normAutofit/>
           </a:bodyPr>
+          <a:lstStyle/>
           <a:p>
             <a:pPr indent="0">
               <a:spcBef>
@@ -3457,7 +3671,7 @@
               </a:spcBef>
               <a:buNone/>
             </a:pPr>
-            <a:endParaRPr b="0" lang="en-US" sz="3200" spc="-1" strike="noStrike">
+            <a:endParaRPr lang="en-US" sz="3200" b="0" strike="noStrike" spc="-1">
               <a:solidFill>
                 <a:srgbClr val="000000"/>
               </a:solidFill>
@@ -3490,9 +3704,10 @@
           </a:ln>
         </p:spPr>
         <p:txBody>
-          <a:bodyPr lIns="0" rIns="0" tIns="0" bIns="0" anchor="t">
+          <a:bodyPr lIns="0" tIns="0" rIns="0" bIns="0" anchor="t">
             <a:normAutofit/>
           </a:bodyPr>
+          <a:lstStyle/>
           <a:p>
             <a:pPr indent="0">
               <a:spcBef>
@@ -3500,7 +3715,7 @@
               </a:spcBef>
               <a:buNone/>
             </a:pPr>
-            <a:endParaRPr b="0" lang="en-US" sz="3200" spc="-1" strike="noStrike">
+            <a:endParaRPr lang="en-US" sz="3200" b="0" strike="noStrike" spc="-1">
               <a:solidFill>
                 <a:srgbClr val="000000"/>
               </a:solidFill>
@@ -3533,9 +3748,10 @@
           </a:ln>
         </p:spPr>
         <p:txBody>
-          <a:bodyPr lIns="0" rIns="0" tIns="0" bIns="0" anchor="t">
+          <a:bodyPr lIns="0" tIns="0" rIns="0" bIns="0" anchor="t">
             <a:normAutofit/>
           </a:bodyPr>
+          <a:lstStyle/>
           <a:p>
             <a:pPr indent="0">
               <a:spcBef>
@@ -3543,7 +3759,7 @@
               </a:spcBef>
               <a:buNone/>
             </a:pPr>
-            <a:endParaRPr b="0" lang="en-US" sz="3200" spc="-1" strike="noStrike">
+            <a:endParaRPr lang="en-US" sz="3200" b="0" strike="noStrike" spc="-1">
               <a:solidFill>
                 <a:srgbClr val="000000"/>
               </a:solidFill>
@@ -3576,9 +3792,10 @@
           </a:ln>
         </p:spPr>
         <p:txBody>
-          <a:bodyPr lIns="0" rIns="0" tIns="0" bIns="0" anchor="t">
+          <a:bodyPr lIns="0" tIns="0" rIns="0" bIns="0" anchor="t">
             <a:normAutofit/>
           </a:bodyPr>
+          <a:lstStyle/>
           <a:p>
             <a:pPr indent="0">
               <a:spcBef>
@@ -3586,7 +3803,7 @@
               </a:spcBef>
               <a:buNone/>
             </a:pPr>
-            <a:endParaRPr b="0" lang="en-US" sz="3200" spc="-1" strike="noStrike">
+            <a:endParaRPr lang="en-US" sz="3200" b="0" strike="noStrike" spc="-1">
               <a:solidFill>
                 <a:srgbClr val="000000"/>
               </a:solidFill>
@@ -3608,6 +3825,7 @@
         <p:spPr/>
         <p:txBody>
           <a:bodyPr/>
+          <a:lstStyle/>
           <a:p>
             <a:r>
               <a:t>Footer</a:t>
@@ -3628,10 +3846,12 @@
         <p:spPr/>
         <p:txBody>
           <a:bodyPr/>
+          <a:lstStyle/>
           <a:p>
             <a:fld id="{67A4020A-3468-4DA1-88B8-220603A8D0C6}" type="slidenum">
-              <a:t>&lt;#&gt;</a:t>
+              <a:t>‹#›</a:t>
             </a:fld>
+            <a:endParaRPr/>
           </a:p>
         </p:txBody>
       </p:sp>
@@ -3648,21 +3868,22 @@
         <p:spPr/>
         <p:txBody>
           <a:bodyPr/>
-          <a:p>
-            <a:r>
-              <a:rPr lang="en-US"/>
-              <a:t/>
-            </a:r>
+          <a:lstStyle/>
+          <a:p>
+            <a:endParaRPr/>
           </a:p>
         </p:txBody>
       </p:sp>
     </p:spTree>
   </p:cSld>
+  <p:clrMapOvr>
+    <a:masterClrMapping/>
+  </p:clrMapOvr>
 </p:sldLayout>
 </file>
 
 <file path=ppt/slideLayouts/slideLayout3.xml><?xml version="1.0" encoding="utf-8"?>
-<p:sldLayout xmlns:a="http://schemas.openxmlformats.org/drawingml/2006/main" xmlns:p="http://schemas.openxmlformats.org/presentationml/2006/main" xmlns:r="http://schemas.openxmlformats.org/officeDocument/2006/relationships" xmlns:p14="http://schemas.microsoft.com/office/powerpoint/2010/main" xmlns:p15="http://schemas.microsoft.com/office/powerpoint/2012/main" xmlns:mc="http://schemas.openxmlformats.org/markup-compatibility/2006" type="obj" preserve="1">
+<p:sldLayout xmlns:a="http://schemas.openxmlformats.org/drawingml/2006/main" xmlns:r="http://schemas.openxmlformats.org/officeDocument/2006/relationships" xmlns:p="http://schemas.openxmlformats.org/presentationml/2006/main" type="obj" preserve="1">
   <p:cSld name="Title, Content">
     <p:spTree>
       <p:nvGrpSpPr>
@@ -3702,14 +3923,15 @@
           </a:ln>
         </p:spPr>
         <p:txBody>
-          <a:bodyPr lIns="0" rIns="0" tIns="0" bIns="0" anchor="ctr">
+          <a:bodyPr lIns="0" tIns="0" rIns="0" bIns="0" anchor="ctr">
             <a:noAutofit/>
           </a:bodyPr>
+          <a:lstStyle/>
           <a:p>
             <a:pPr indent="0" algn="ctr">
               <a:buNone/>
             </a:pPr>
-            <a:endParaRPr b="0" lang="en-US" sz="4400" spc="-1" strike="noStrike">
+            <a:endParaRPr lang="en-US" sz="4400" b="0" strike="noStrike" spc="-1">
               <a:solidFill>
                 <a:srgbClr val="000000"/>
               </a:solidFill>
@@ -3742,9 +3964,10 @@
           </a:ln>
         </p:spPr>
         <p:txBody>
-          <a:bodyPr lIns="0" rIns="0" tIns="0" bIns="0" anchor="t">
+          <a:bodyPr lIns="0" tIns="0" rIns="0" bIns="0" anchor="t">
             <a:normAutofit/>
           </a:bodyPr>
+          <a:lstStyle/>
           <a:p>
             <a:pPr indent="0">
               <a:spcBef>
@@ -3752,7 +3975,7 @@
               </a:spcBef>
               <a:buNone/>
             </a:pPr>
-            <a:endParaRPr b="0" lang="en-US" sz="3200" spc="-1" strike="noStrike">
+            <a:endParaRPr lang="en-US" sz="3200" b="0" strike="noStrike" spc="-1">
               <a:solidFill>
                 <a:srgbClr val="000000"/>
               </a:solidFill>
@@ -3774,6 +3997,7 @@
         <p:spPr/>
         <p:txBody>
           <a:bodyPr/>
+          <a:lstStyle/>
           <a:p>
             <a:r>
               <a:t>Footer</a:t>
@@ -3794,10 +4018,12 @@
         <p:spPr/>
         <p:txBody>
           <a:bodyPr/>
+          <a:lstStyle/>
           <a:p>
             <a:fld id="{0686A92E-E1AA-4AE2-A5E9-4CA643AC5C93}" type="slidenum">
-              <a:t>&lt;#&gt;</a:t>
+              <a:t>‹#›</a:t>
             </a:fld>
+            <a:endParaRPr/>
           </a:p>
         </p:txBody>
       </p:sp>
@@ -3814,21 +4040,22 @@
         <p:spPr/>
         <p:txBody>
           <a:bodyPr/>
-          <a:p>
-            <a:r>
-              <a:rPr lang="en-US"/>
-              <a:t/>
-            </a:r>
+          <a:lstStyle/>
+          <a:p>
+            <a:endParaRPr/>
           </a:p>
         </p:txBody>
       </p:sp>
     </p:spTree>
   </p:cSld>
+  <p:clrMapOvr>
+    <a:masterClrMapping/>
+  </p:clrMapOvr>
 </p:sldLayout>
 </file>
 
 <file path=ppt/slideLayouts/slideLayout4.xml><?xml version="1.0" encoding="utf-8"?>
-<p:sldLayout xmlns:a="http://schemas.openxmlformats.org/drawingml/2006/main" xmlns:p="http://schemas.openxmlformats.org/presentationml/2006/main" xmlns:r="http://schemas.openxmlformats.org/officeDocument/2006/relationships" xmlns:p14="http://schemas.microsoft.com/office/powerpoint/2010/main" xmlns:p15="http://schemas.microsoft.com/office/powerpoint/2012/main" xmlns:mc="http://schemas.openxmlformats.org/markup-compatibility/2006" type="twoObj" preserve="1">
+<p:sldLayout xmlns:a="http://schemas.openxmlformats.org/drawingml/2006/main" xmlns:r="http://schemas.openxmlformats.org/officeDocument/2006/relationships" xmlns:p="http://schemas.openxmlformats.org/presentationml/2006/main" type="twoObj" preserve="1">
   <p:cSld name="Title, 2 Content">
     <p:spTree>
       <p:nvGrpSpPr>
@@ -3868,14 +4095,15 @@
           </a:ln>
         </p:spPr>
         <p:txBody>
-          <a:bodyPr lIns="0" rIns="0" tIns="0" bIns="0" anchor="ctr">
+          <a:bodyPr lIns="0" tIns="0" rIns="0" bIns="0" anchor="ctr">
             <a:noAutofit/>
           </a:bodyPr>
+          <a:lstStyle/>
           <a:p>
             <a:pPr indent="0" algn="ctr">
               <a:buNone/>
             </a:pPr>
-            <a:endParaRPr b="0" lang="en-US" sz="4400" spc="-1" strike="noStrike">
+            <a:endParaRPr lang="en-US" sz="4400" b="0" strike="noStrike" spc="-1">
               <a:solidFill>
                 <a:srgbClr val="000000"/>
               </a:solidFill>
@@ -3908,9 +4136,10 @@
           </a:ln>
         </p:spPr>
         <p:txBody>
-          <a:bodyPr lIns="0" rIns="0" tIns="0" bIns="0" anchor="t">
+          <a:bodyPr lIns="0" tIns="0" rIns="0" bIns="0" anchor="t">
             <a:normAutofit/>
           </a:bodyPr>
+          <a:lstStyle/>
           <a:p>
             <a:pPr indent="0">
               <a:spcBef>
@@ -3918,7 +4147,7 @@
               </a:spcBef>
               <a:buNone/>
             </a:pPr>
-            <a:endParaRPr b="0" lang="en-US" sz="3200" spc="-1" strike="noStrike">
+            <a:endParaRPr lang="en-US" sz="3200" b="0" strike="noStrike" spc="-1">
               <a:solidFill>
                 <a:srgbClr val="000000"/>
               </a:solidFill>
@@ -3951,9 +4180,10 @@
           </a:ln>
         </p:spPr>
         <p:txBody>
-          <a:bodyPr lIns="0" rIns="0" tIns="0" bIns="0" anchor="t">
+          <a:bodyPr lIns="0" tIns="0" rIns="0" bIns="0" anchor="t">
             <a:normAutofit/>
           </a:bodyPr>
+          <a:lstStyle/>
           <a:p>
             <a:pPr indent="0">
               <a:spcBef>
@@ -3961,7 +4191,7 @@
               </a:spcBef>
               <a:buNone/>
             </a:pPr>
-            <a:endParaRPr b="0" lang="en-US" sz="3200" spc="-1" strike="noStrike">
+            <a:endParaRPr lang="en-US" sz="3200" b="0" strike="noStrike" spc="-1">
               <a:solidFill>
                 <a:srgbClr val="000000"/>
               </a:solidFill>
@@ -3983,6 +4213,7 @@
         <p:spPr/>
         <p:txBody>
           <a:bodyPr/>
+          <a:lstStyle/>
           <a:p>
             <a:r>
               <a:t>Footer</a:t>
@@ -4003,10 +4234,12 @@
         <p:spPr/>
         <p:txBody>
           <a:bodyPr/>
+          <a:lstStyle/>
           <a:p>
             <a:fld id="{90D09F69-7F84-4C69-B470-9B4D213E2C08}" type="slidenum">
-              <a:t>&lt;#&gt;</a:t>
+              <a:t>‹#›</a:t>
             </a:fld>
+            <a:endParaRPr/>
           </a:p>
         </p:txBody>
       </p:sp>
@@ -4023,21 +4256,22 @@
         <p:spPr/>
         <p:txBody>
           <a:bodyPr/>
-          <a:p>
-            <a:r>
-              <a:rPr lang="en-US"/>
-              <a:t/>
-            </a:r>
+          <a:lstStyle/>
+          <a:p>
+            <a:endParaRPr/>
           </a:p>
         </p:txBody>
       </p:sp>
     </p:spTree>
   </p:cSld>
+  <p:clrMapOvr>
+    <a:masterClrMapping/>
+  </p:clrMapOvr>
 </p:sldLayout>
 </file>
 
 <file path=ppt/slideLayouts/slideLayout5.xml><?xml version="1.0" encoding="utf-8"?>
-<p:sldLayout xmlns:a="http://schemas.openxmlformats.org/drawingml/2006/main" xmlns:p="http://schemas.openxmlformats.org/presentationml/2006/main" xmlns:r="http://schemas.openxmlformats.org/officeDocument/2006/relationships" xmlns:p14="http://schemas.microsoft.com/office/powerpoint/2010/main" xmlns:p15="http://schemas.microsoft.com/office/powerpoint/2012/main" xmlns:mc="http://schemas.openxmlformats.org/markup-compatibility/2006" type="titleOnly" preserve="1">
+<p:sldLayout xmlns:a="http://schemas.openxmlformats.org/drawingml/2006/main" xmlns:r="http://schemas.openxmlformats.org/officeDocument/2006/relationships" xmlns:p="http://schemas.openxmlformats.org/presentationml/2006/main" type="titleOnly" preserve="1">
   <p:cSld name="Title Only">
     <p:spTree>
       <p:nvGrpSpPr>
@@ -4077,14 +4311,15 @@
           </a:ln>
         </p:spPr>
         <p:txBody>
-          <a:bodyPr lIns="0" rIns="0" tIns="0" bIns="0" anchor="ctr">
+          <a:bodyPr lIns="0" tIns="0" rIns="0" bIns="0" anchor="ctr">
             <a:noAutofit/>
           </a:bodyPr>
+          <a:lstStyle/>
           <a:p>
             <a:pPr indent="0" algn="ctr">
               <a:buNone/>
             </a:pPr>
-            <a:endParaRPr b="0" lang="en-US" sz="4400" spc="-1" strike="noStrike">
+            <a:endParaRPr lang="en-US" sz="4400" b="0" strike="noStrike" spc="-1">
               <a:solidFill>
                 <a:srgbClr val="000000"/>
               </a:solidFill>
@@ -4106,6 +4341,7 @@
         <p:spPr/>
         <p:txBody>
           <a:bodyPr/>
+          <a:lstStyle/>
           <a:p>
             <a:r>
               <a:t>Footer</a:t>
@@ -4126,10 +4362,12 @@
         <p:spPr/>
         <p:txBody>
           <a:bodyPr/>
+          <a:lstStyle/>
           <a:p>
             <a:fld id="{05F27F50-A2B1-4C35-BB4C-8103854C9F35}" type="slidenum">
-              <a:t>&lt;#&gt;</a:t>
+              <a:t>‹#›</a:t>
             </a:fld>
+            <a:endParaRPr/>
           </a:p>
         </p:txBody>
       </p:sp>
@@ -4146,21 +4384,22 @@
         <p:spPr/>
         <p:txBody>
           <a:bodyPr/>
-          <a:p>
-            <a:r>
-              <a:rPr lang="en-US"/>
-              <a:t/>
-            </a:r>
+          <a:lstStyle/>
+          <a:p>
+            <a:endParaRPr/>
           </a:p>
         </p:txBody>
       </p:sp>
     </p:spTree>
   </p:cSld>
+  <p:clrMapOvr>
+    <a:masterClrMapping/>
+  </p:clrMapOvr>
 </p:sldLayout>
 </file>
 
 <file path=ppt/slideLayouts/slideLayout6.xml><?xml version="1.0" encoding="utf-8"?>
-<p:sldLayout xmlns:a="http://schemas.openxmlformats.org/drawingml/2006/main" xmlns:p="http://schemas.openxmlformats.org/presentationml/2006/main" xmlns:r="http://schemas.openxmlformats.org/officeDocument/2006/relationships" xmlns:p14="http://schemas.microsoft.com/office/powerpoint/2010/main" xmlns:p15="http://schemas.microsoft.com/office/powerpoint/2012/main" xmlns:mc="http://schemas.openxmlformats.org/markup-compatibility/2006" type="objOnly" preserve="1">
+<p:sldLayout xmlns:a="http://schemas.openxmlformats.org/drawingml/2006/main" xmlns:r="http://schemas.openxmlformats.org/officeDocument/2006/relationships" xmlns:p="http://schemas.openxmlformats.org/presentationml/2006/main" type="objOnly" preserve="1">
   <p:cSld name="Centered Text">
     <p:spTree>
       <p:nvGrpSpPr>
@@ -4200,12 +4439,13 @@
           </a:ln>
         </p:spPr>
         <p:txBody>
-          <a:bodyPr lIns="0" rIns="0" tIns="0" bIns="0" anchor="ctr">
+          <a:bodyPr lIns="0" tIns="0" rIns="0" bIns="0" anchor="ctr">
             <a:noAutofit/>
           </a:bodyPr>
+          <a:lstStyle/>
           <a:p>
             <a:pPr algn="ctr"/>
-            <a:endParaRPr b="0" lang="en-US" sz="3200" spc="-1" strike="noStrike">
+            <a:endParaRPr lang="en-US" sz="3200" b="0" strike="noStrike" spc="-1">
               <a:solidFill>
                 <a:srgbClr val="000000"/>
               </a:solidFill>
@@ -4227,6 +4467,7 @@
         <p:spPr/>
         <p:txBody>
           <a:bodyPr/>
+          <a:lstStyle/>
           <a:p>
             <a:r>
               <a:t>Footer</a:t>
@@ -4247,10 +4488,12 @@
         <p:spPr/>
         <p:txBody>
           <a:bodyPr/>
+          <a:lstStyle/>
           <a:p>
             <a:fld id="{EB678DBB-7785-4D93-B3C2-EDAC36DAD82F}" type="slidenum">
-              <a:t>&lt;#&gt;</a:t>
+              <a:t>‹#›</a:t>
             </a:fld>
+            <a:endParaRPr/>
           </a:p>
         </p:txBody>
       </p:sp>
@@ -4267,21 +4510,22 @@
         <p:spPr/>
         <p:txBody>
           <a:bodyPr/>
-          <a:p>
-            <a:r>
-              <a:rPr lang="en-US"/>
-              <a:t/>
-            </a:r>
+          <a:lstStyle/>
+          <a:p>
+            <a:endParaRPr/>
           </a:p>
         </p:txBody>
       </p:sp>
     </p:spTree>
   </p:cSld>
+  <p:clrMapOvr>
+    <a:masterClrMapping/>
+  </p:clrMapOvr>
 </p:sldLayout>
 </file>
 
 <file path=ppt/slideLayouts/slideLayout7.xml><?xml version="1.0" encoding="utf-8"?>
-<p:sldLayout xmlns:a="http://schemas.openxmlformats.org/drawingml/2006/main" xmlns:p="http://schemas.openxmlformats.org/presentationml/2006/main" xmlns:r="http://schemas.openxmlformats.org/officeDocument/2006/relationships" xmlns:p14="http://schemas.microsoft.com/office/powerpoint/2010/main" xmlns:p15="http://schemas.microsoft.com/office/powerpoint/2012/main" xmlns:mc="http://schemas.openxmlformats.org/markup-compatibility/2006" type="twoObjAndObj" preserve="1">
+<p:sldLayout xmlns:a="http://schemas.openxmlformats.org/drawingml/2006/main" xmlns:r="http://schemas.openxmlformats.org/officeDocument/2006/relationships" xmlns:p="http://schemas.openxmlformats.org/presentationml/2006/main" type="twoObjAndObj" preserve="1">
   <p:cSld name="Title, 2 Content and Content">
     <p:spTree>
       <p:nvGrpSpPr>
@@ -4321,14 +4565,15 @@
           </a:ln>
         </p:spPr>
         <p:txBody>
-          <a:bodyPr lIns="0" rIns="0" tIns="0" bIns="0" anchor="ctr">
+          <a:bodyPr lIns="0" tIns="0" rIns="0" bIns="0" anchor="ctr">
             <a:noAutofit/>
           </a:bodyPr>
+          <a:lstStyle/>
           <a:p>
             <a:pPr indent="0" algn="ctr">
               <a:buNone/>
             </a:pPr>
-            <a:endParaRPr b="0" lang="en-US" sz="4400" spc="-1" strike="noStrike">
+            <a:endParaRPr lang="en-US" sz="4400" b="0" strike="noStrike" spc="-1">
               <a:solidFill>
                 <a:srgbClr val="000000"/>
               </a:solidFill>
@@ -4361,9 +4606,10 @@
           </a:ln>
         </p:spPr>
         <p:txBody>
-          <a:bodyPr lIns="0" rIns="0" tIns="0" bIns="0" anchor="t">
+          <a:bodyPr lIns="0" tIns="0" rIns="0" bIns="0" anchor="t">
             <a:normAutofit/>
           </a:bodyPr>
+          <a:lstStyle/>
           <a:p>
             <a:pPr indent="0">
               <a:spcBef>
@@ -4371,7 +4617,7 @@
               </a:spcBef>
               <a:buNone/>
             </a:pPr>
-            <a:endParaRPr b="0" lang="en-US" sz="3200" spc="-1" strike="noStrike">
+            <a:endParaRPr lang="en-US" sz="3200" b="0" strike="noStrike" spc="-1">
               <a:solidFill>
                 <a:srgbClr val="000000"/>
               </a:solidFill>
@@ -4404,9 +4650,10 @@
           </a:ln>
         </p:spPr>
         <p:txBody>
-          <a:bodyPr lIns="0" rIns="0" tIns="0" bIns="0" anchor="t">
+          <a:bodyPr lIns="0" tIns="0" rIns="0" bIns="0" anchor="t">
             <a:normAutofit/>
           </a:bodyPr>
+          <a:lstStyle/>
           <a:p>
             <a:pPr indent="0">
               <a:spcBef>
@@ -4414,7 +4661,7 @@
               </a:spcBef>
               <a:buNone/>
             </a:pPr>
-            <a:endParaRPr b="0" lang="en-US" sz="3200" spc="-1" strike="noStrike">
+            <a:endParaRPr lang="en-US" sz="3200" b="0" strike="noStrike" spc="-1">
               <a:solidFill>
                 <a:srgbClr val="000000"/>
               </a:solidFill>
@@ -4447,9 +4694,10 @@
           </a:ln>
         </p:spPr>
         <p:txBody>
-          <a:bodyPr lIns="0" rIns="0" tIns="0" bIns="0" anchor="t">
+          <a:bodyPr lIns="0" tIns="0" rIns="0" bIns="0" anchor="t">
             <a:normAutofit/>
           </a:bodyPr>
+          <a:lstStyle/>
           <a:p>
             <a:pPr indent="0">
               <a:spcBef>
@@ -4457,7 +4705,7 @@
               </a:spcBef>
               <a:buNone/>
             </a:pPr>
-            <a:endParaRPr b="0" lang="en-US" sz="3200" spc="-1" strike="noStrike">
+            <a:endParaRPr lang="en-US" sz="3200" b="0" strike="noStrike" spc="-1">
               <a:solidFill>
                 <a:srgbClr val="000000"/>
               </a:solidFill>
@@ -4479,6 +4727,7 @@
         <p:spPr/>
         <p:txBody>
           <a:bodyPr/>
+          <a:lstStyle/>
           <a:p>
             <a:r>
               <a:t>Footer</a:t>
@@ -4499,10 +4748,12 @@
         <p:spPr/>
         <p:txBody>
           <a:bodyPr/>
+          <a:lstStyle/>
           <a:p>
             <a:fld id="{A1039C80-891D-4C5A-B7A3-66CC4D2EBF7C}" type="slidenum">
-              <a:t>&lt;#&gt;</a:t>
+              <a:t>‹#›</a:t>
             </a:fld>
+            <a:endParaRPr/>
           </a:p>
         </p:txBody>
       </p:sp>
@@ -4519,21 +4770,22 @@
         <p:spPr/>
         <p:txBody>
           <a:bodyPr/>
-          <a:p>
-            <a:r>
-              <a:rPr lang="en-US"/>
-              <a:t/>
-            </a:r>
+          <a:lstStyle/>
+          <a:p>
+            <a:endParaRPr/>
           </a:p>
         </p:txBody>
       </p:sp>
     </p:spTree>
   </p:cSld>
+  <p:clrMapOvr>
+    <a:masterClrMapping/>
+  </p:clrMapOvr>
 </p:sldLayout>
 </file>
 
 <file path=ppt/slideLayouts/slideLayout8.xml><?xml version="1.0" encoding="utf-8"?>
-<p:sldLayout xmlns:a="http://schemas.openxmlformats.org/drawingml/2006/main" xmlns:p="http://schemas.openxmlformats.org/presentationml/2006/main" xmlns:r="http://schemas.openxmlformats.org/officeDocument/2006/relationships" xmlns:p14="http://schemas.microsoft.com/office/powerpoint/2010/main" xmlns:p15="http://schemas.microsoft.com/office/powerpoint/2012/main" xmlns:mc="http://schemas.openxmlformats.org/markup-compatibility/2006" type="objAndTwoObj" preserve="1">
+<p:sldLayout xmlns:a="http://schemas.openxmlformats.org/drawingml/2006/main" xmlns:r="http://schemas.openxmlformats.org/officeDocument/2006/relationships" xmlns:p="http://schemas.openxmlformats.org/presentationml/2006/main" type="objAndTwoObj" preserve="1">
   <p:cSld name="Title Content and 2 Content">
     <p:spTree>
       <p:nvGrpSpPr>
@@ -4573,14 +4825,15 @@
           </a:ln>
         </p:spPr>
         <p:txBody>
-          <a:bodyPr lIns="0" rIns="0" tIns="0" bIns="0" anchor="ctr">
+          <a:bodyPr lIns="0" tIns="0" rIns="0" bIns="0" anchor="ctr">
             <a:noAutofit/>
           </a:bodyPr>
+          <a:lstStyle/>
           <a:p>
             <a:pPr indent="0" algn="ctr">
               <a:buNone/>
             </a:pPr>
-            <a:endParaRPr b="0" lang="en-US" sz="4400" spc="-1" strike="noStrike">
+            <a:endParaRPr lang="en-US" sz="4400" b="0" strike="noStrike" spc="-1">
               <a:solidFill>
                 <a:srgbClr val="000000"/>
               </a:solidFill>
@@ -4613,9 +4866,10 @@
           </a:ln>
         </p:spPr>
         <p:txBody>
-          <a:bodyPr lIns="0" rIns="0" tIns="0" bIns="0" anchor="t">
+          <a:bodyPr lIns="0" tIns="0" rIns="0" bIns="0" anchor="t">
             <a:normAutofit/>
           </a:bodyPr>
+          <a:lstStyle/>
           <a:p>
             <a:pPr indent="0">
               <a:spcBef>
@@ -4623,7 +4877,7 @@
               </a:spcBef>
               <a:buNone/>
             </a:pPr>
-            <a:endParaRPr b="0" lang="en-US" sz="3200" spc="-1" strike="noStrike">
+            <a:endParaRPr lang="en-US" sz="3200" b="0" strike="noStrike" spc="-1">
               <a:solidFill>
                 <a:srgbClr val="000000"/>
               </a:solidFill>
@@ -4656,9 +4910,10 @@
           </a:ln>
         </p:spPr>
         <p:txBody>
-          <a:bodyPr lIns="0" rIns="0" tIns="0" bIns="0" anchor="t">
+          <a:bodyPr lIns="0" tIns="0" rIns="0" bIns="0" anchor="t">
             <a:normAutofit/>
           </a:bodyPr>
+          <a:lstStyle/>
           <a:p>
             <a:pPr indent="0">
               <a:spcBef>
@@ -4666,7 +4921,7 @@
               </a:spcBef>
               <a:buNone/>
             </a:pPr>
-            <a:endParaRPr b="0" lang="en-US" sz="3200" spc="-1" strike="noStrike">
+            <a:endParaRPr lang="en-US" sz="3200" b="0" strike="noStrike" spc="-1">
               <a:solidFill>
                 <a:srgbClr val="000000"/>
               </a:solidFill>
@@ -4699,9 +4954,10 @@
           </a:ln>
         </p:spPr>
         <p:txBody>
-          <a:bodyPr lIns="0" rIns="0" tIns="0" bIns="0" anchor="t">
+          <a:bodyPr lIns="0" tIns="0" rIns="0" bIns="0" anchor="t">
             <a:normAutofit/>
           </a:bodyPr>
+          <a:lstStyle/>
           <a:p>
             <a:pPr indent="0">
               <a:spcBef>
@@ -4709,7 +4965,7 @@
               </a:spcBef>
               <a:buNone/>
             </a:pPr>
-            <a:endParaRPr b="0" lang="en-US" sz="3200" spc="-1" strike="noStrike">
+            <a:endParaRPr lang="en-US" sz="3200" b="0" strike="noStrike" spc="-1">
               <a:solidFill>
                 <a:srgbClr val="000000"/>
               </a:solidFill>
@@ -4731,6 +4987,7 @@
         <p:spPr/>
         <p:txBody>
           <a:bodyPr/>
+          <a:lstStyle/>
           <a:p>
             <a:r>
               <a:t>Footer</a:t>
@@ -4751,10 +5008,12 @@
         <p:spPr/>
         <p:txBody>
           <a:bodyPr/>
+          <a:lstStyle/>
           <a:p>
             <a:fld id="{A7AB1D6C-1AB0-4389-8B7C-340F41E7A26F}" type="slidenum">
-              <a:t>&lt;#&gt;</a:t>
+              <a:t>‹#›</a:t>
             </a:fld>
+            <a:endParaRPr/>
           </a:p>
         </p:txBody>
       </p:sp>
@@ -4771,21 +5030,22 @@
         <p:spPr/>
         <p:txBody>
           <a:bodyPr/>
-          <a:p>
-            <a:r>
-              <a:rPr lang="en-US"/>
-              <a:t/>
-            </a:r>
+          <a:lstStyle/>
+          <a:p>
+            <a:endParaRPr/>
           </a:p>
         </p:txBody>
       </p:sp>
     </p:spTree>
   </p:cSld>
+  <p:clrMapOvr>
+    <a:masterClrMapping/>
+  </p:clrMapOvr>
 </p:sldLayout>
 </file>
 
 <file path=ppt/slideLayouts/slideLayout9.xml><?xml version="1.0" encoding="utf-8"?>
-<p:sldLayout xmlns:a="http://schemas.openxmlformats.org/drawingml/2006/main" xmlns:p="http://schemas.openxmlformats.org/presentationml/2006/main" xmlns:r="http://schemas.openxmlformats.org/officeDocument/2006/relationships" xmlns:p14="http://schemas.microsoft.com/office/powerpoint/2010/main" xmlns:p15="http://schemas.microsoft.com/office/powerpoint/2012/main" xmlns:mc="http://schemas.openxmlformats.org/markup-compatibility/2006" type="twoObjOverTx" preserve="1">
+<p:sldLayout xmlns:a="http://schemas.openxmlformats.org/drawingml/2006/main" xmlns:r="http://schemas.openxmlformats.org/officeDocument/2006/relationships" xmlns:p="http://schemas.openxmlformats.org/presentationml/2006/main" type="twoObjOverTx" preserve="1">
   <p:cSld name="Title, 2 Content over Content">
     <p:spTree>
       <p:nvGrpSpPr>
@@ -4825,14 +5085,15 @@
           </a:ln>
         </p:spPr>
         <p:txBody>
-          <a:bodyPr lIns="0" rIns="0" tIns="0" bIns="0" anchor="ctr">
+          <a:bodyPr lIns="0" tIns="0" rIns="0" bIns="0" anchor="ctr">
             <a:noAutofit/>
           </a:bodyPr>
+          <a:lstStyle/>
           <a:p>
             <a:pPr indent="0" algn="ctr">
               <a:buNone/>
             </a:pPr>
-            <a:endParaRPr b="0" lang="en-US" sz="4400" spc="-1" strike="noStrike">
+            <a:endParaRPr lang="en-US" sz="4400" b="0" strike="noStrike" spc="-1">
               <a:solidFill>
                 <a:srgbClr val="000000"/>
               </a:solidFill>
@@ -4865,9 +5126,10 @@
           </a:ln>
         </p:spPr>
         <p:txBody>
-          <a:bodyPr lIns="0" rIns="0" tIns="0" bIns="0" anchor="t">
+          <a:bodyPr lIns="0" tIns="0" rIns="0" bIns="0" anchor="t">
             <a:normAutofit/>
           </a:bodyPr>
+          <a:lstStyle/>
           <a:p>
             <a:pPr indent="0">
               <a:spcBef>
@@ -4875,7 +5137,7 @@
               </a:spcBef>
               <a:buNone/>
             </a:pPr>
-            <a:endParaRPr b="0" lang="en-US" sz="3200" spc="-1" strike="noStrike">
+            <a:endParaRPr lang="en-US" sz="3200" b="0" strike="noStrike" spc="-1">
               <a:solidFill>
                 <a:srgbClr val="000000"/>
               </a:solidFill>
@@ -4908,9 +5170,10 @@
           </a:ln>
         </p:spPr>
         <p:txBody>
-          <a:bodyPr lIns="0" rIns="0" tIns="0" bIns="0" anchor="t">
+          <a:bodyPr lIns="0" tIns="0" rIns="0" bIns="0" anchor="t">
             <a:normAutofit/>
           </a:bodyPr>
+          <a:lstStyle/>
           <a:p>
             <a:pPr indent="0">
               <a:spcBef>
@@ -4918,7 +5181,7 @@
               </a:spcBef>
               <a:buNone/>
             </a:pPr>
-            <a:endParaRPr b="0" lang="en-US" sz="3200" spc="-1" strike="noStrike">
+            <a:endParaRPr lang="en-US" sz="3200" b="0" strike="noStrike" spc="-1">
               <a:solidFill>
                 <a:srgbClr val="000000"/>
               </a:solidFill>
@@ -4951,9 +5214,10 @@
           </a:ln>
         </p:spPr>
         <p:txBody>
-          <a:bodyPr lIns="0" rIns="0" tIns="0" bIns="0" anchor="t">
+          <a:bodyPr lIns="0" tIns="0" rIns="0" bIns="0" anchor="t">
             <a:normAutofit/>
           </a:bodyPr>
+          <a:lstStyle/>
           <a:p>
             <a:pPr indent="0">
               <a:spcBef>
@@ -4961,7 +5225,7 @@
               </a:spcBef>
               <a:buNone/>
             </a:pPr>
-            <a:endParaRPr b="0" lang="en-US" sz="3200" spc="-1" strike="noStrike">
+            <a:endParaRPr lang="en-US" sz="3200" b="0" strike="noStrike" spc="-1">
               <a:solidFill>
                 <a:srgbClr val="000000"/>
               </a:solidFill>
@@ -4983,6 +5247,7 @@
         <p:spPr/>
         <p:txBody>
           <a:bodyPr/>
+          <a:lstStyle/>
           <a:p>
             <a:r>
               <a:t>Footer</a:t>
@@ -5003,10 +5268,12 @@
         <p:spPr/>
         <p:txBody>
           <a:bodyPr/>
+          <a:lstStyle/>
           <a:p>
             <a:fld id="{19E65716-FFF8-4E0D-B054-90E4D7C18023}" type="slidenum">
-              <a:t>&lt;#&gt;</a:t>
+              <a:t>‹#›</a:t>
             </a:fld>
+            <a:endParaRPr/>
           </a:p>
         </p:txBody>
       </p:sp>
@@ -5023,27 +5290,29 @@
         <p:spPr/>
         <p:txBody>
           <a:bodyPr/>
-          <a:p>
-            <a:r>
-              <a:rPr lang="en-US"/>
-              <a:t/>
-            </a:r>
+          <a:lstStyle/>
+          <a:p>
+            <a:endParaRPr/>
           </a:p>
         </p:txBody>
       </p:sp>
     </p:spTree>
   </p:cSld>
+  <p:clrMapOvr>
+    <a:masterClrMapping/>
+  </p:clrMapOvr>
 </p:sldLayout>
 </file>
 
 <file path=ppt/slideMasters/slideMaster1.xml><?xml version="1.0" encoding="utf-8"?>
-<p:sldMaster xmlns:a="http://schemas.openxmlformats.org/drawingml/2006/main" xmlns:p="http://schemas.openxmlformats.org/presentationml/2006/main" xmlns:r="http://schemas.openxmlformats.org/officeDocument/2006/relationships" xmlns:p14="http://schemas.microsoft.com/office/powerpoint/2010/main" xmlns:p15="http://schemas.microsoft.com/office/powerpoint/2012/main" xmlns:mc="http://schemas.openxmlformats.org/markup-compatibility/2006">
+<p:sldMaster xmlns:a="http://schemas.openxmlformats.org/drawingml/2006/main" xmlns:r="http://schemas.openxmlformats.org/officeDocument/2006/relationships" xmlns:p="http://schemas.openxmlformats.org/presentationml/2006/main">
   <p:cSld>
     <p:bg>
       <p:bgPr>
         <a:solidFill>
           <a:schemeClr val="lt1"/>
         </a:solidFill>
+        <a:effectLst/>
       </p:bgPr>
     </p:bg>
     <p:spTree>
@@ -5062,7 +5331,7 @@
       </p:grpSpPr>
       <p:sp>
         <p:nvSpPr>
-          <p:cNvPr id="0" name="PlaceHolder 1"/>
+          <p:cNvPr id="5" name="PlaceHolder 1"/>
           <p:cNvSpPr>
             <a:spLocks noGrp="1"/>
           </p:cNvSpPr>
@@ -5084,7 +5353,7 @@
           </a:ln>
         </p:spPr>
         <p:txBody>
-          <a:bodyPr lIns="0" rIns="0" tIns="0" bIns="0" anchor="t">
+          <a:bodyPr lIns="0" tIns="0" rIns="0" bIns="0" anchor="t">
             <a:noAutofit/>
           </a:bodyPr>
           <a:lstStyle>
@@ -5094,9 +5363,9 @@
               </a:lnSpc>
               <a:buNone/>
               <a:tabLst>
-                <a:tab algn="l" pos="0"/>
+                <a:tab pos="0" algn="l"/>
               </a:tabLst>
-              <a:defRPr b="0" lang="en-US" sz="1400" spc="-1" strike="noStrike">
+              <a:defRPr lang="en-US" sz="1400" b="0" strike="noStrike" spc="-1">
                 <a:solidFill>
                   <a:srgbClr val="000000"/>
                 </a:solidFill>
@@ -5111,11 +5380,11 @@
               </a:lnSpc>
               <a:buNone/>
               <a:tabLst>
-                <a:tab algn="l" pos="0"/>
+                <a:tab pos="0" algn="l"/>
               </a:tabLst>
             </a:pPr>
             <a:r>
-              <a:rPr b="0" lang="en-US" sz="1400" spc="-1" strike="noStrike">
+              <a:rPr lang="en-US" sz="1400" b="0" strike="noStrike" spc="-1">
                 <a:solidFill>
                   <a:srgbClr val="000000"/>
                 </a:solidFill>
@@ -5123,18 +5392,12 @@
               </a:rPr>
               <a:t> </a:t>
             </a:r>
-            <a:endParaRPr b="0" lang="en-US" sz="1400" spc="-1" strike="noStrike">
-              <a:solidFill>
-                <a:srgbClr val="000000"/>
-              </a:solidFill>
-              <a:latin typeface="Noto Serif"/>
-            </a:endParaRPr>
-          </a:p>
-        </p:txBody>
-      </p:sp>
-      <p:sp>
-        <p:nvSpPr>
-          <p:cNvPr id="1" name="PlaceHolder 2"/>
+          </a:p>
+        </p:txBody>
+      </p:sp>
+      <p:sp>
+        <p:nvSpPr>
+          <p:cNvPr id="6" name="PlaceHolder 2"/>
           <p:cNvSpPr>
             <a:spLocks noGrp="1"/>
           </p:cNvSpPr>
@@ -5156,7 +5419,7 @@
           </a:ln>
         </p:spPr>
         <p:txBody>
-          <a:bodyPr lIns="0" rIns="0" tIns="0" bIns="0" anchor="t">
+          <a:bodyPr lIns="0" tIns="0" rIns="0" bIns="0" anchor="t">
             <a:noAutofit/>
           </a:bodyPr>
           <a:lstStyle>
@@ -5166,9 +5429,9 @@
               </a:lnSpc>
               <a:buNone/>
               <a:tabLst>
-                <a:tab algn="l" pos="0"/>
+                <a:tab pos="0" algn="l"/>
               </a:tabLst>
-              <a:defRPr b="0" lang="en-US" sz="1400" spc="-1" strike="noStrike">
+              <a:defRPr lang="en-US" sz="1400" b="0" strike="noStrike" spc="-1">
                 <a:solidFill>
                   <a:schemeClr val="dk1">
                     <a:tint val="75000"/>
@@ -5185,11 +5448,11 @@
               </a:lnSpc>
               <a:buNone/>
               <a:tabLst>
-                <a:tab algn="l" pos="0"/>
+                <a:tab pos="0" algn="l"/>
               </a:tabLst>
             </a:pPr>
             <a:fld id="{7F1D9359-4B47-4AEE-9693-671174EC0441}" type="slidenum">
-              <a:rPr b="0" lang="en-US" sz="1400" spc="-1" strike="noStrike">
+              <a:rPr lang="en-US" sz="1400" b="0" strike="noStrike" spc="-1">
                 <a:solidFill>
                   <a:schemeClr val="dk1">
                     <a:tint val="75000"/>
@@ -5197,9 +5460,9 @@
                 </a:solidFill>
                 <a:latin typeface="Noto Serif"/>
               </a:rPr>
-              <a:t>1</a:t>
+              <a:t>‹#›</a:t>
             </a:fld>
-            <a:endParaRPr b="0" lang="en-US" sz="1400" spc="-1" strike="noStrike">
+            <a:endParaRPr lang="en-US" sz="1400" b="0" strike="noStrike" spc="-1">
               <a:solidFill>
                 <a:srgbClr val="000000"/>
               </a:solidFill>
@@ -5232,13 +5495,13 @@
           </a:ln>
         </p:spPr>
         <p:txBody>
-          <a:bodyPr lIns="0" rIns="0" tIns="0" bIns="0" anchor="t">
+          <a:bodyPr lIns="0" tIns="0" rIns="0" bIns="0" anchor="t">
             <a:noAutofit/>
           </a:bodyPr>
           <a:lstStyle>
             <a:lvl1pPr indent="0">
               <a:buNone/>
-              <a:defRPr b="0" lang="en-US" sz="1400" spc="-1" strike="noStrike">
+              <a:defRPr lang="en-US" sz="1400" b="0" strike="noStrike" spc="-1">
                 <a:solidFill>
                   <a:srgbClr val="000000"/>
                 </a:solidFill>
@@ -5251,7 +5514,7 @@
               <a:buNone/>
             </a:pPr>
             <a:r>
-              <a:rPr b="0" lang="en-US" sz="1400" spc="-1" strike="noStrike">
+              <a:rPr lang="en-US" sz="1400" b="0" strike="noStrike" spc="-1">
                 <a:solidFill>
                   <a:srgbClr val="000000"/>
                 </a:solidFill>
@@ -5259,12 +5522,6 @@
               </a:rPr>
               <a:t> </a:t>
             </a:r>
-            <a:endParaRPr b="0" lang="en-US" sz="1400" spc="-1" strike="noStrike">
-              <a:solidFill>
-                <a:srgbClr val="000000"/>
-              </a:solidFill>
-              <a:latin typeface="Noto Serif"/>
-            </a:endParaRPr>
           </a:p>
         </p:txBody>
       </p:sp>
@@ -5292,15 +5549,16 @@
           </a:ln>
         </p:spPr>
         <p:txBody>
-          <a:bodyPr lIns="0" rIns="0" tIns="0" bIns="0" anchor="ctr">
+          <a:bodyPr lIns="0" tIns="0" rIns="0" bIns="0" anchor="ctr">
             <a:noAutofit/>
           </a:bodyPr>
+          <a:lstStyle/>
           <a:p>
             <a:pPr indent="0" algn="ctr">
               <a:buNone/>
             </a:pPr>
             <a:r>
-              <a:rPr b="0" lang="en-US" sz="4400" spc="-1" strike="noStrike">
+              <a:rPr lang="en-US" sz="4400" b="0" strike="noStrike" spc="-1">
                 <a:solidFill>
                   <a:srgbClr val="000000"/>
                 </a:solidFill>
@@ -5308,12 +5566,6 @@
               </a:rPr>
               <a:t>Click to edit the title text format</a:t>
             </a:r>
-            <a:endParaRPr b="0" lang="en-US" sz="4400" spc="-1" strike="noStrike">
-              <a:solidFill>
-                <a:srgbClr val="000000"/>
-              </a:solidFill>
-              <a:latin typeface="Noto Sans"/>
-            </a:endParaRPr>
           </a:p>
         </p:txBody>
       </p:sp>
@@ -5341,9 +5593,10 @@
           </a:ln>
         </p:spPr>
         <p:txBody>
-          <a:bodyPr lIns="0" rIns="0" tIns="0" bIns="0" anchor="t">
+          <a:bodyPr lIns="0" tIns="0" rIns="0" bIns="0" anchor="t">
             <a:normAutofit fontScale="90616"/>
           </a:bodyPr>
+          <a:lstStyle/>
           <a:p>
             <a:pPr marL="432000" indent="-324000">
               <a:spcBef>
@@ -5357,7 +5610,7 @@
               <a:buChar char=""/>
             </a:pPr>
             <a:r>
-              <a:rPr b="0" lang="en-US" sz="3200" spc="-1" strike="noStrike">
+              <a:rPr lang="en-US" sz="3200" b="0" strike="noStrike" spc="-1">
                 <a:solidFill>
                   <a:srgbClr val="000000"/>
                 </a:solidFill>
@@ -5365,15 +5618,9 @@
               </a:rPr>
               <a:t>Click to edit the outline text format</a:t>
             </a:r>
-            <a:endParaRPr b="0" lang="en-US" sz="3200" spc="-1" strike="noStrike">
-              <a:solidFill>
-                <a:srgbClr val="000000"/>
-              </a:solidFill>
-              <a:latin typeface="Noto Sans"/>
-            </a:endParaRPr>
-          </a:p>
-          <a:p>
-            <a:pPr lvl="1" marL="864000" indent="-324000">
+          </a:p>
+          <a:p>
+            <a:pPr marL="864000" lvl="1" indent="-324000">
               <a:spcBef>
                 <a:spcPts val="1134"/>
               </a:spcBef>
@@ -5385,7 +5632,7 @@
               <a:buChar char=""/>
             </a:pPr>
             <a:r>
-              <a:rPr b="0" lang="en-US" sz="2800" spc="-1" strike="noStrike">
+              <a:rPr lang="en-US" sz="2800" b="0" strike="noStrike" spc="-1">
                 <a:solidFill>
                   <a:srgbClr val="000000"/>
                 </a:solidFill>
@@ -5393,15 +5640,9 @@
               </a:rPr>
               <a:t>Second Outline Level</a:t>
             </a:r>
-            <a:endParaRPr b="0" lang="en-US" sz="2800" spc="-1" strike="noStrike">
-              <a:solidFill>
-                <a:srgbClr val="000000"/>
-              </a:solidFill>
-              <a:latin typeface="Noto Sans"/>
-            </a:endParaRPr>
-          </a:p>
-          <a:p>
-            <a:pPr lvl="2" marL="1296000" indent="-288000">
+          </a:p>
+          <a:p>
+            <a:pPr marL="1296000" lvl="2" indent="-288000">
               <a:spcBef>
                 <a:spcPts val="850"/>
               </a:spcBef>
@@ -5413,7 +5654,7 @@
               <a:buChar char=""/>
             </a:pPr>
             <a:r>
-              <a:rPr b="0" lang="en-US" sz="2400" spc="-1" strike="noStrike">
+              <a:rPr lang="en-US" sz="2400" b="0" strike="noStrike" spc="-1">
                 <a:solidFill>
                   <a:srgbClr val="000000"/>
                 </a:solidFill>
@@ -5421,15 +5662,9 @@
               </a:rPr>
               <a:t>Third Outline Level</a:t>
             </a:r>
-            <a:endParaRPr b="0" lang="en-US" sz="2400" spc="-1" strike="noStrike">
-              <a:solidFill>
-                <a:srgbClr val="000000"/>
-              </a:solidFill>
-              <a:latin typeface="Noto Sans"/>
-            </a:endParaRPr>
-          </a:p>
-          <a:p>
-            <a:pPr lvl="3" marL="1728000" indent="-216000">
+          </a:p>
+          <a:p>
+            <a:pPr marL="1728000" lvl="3" indent="-216000">
               <a:spcBef>
                 <a:spcPts val="567"/>
               </a:spcBef>
@@ -5441,7 +5676,7 @@
               <a:buChar char=""/>
             </a:pPr>
             <a:r>
-              <a:rPr b="0" lang="en-US" sz="2000" spc="-1" strike="noStrike">
+              <a:rPr lang="en-US" sz="2000" b="0" strike="noStrike" spc="-1">
                 <a:solidFill>
                   <a:srgbClr val="000000"/>
                 </a:solidFill>
@@ -5449,15 +5684,9 @@
               </a:rPr>
               <a:t>Fourth Outline Level</a:t>
             </a:r>
-            <a:endParaRPr b="0" lang="en-US" sz="2000" spc="-1" strike="noStrike">
-              <a:solidFill>
-                <a:srgbClr val="000000"/>
-              </a:solidFill>
-              <a:latin typeface="Noto Sans"/>
-            </a:endParaRPr>
-          </a:p>
-          <a:p>
-            <a:pPr lvl="4" marL="2160000" indent="-216000">
+          </a:p>
+          <a:p>
+            <a:pPr marL="2160000" lvl="4" indent="-216000">
               <a:spcBef>
                 <a:spcPts val="283"/>
               </a:spcBef>
@@ -5469,7 +5698,7 @@
               <a:buChar char=""/>
             </a:pPr>
             <a:r>
-              <a:rPr b="0" lang="en-US" sz="2000" spc="-1" strike="noStrike">
+              <a:rPr lang="en-US" sz="2000" b="0" strike="noStrike" spc="-1">
                 <a:solidFill>
                   <a:srgbClr val="000000"/>
                 </a:solidFill>
@@ -5477,15 +5706,9 @@
               </a:rPr>
               <a:t>Fifth Outline Level</a:t>
             </a:r>
-            <a:endParaRPr b="0" lang="en-US" sz="2000" spc="-1" strike="noStrike">
-              <a:solidFill>
-                <a:srgbClr val="000000"/>
-              </a:solidFill>
-              <a:latin typeface="Noto Sans"/>
-            </a:endParaRPr>
-          </a:p>
-          <a:p>
-            <a:pPr lvl="5" marL="2592000" indent="-216000">
+          </a:p>
+          <a:p>
+            <a:pPr marL="2592000" lvl="5" indent="-216000">
               <a:spcBef>
                 <a:spcPts val="283"/>
               </a:spcBef>
@@ -5497,7 +5720,7 @@
               <a:buChar char=""/>
             </a:pPr>
             <a:r>
-              <a:rPr b="0" lang="en-US" sz="2000" spc="-1" strike="noStrike">
+              <a:rPr lang="en-US" sz="2000" b="0" strike="noStrike" spc="-1">
                 <a:solidFill>
                   <a:srgbClr val="000000"/>
                 </a:solidFill>
@@ -5505,15 +5728,9 @@
               </a:rPr>
               <a:t>Sixth Outline Level</a:t>
             </a:r>
-            <a:endParaRPr b="0" lang="en-US" sz="2000" spc="-1" strike="noStrike">
-              <a:solidFill>
-                <a:srgbClr val="000000"/>
-              </a:solidFill>
-              <a:latin typeface="Noto Sans"/>
-            </a:endParaRPr>
-          </a:p>
-          <a:p>
-            <a:pPr lvl="6" marL="3024000" indent="-216000">
+          </a:p>
+          <a:p>
+            <a:pPr marL="3024000" lvl="6" indent="-216000">
               <a:spcBef>
                 <a:spcPts val="283"/>
               </a:spcBef>
@@ -5525,7 +5742,7 @@
               <a:buChar char=""/>
             </a:pPr>
             <a:r>
-              <a:rPr b="0" lang="en-US" sz="2000" spc="-1" strike="noStrike">
+              <a:rPr lang="en-US" sz="2000" b="0" strike="noStrike" spc="-1">
                 <a:solidFill>
                   <a:srgbClr val="000000"/>
                 </a:solidFill>
@@ -5533,43 +5750,318 @@
               </a:rPr>
               <a:t>Seventh Outline Level</a:t>
             </a:r>
-            <a:endParaRPr b="0" lang="en-US" sz="2000" spc="-1" strike="noStrike">
-              <a:solidFill>
-                <a:srgbClr val="000000"/>
-              </a:solidFill>
-              <a:latin typeface="Noto Sans"/>
-            </a:endParaRPr>
           </a:p>
         </p:txBody>
       </p:sp>
     </p:spTree>
   </p:cSld>
-  <p:clrMap bg1="lt1" bg2="lt2" tx1="dk1" tx2="dk2" accent1="accent1" accent2="accent2" accent3="accent3" accent4="accent4" accent5="accent5" accent6="accent6" hlink="hlink" folHlink="folHlink"/>
+  <p:clrMap bg1="lt1" tx1="dk1" bg2="lt2" tx2="dk2" accent1="accent1" accent2="accent2" accent3="accent3" accent4="accent4" accent5="accent5" accent6="accent6" hlink="hlink" folHlink="folHlink"/>
   <p:sldLayoutIdLst>
-    <p:sldLayoutId id="2147483649" r:id="rId2"/>
-    <p:sldLayoutId id="2147483650" r:id="rId3"/>
-    <p:sldLayoutId id="2147483651" r:id="rId4"/>
-    <p:sldLayoutId id="2147483652" r:id="rId5"/>
-    <p:sldLayoutId id="2147483653" r:id="rId6"/>
-    <p:sldLayoutId id="2147483654" r:id="rId7"/>
-    <p:sldLayoutId id="2147483655" r:id="rId8"/>
-    <p:sldLayoutId id="2147483656" r:id="rId9"/>
-    <p:sldLayoutId id="2147483657" r:id="rId10"/>
-    <p:sldLayoutId id="2147483658" r:id="rId11"/>
-    <p:sldLayoutId id="2147483659" r:id="rId12"/>
-    <p:sldLayoutId id="2147483660" r:id="rId13"/>
+    <p:sldLayoutId id="2147483649" r:id="rId1"/>
+    <p:sldLayoutId id="2147483650" r:id="rId2"/>
+    <p:sldLayoutId id="2147483651" r:id="rId3"/>
+    <p:sldLayoutId id="2147483652" r:id="rId4"/>
+    <p:sldLayoutId id="2147483653" r:id="rId5"/>
+    <p:sldLayoutId id="2147483654" r:id="rId6"/>
+    <p:sldLayoutId id="2147483655" r:id="rId7"/>
+    <p:sldLayoutId id="2147483656" r:id="rId8"/>
+    <p:sldLayoutId id="2147483657" r:id="rId9"/>
+    <p:sldLayoutId id="2147483658" r:id="rId10"/>
+    <p:sldLayoutId id="2147483659" r:id="rId11"/>
+    <p:sldLayoutId id="2147483660" r:id="rId12"/>
   </p:sldLayoutIdLst>
+  <p:txStyles>
+    <p:titleStyle>
+      <a:lvl1pPr algn="l" defTabSz="914400" rtl="0" eaLnBrk="1" latinLnBrk="0" hangingPunct="1">
+        <a:lnSpc>
+          <a:spcPct val="90000"/>
+        </a:lnSpc>
+        <a:spcBef>
+          <a:spcPct val="0"/>
+        </a:spcBef>
+        <a:buNone/>
+        <a:defRPr sz="4400" kern="1200">
+          <a:solidFill>
+            <a:schemeClr val="tx1"/>
+          </a:solidFill>
+          <a:latin typeface="+mj-lt"/>
+          <a:ea typeface="+mj-ea"/>
+          <a:cs typeface="+mj-cs"/>
+        </a:defRPr>
+      </a:lvl1pPr>
+    </p:titleStyle>
+    <p:bodyStyle>
+      <a:lvl1pPr marL="228600" indent="-228600" algn="l" defTabSz="914400" rtl="0" eaLnBrk="1" latinLnBrk="0" hangingPunct="1">
+        <a:lnSpc>
+          <a:spcPct val="90000"/>
+        </a:lnSpc>
+        <a:spcBef>
+          <a:spcPts val="1000"/>
+        </a:spcBef>
+        <a:buFont typeface="Arial" panose="020B0604020202020204" pitchFamily="34" charset="0"/>
+        <a:buChar char="•"/>
+        <a:defRPr sz="2800" kern="1200">
+          <a:solidFill>
+            <a:schemeClr val="tx1"/>
+          </a:solidFill>
+          <a:latin typeface="+mn-lt"/>
+          <a:ea typeface="+mn-ea"/>
+          <a:cs typeface="+mn-cs"/>
+        </a:defRPr>
+      </a:lvl1pPr>
+      <a:lvl2pPr marL="685800" indent="-228600" algn="l" defTabSz="914400" rtl="0" eaLnBrk="1" latinLnBrk="0" hangingPunct="1">
+        <a:lnSpc>
+          <a:spcPct val="90000"/>
+        </a:lnSpc>
+        <a:spcBef>
+          <a:spcPts val="500"/>
+        </a:spcBef>
+        <a:buFont typeface="Arial" panose="020B0604020202020204" pitchFamily="34" charset="0"/>
+        <a:buChar char="•"/>
+        <a:defRPr sz="2400" kern="1200">
+          <a:solidFill>
+            <a:schemeClr val="tx1"/>
+          </a:solidFill>
+          <a:latin typeface="+mn-lt"/>
+          <a:ea typeface="+mn-ea"/>
+          <a:cs typeface="+mn-cs"/>
+        </a:defRPr>
+      </a:lvl2pPr>
+      <a:lvl3pPr marL="1143000" indent="-228600" algn="l" defTabSz="914400" rtl="0" eaLnBrk="1" latinLnBrk="0" hangingPunct="1">
+        <a:lnSpc>
+          <a:spcPct val="90000"/>
+        </a:lnSpc>
+        <a:spcBef>
+          <a:spcPts val="500"/>
+        </a:spcBef>
+        <a:buFont typeface="Arial" panose="020B0604020202020204" pitchFamily="34" charset="0"/>
+        <a:buChar char="•"/>
+        <a:defRPr sz="2000" kern="1200">
+          <a:solidFill>
+            <a:schemeClr val="tx1"/>
+          </a:solidFill>
+          <a:latin typeface="+mn-lt"/>
+          <a:ea typeface="+mn-ea"/>
+          <a:cs typeface="+mn-cs"/>
+        </a:defRPr>
+      </a:lvl3pPr>
+      <a:lvl4pPr marL="1600200" indent="-228600" algn="l" defTabSz="914400" rtl="0" eaLnBrk="1" latinLnBrk="0" hangingPunct="1">
+        <a:lnSpc>
+          <a:spcPct val="90000"/>
+        </a:lnSpc>
+        <a:spcBef>
+          <a:spcPts val="500"/>
+        </a:spcBef>
+        <a:buFont typeface="Arial" panose="020B0604020202020204" pitchFamily="34" charset="0"/>
+        <a:buChar char="•"/>
+        <a:defRPr sz="1800" kern="1200">
+          <a:solidFill>
+            <a:schemeClr val="tx1"/>
+          </a:solidFill>
+          <a:latin typeface="+mn-lt"/>
+          <a:ea typeface="+mn-ea"/>
+          <a:cs typeface="+mn-cs"/>
+        </a:defRPr>
+      </a:lvl4pPr>
+      <a:lvl5pPr marL="2057400" indent="-228600" algn="l" defTabSz="914400" rtl="0" eaLnBrk="1" latinLnBrk="0" hangingPunct="1">
+        <a:lnSpc>
+          <a:spcPct val="90000"/>
+        </a:lnSpc>
+        <a:spcBef>
+          <a:spcPts val="500"/>
+        </a:spcBef>
+        <a:buFont typeface="Arial" panose="020B0604020202020204" pitchFamily="34" charset="0"/>
+        <a:buChar char="•"/>
+        <a:defRPr sz="1800" kern="1200">
+          <a:solidFill>
+            <a:schemeClr val="tx1"/>
+          </a:solidFill>
+          <a:latin typeface="+mn-lt"/>
+          <a:ea typeface="+mn-ea"/>
+          <a:cs typeface="+mn-cs"/>
+        </a:defRPr>
+      </a:lvl5pPr>
+      <a:lvl6pPr marL="2514600" indent="-228600" algn="l" defTabSz="914400" rtl="0" eaLnBrk="1" latinLnBrk="0" hangingPunct="1">
+        <a:lnSpc>
+          <a:spcPct val="90000"/>
+        </a:lnSpc>
+        <a:spcBef>
+          <a:spcPts val="500"/>
+        </a:spcBef>
+        <a:buFont typeface="Arial" panose="020B0604020202020204" pitchFamily="34" charset="0"/>
+        <a:buChar char="•"/>
+        <a:defRPr sz="1800" kern="1200">
+          <a:solidFill>
+            <a:schemeClr val="tx1"/>
+          </a:solidFill>
+          <a:latin typeface="+mn-lt"/>
+          <a:ea typeface="+mn-ea"/>
+          <a:cs typeface="+mn-cs"/>
+        </a:defRPr>
+      </a:lvl6pPr>
+      <a:lvl7pPr marL="2971800" indent="-228600" algn="l" defTabSz="914400" rtl="0" eaLnBrk="1" latinLnBrk="0" hangingPunct="1">
+        <a:lnSpc>
+          <a:spcPct val="90000"/>
+        </a:lnSpc>
+        <a:spcBef>
+          <a:spcPts val="500"/>
+        </a:spcBef>
+        <a:buFont typeface="Arial" panose="020B0604020202020204" pitchFamily="34" charset="0"/>
+        <a:buChar char="•"/>
+        <a:defRPr sz="1800" kern="1200">
+          <a:solidFill>
+            <a:schemeClr val="tx1"/>
+          </a:solidFill>
+          <a:latin typeface="+mn-lt"/>
+          <a:ea typeface="+mn-ea"/>
+          <a:cs typeface="+mn-cs"/>
+        </a:defRPr>
+      </a:lvl7pPr>
+      <a:lvl8pPr marL="3429000" indent="-228600" algn="l" defTabSz="914400" rtl="0" eaLnBrk="1" latinLnBrk="0" hangingPunct="1">
+        <a:lnSpc>
+          <a:spcPct val="90000"/>
+        </a:lnSpc>
+        <a:spcBef>
+          <a:spcPts val="500"/>
+        </a:spcBef>
+        <a:buFont typeface="Arial" panose="020B0604020202020204" pitchFamily="34" charset="0"/>
+        <a:buChar char="•"/>
+        <a:defRPr sz="1800" kern="1200">
+          <a:solidFill>
+            <a:schemeClr val="tx1"/>
+          </a:solidFill>
+          <a:latin typeface="+mn-lt"/>
+          <a:ea typeface="+mn-ea"/>
+          <a:cs typeface="+mn-cs"/>
+        </a:defRPr>
+      </a:lvl8pPr>
+      <a:lvl9pPr marL="3886200" indent="-228600" algn="l" defTabSz="914400" rtl="0" eaLnBrk="1" latinLnBrk="0" hangingPunct="1">
+        <a:lnSpc>
+          <a:spcPct val="90000"/>
+        </a:lnSpc>
+        <a:spcBef>
+          <a:spcPts val="500"/>
+        </a:spcBef>
+        <a:buFont typeface="Arial" panose="020B0604020202020204" pitchFamily="34" charset="0"/>
+        <a:buChar char="•"/>
+        <a:defRPr sz="1800" kern="1200">
+          <a:solidFill>
+            <a:schemeClr val="tx1"/>
+          </a:solidFill>
+          <a:latin typeface="+mn-lt"/>
+          <a:ea typeface="+mn-ea"/>
+          <a:cs typeface="+mn-cs"/>
+        </a:defRPr>
+      </a:lvl9pPr>
+    </p:bodyStyle>
+    <p:otherStyle>
+      <a:defPPr>
+        <a:defRPr lang="ru-RU"/>
+      </a:defPPr>
+      <a:lvl1pPr marL="0" algn="l" defTabSz="914400" rtl="0" eaLnBrk="1" latinLnBrk="0" hangingPunct="1">
+        <a:defRPr sz="1800" kern="1200">
+          <a:solidFill>
+            <a:schemeClr val="tx1"/>
+          </a:solidFill>
+          <a:latin typeface="+mn-lt"/>
+          <a:ea typeface="+mn-ea"/>
+          <a:cs typeface="+mn-cs"/>
+        </a:defRPr>
+      </a:lvl1pPr>
+      <a:lvl2pPr marL="457200" algn="l" defTabSz="914400" rtl="0" eaLnBrk="1" latinLnBrk="0" hangingPunct="1">
+        <a:defRPr sz="1800" kern="1200">
+          <a:solidFill>
+            <a:schemeClr val="tx1"/>
+          </a:solidFill>
+          <a:latin typeface="+mn-lt"/>
+          <a:ea typeface="+mn-ea"/>
+          <a:cs typeface="+mn-cs"/>
+        </a:defRPr>
+      </a:lvl2pPr>
+      <a:lvl3pPr marL="914400" algn="l" defTabSz="914400" rtl="0" eaLnBrk="1" latinLnBrk="0" hangingPunct="1">
+        <a:defRPr sz="1800" kern="1200">
+          <a:solidFill>
+            <a:schemeClr val="tx1"/>
+          </a:solidFill>
+          <a:latin typeface="+mn-lt"/>
+          <a:ea typeface="+mn-ea"/>
+          <a:cs typeface="+mn-cs"/>
+        </a:defRPr>
+      </a:lvl3pPr>
+      <a:lvl4pPr marL="1371600" algn="l" defTabSz="914400" rtl="0" eaLnBrk="1" latinLnBrk="0" hangingPunct="1">
+        <a:defRPr sz="1800" kern="1200">
+          <a:solidFill>
+            <a:schemeClr val="tx1"/>
+          </a:solidFill>
+          <a:latin typeface="+mn-lt"/>
+          <a:ea typeface="+mn-ea"/>
+          <a:cs typeface="+mn-cs"/>
+        </a:defRPr>
+      </a:lvl4pPr>
+      <a:lvl5pPr marL="1828800" algn="l" defTabSz="914400" rtl="0" eaLnBrk="1" latinLnBrk="0" hangingPunct="1">
+        <a:defRPr sz="1800" kern="1200">
+          <a:solidFill>
+            <a:schemeClr val="tx1"/>
+          </a:solidFill>
+          <a:latin typeface="+mn-lt"/>
+          <a:ea typeface="+mn-ea"/>
+          <a:cs typeface="+mn-cs"/>
+        </a:defRPr>
+      </a:lvl5pPr>
+      <a:lvl6pPr marL="2286000" algn="l" defTabSz="914400" rtl="0" eaLnBrk="1" latinLnBrk="0" hangingPunct="1">
+        <a:defRPr sz="1800" kern="1200">
+          <a:solidFill>
+            <a:schemeClr val="tx1"/>
+          </a:solidFill>
+          <a:latin typeface="+mn-lt"/>
+          <a:ea typeface="+mn-ea"/>
+          <a:cs typeface="+mn-cs"/>
+        </a:defRPr>
+      </a:lvl6pPr>
+      <a:lvl7pPr marL="2743200" algn="l" defTabSz="914400" rtl="0" eaLnBrk="1" latinLnBrk="0" hangingPunct="1">
+        <a:defRPr sz="1800" kern="1200">
+          <a:solidFill>
+            <a:schemeClr val="tx1"/>
+          </a:solidFill>
+          <a:latin typeface="+mn-lt"/>
+          <a:ea typeface="+mn-ea"/>
+          <a:cs typeface="+mn-cs"/>
+        </a:defRPr>
+      </a:lvl7pPr>
+      <a:lvl8pPr marL="3200400" algn="l" defTabSz="914400" rtl="0" eaLnBrk="1" latinLnBrk="0" hangingPunct="1">
+        <a:defRPr sz="1800" kern="1200">
+          <a:solidFill>
+            <a:schemeClr val="tx1"/>
+          </a:solidFill>
+          <a:latin typeface="+mn-lt"/>
+          <a:ea typeface="+mn-ea"/>
+          <a:cs typeface="+mn-cs"/>
+        </a:defRPr>
+      </a:lvl8pPr>
+      <a:lvl9pPr marL="3657600" algn="l" defTabSz="914400" rtl="0" eaLnBrk="1" latinLnBrk="0" hangingPunct="1">
+        <a:defRPr sz="1800" kern="1200">
+          <a:solidFill>
+            <a:schemeClr val="tx1"/>
+          </a:solidFill>
+          <a:latin typeface="+mn-lt"/>
+          <a:ea typeface="+mn-ea"/>
+          <a:cs typeface="+mn-cs"/>
+        </a:defRPr>
+      </a:lvl9pPr>
+    </p:otherStyle>
+  </p:txStyles>
 </p:sldMaster>
 </file>
 
 <file path=ppt/slideMasters/slideMaster2.xml><?xml version="1.0" encoding="utf-8"?>
-<p:sldMaster xmlns:a="http://schemas.openxmlformats.org/drawingml/2006/main" xmlns:p="http://schemas.openxmlformats.org/presentationml/2006/main" xmlns:r="http://schemas.openxmlformats.org/officeDocument/2006/relationships" xmlns:p14="http://schemas.microsoft.com/office/powerpoint/2010/main" xmlns:p15="http://schemas.microsoft.com/office/powerpoint/2012/main" xmlns:mc="http://schemas.openxmlformats.org/markup-compatibility/2006">
+<p:sldMaster xmlns:a="http://schemas.openxmlformats.org/drawingml/2006/main" xmlns:r="http://schemas.openxmlformats.org/officeDocument/2006/relationships" xmlns:p="http://schemas.openxmlformats.org/presentationml/2006/main">
   <p:cSld>
     <p:bg>
       <p:bgPr>
         <a:solidFill>
           <a:schemeClr val="lt1"/>
         </a:solidFill>
+        <a:effectLst/>
       </p:bgPr>
     </p:bg>
     <p:spTree>
@@ -5610,7 +6102,7 @@
           </a:ln>
         </p:spPr>
         <p:txBody>
-          <a:bodyPr lIns="0" rIns="0" tIns="0" bIns="0" anchor="t">
+          <a:bodyPr lIns="0" tIns="0" rIns="0" bIns="0" anchor="t">
             <a:noAutofit/>
           </a:bodyPr>
           <a:lstStyle>
@@ -5620,9 +6112,9 @@
               </a:lnSpc>
               <a:buNone/>
               <a:tabLst>
-                <a:tab algn="l" pos="0"/>
+                <a:tab pos="0" algn="l"/>
               </a:tabLst>
-              <a:defRPr b="0" lang="en-US" sz="1400" spc="-1" strike="noStrike">
+              <a:defRPr lang="en-US" sz="1400" b="0" strike="noStrike" spc="-1">
                 <a:solidFill>
                   <a:srgbClr val="000000"/>
                 </a:solidFill>
@@ -5637,11 +6129,11 @@
               </a:lnSpc>
               <a:buNone/>
               <a:tabLst>
-                <a:tab algn="l" pos="0"/>
+                <a:tab pos="0" algn="l"/>
               </a:tabLst>
             </a:pPr>
             <a:r>
-              <a:rPr b="0" lang="en-US" sz="1400" spc="-1" strike="noStrike">
+              <a:rPr lang="en-US" sz="1400" b="0" strike="noStrike" spc="-1">
                 <a:solidFill>
                   <a:srgbClr val="000000"/>
                 </a:solidFill>
@@ -5649,12 +6141,6 @@
               </a:rPr>
               <a:t>&lt;footer&gt;</a:t>
             </a:r>
-            <a:endParaRPr b="0" lang="en-US" sz="1400" spc="-1" strike="noStrike">
-              <a:solidFill>
-                <a:srgbClr val="000000"/>
-              </a:solidFill>
-              <a:latin typeface="Noto Serif"/>
-            </a:endParaRPr>
           </a:p>
         </p:txBody>
       </p:sp>
@@ -5682,7 +6168,7 @@
           </a:ln>
         </p:spPr>
         <p:txBody>
-          <a:bodyPr lIns="0" rIns="0" tIns="0" bIns="0" anchor="t">
+          <a:bodyPr lIns="0" tIns="0" rIns="0" bIns="0" anchor="t">
             <a:noAutofit/>
           </a:bodyPr>
           <a:lstStyle>
@@ -5692,9 +6178,9 @@
               </a:lnSpc>
               <a:buNone/>
               <a:tabLst>
-                <a:tab algn="l" pos="0"/>
+                <a:tab pos="0" algn="l"/>
               </a:tabLst>
-              <a:defRPr b="0" lang="en-US" sz="1400" spc="-1" strike="noStrike">
+              <a:defRPr lang="en-US" sz="1400" b="0" strike="noStrike" spc="-1">
                 <a:solidFill>
                   <a:schemeClr val="dk1">
                     <a:tint val="75000"/>
@@ -5711,11 +6197,11 @@
               </a:lnSpc>
               <a:buNone/>
               <a:tabLst>
-                <a:tab algn="l" pos="0"/>
+                <a:tab pos="0" algn="l"/>
               </a:tabLst>
             </a:pPr>
             <a:fld id="{3F57FDBF-CC7D-4A60-BAE8-D0197D2B14EC}" type="slidenum">
-              <a:rPr b="0" lang="en-US" sz="1400" spc="-1" strike="noStrike">
+              <a:rPr lang="en-US" sz="1400" b="0" strike="noStrike" spc="-1">
                 <a:solidFill>
                   <a:schemeClr val="dk1">
                     <a:tint val="75000"/>
@@ -5723,9 +6209,9 @@
                 </a:solidFill>
                 <a:latin typeface="Noto Serif"/>
               </a:rPr>
-              <a:t>&lt;number&gt;</a:t>
+              <a:t>‹#›</a:t>
             </a:fld>
-            <a:endParaRPr b="0" lang="en-US" sz="1400" spc="-1" strike="noStrike">
+            <a:endParaRPr lang="en-US" sz="1400" b="0" strike="noStrike" spc="-1">
               <a:solidFill>
                 <a:srgbClr val="000000"/>
               </a:solidFill>
@@ -5758,13 +6244,13 @@
           </a:ln>
         </p:spPr>
         <p:txBody>
-          <a:bodyPr lIns="0" rIns="0" tIns="0" bIns="0" anchor="t">
+          <a:bodyPr lIns="0" tIns="0" rIns="0" bIns="0" anchor="t">
             <a:noAutofit/>
           </a:bodyPr>
           <a:lstStyle>
             <a:lvl1pPr indent="0">
               <a:buNone/>
-              <a:defRPr b="0" lang="en-US" sz="1400" spc="-1" strike="noStrike">
+              <a:defRPr lang="en-US" sz="1400" b="0" strike="noStrike" spc="-1">
                 <a:solidFill>
                   <a:srgbClr val="000000"/>
                 </a:solidFill>
@@ -5777,7 +6263,7 @@
               <a:buNone/>
             </a:pPr>
             <a:r>
-              <a:rPr b="0" lang="en-US" sz="1400" spc="-1" strike="noStrike">
+              <a:rPr lang="en-US" sz="1400" b="0" strike="noStrike" spc="-1">
                 <a:solidFill>
                   <a:srgbClr val="000000"/>
                 </a:solidFill>
@@ -5785,12 +6271,6 @@
               </a:rPr>
               <a:t>&lt;date/time&gt;</a:t>
             </a:r>
-            <a:endParaRPr b="0" lang="en-US" sz="1400" spc="-1" strike="noStrike">
-              <a:solidFill>
-                <a:srgbClr val="000000"/>
-              </a:solidFill>
-              <a:latin typeface="Noto Serif"/>
-            </a:endParaRPr>
           </a:p>
         </p:txBody>
       </p:sp>
@@ -5818,15 +6298,16 @@
           </a:ln>
         </p:spPr>
         <p:txBody>
-          <a:bodyPr lIns="0" rIns="0" tIns="0" bIns="0" anchor="ctr">
+          <a:bodyPr lIns="0" tIns="0" rIns="0" bIns="0" anchor="ctr">
             <a:noAutofit/>
           </a:bodyPr>
+          <a:lstStyle/>
           <a:p>
             <a:pPr indent="0" algn="ctr">
               <a:buNone/>
             </a:pPr>
             <a:r>
-              <a:rPr b="0" lang="en-US" sz="4400" spc="-1" strike="noStrike">
+              <a:rPr lang="en-US" sz="4400" b="0" strike="noStrike" spc="-1">
                 <a:solidFill>
                   <a:srgbClr val="000000"/>
                 </a:solidFill>
@@ -5834,12 +6315,6 @@
               </a:rPr>
               <a:t>Click to edit the title text format</a:t>
             </a:r>
-            <a:endParaRPr b="0" lang="en-US" sz="4400" spc="-1" strike="noStrike">
-              <a:solidFill>
-                <a:srgbClr val="000000"/>
-              </a:solidFill>
-              <a:latin typeface="Noto Sans"/>
-            </a:endParaRPr>
           </a:p>
         </p:txBody>
       </p:sp>
@@ -5867,9 +6342,10 @@
           </a:ln>
         </p:spPr>
         <p:txBody>
-          <a:bodyPr lIns="0" rIns="0" tIns="0" bIns="0" anchor="t">
+          <a:bodyPr lIns="0" tIns="0" rIns="0" bIns="0" anchor="t">
             <a:normAutofit fontScale="90616"/>
           </a:bodyPr>
+          <a:lstStyle/>
           <a:p>
             <a:pPr marL="432000" indent="-324000">
               <a:spcBef>
@@ -5883,7 +6359,7 @@
               <a:buChar char=""/>
             </a:pPr>
             <a:r>
-              <a:rPr b="0" lang="en-US" sz="3200" spc="-1" strike="noStrike">
+              <a:rPr lang="en-US" sz="3200" b="0" strike="noStrike" spc="-1">
                 <a:solidFill>
                   <a:srgbClr val="000000"/>
                 </a:solidFill>
@@ -5891,15 +6367,9 @@
               </a:rPr>
               <a:t>Click to edit the outline text format</a:t>
             </a:r>
-            <a:endParaRPr b="0" lang="en-US" sz="3200" spc="-1" strike="noStrike">
-              <a:solidFill>
-                <a:srgbClr val="000000"/>
-              </a:solidFill>
-              <a:latin typeface="Noto Sans"/>
-            </a:endParaRPr>
-          </a:p>
-          <a:p>
-            <a:pPr lvl="1" marL="864000" indent="-324000">
+          </a:p>
+          <a:p>
+            <a:pPr marL="864000" lvl="1" indent="-324000">
               <a:spcBef>
                 <a:spcPts val="1134"/>
               </a:spcBef>
@@ -5911,7 +6381,7 @@
               <a:buChar char=""/>
             </a:pPr>
             <a:r>
-              <a:rPr b="0" lang="en-US" sz="2800" spc="-1" strike="noStrike">
+              <a:rPr lang="en-US" sz="2800" b="0" strike="noStrike" spc="-1">
                 <a:solidFill>
                   <a:srgbClr val="000000"/>
                 </a:solidFill>
@@ -5919,15 +6389,9 @@
               </a:rPr>
               <a:t>Second Outline Level</a:t>
             </a:r>
-            <a:endParaRPr b="0" lang="en-US" sz="2800" spc="-1" strike="noStrike">
-              <a:solidFill>
-                <a:srgbClr val="000000"/>
-              </a:solidFill>
-              <a:latin typeface="Noto Sans"/>
-            </a:endParaRPr>
-          </a:p>
-          <a:p>
-            <a:pPr lvl="2" marL="1296000" indent="-288000">
+          </a:p>
+          <a:p>
+            <a:pPr marL="1296000" lvl="2" indent="-288000">
               <a:spcBef>
                 <a:spcPts val="850"/>
               </a:spcBef>
@@ -5939,7 +6403,7 @@
               <a:buChar char=""/>
             </a:pPr>
             <a:r>
-              <a:rPr b="0" lang="en-US" sz="2400" spc="-1" strike="noStrike">
+              <a:rPr lang="en-US" sz="2400" b="0" strike="noStrike" spc="-1">
                 <a:solidFill>
                   <a:srgbClr val="000000"/>
                 </a:solidFill>
@@ -5947,15 +6411,9 @@
               </a:rPr>
               <a:t>Third Outline Level</a:t>
             </a:r>
-            <a:endParaRPr b="0" lang="en-US" sz="2400" spc="-1" strike="noStrike">
-              <a:solidFill>
-                <a:srgbClr val="000000"/>
-              </a:solidFill>
-              <a:latin typeface="Noto Sans"/>
-            </a:endParaRPr>
-          </a:p>
-          <a:p>
-            <a:pPr lvl="3" marL="1728000" indent="-216000">
+          </a:p>
+          <a:p>
+            <a:pPr marL="1728000" lvl="3" indent="-216000">
               <a:spcBef>
                 <a:spcPts val="567"/>
               </a:spcBef>
@@ -5967,7 +6425,7 @@
               <a:buChar char=""/>
             </a:pPr>
             <a:r>
-              <a:rPr b="0" lang="en-US" sz="2000" spc="-1" strike="noStrike">
+              <a:rPr lang="en-US" sz="2000" b="0" strike="noStrike" spc="-1">
                 <a:solidFill>
                   <a:srgbClr val="000000"/>
                 </a:solidFill>
@@ -5975,15 +6433,9 @@
               </a:rPr>
               <a:t>Fourth Outline Level</a:t>
             </a:r>
-            <a:endParaRPr b="0" lang="en-US" sz="2000" spc="-1" strike="noStrike">
-              <a:solidFill>
-                <a:srgbClr val="000000"/>
-              </a:solidFill>
-              <a:latin typeface="Noto Sans"/>
-            </a:endParaRPr>
-          </a:p>
-          <a:p>
-            <a:pPr lvl="4" marL="2160000" indent="-216000">
+          </a:p>
+          <a:p>
+            <a:pPr marL="2160000" lvl="4" indent="-216000">
               <a:spcBef>
                 <a:spcPts val="283"/>
               </a:spcBef>
@@ -5995,7 +6447,7 @@
               <a:buChar char=""/>
             </a:pPr>
             <a:r>
-              <a:rPr b="0" lang="en-US" sz="2000" spc="-1" strike="noStrike">
+              <a:rPr lang="en-US" sz="2000" b="0" strike="noStrike" spc="-1">
                 <a:solidFill>
                   <a:srgbClr val="000000"/>
                 </a:solidFill>
@@ -6003,15 +6455,9 @@
               </a:rPr>
               <a:t>Fifth Outline Level</a:t>
             </a:r>
-            <a:endParaRPr b="0" lang="en-US" sz="2000" spc="-1" strike="noStrike">
-              <a:solidFill>
-                <a:srgbClr val="000000"/>
-              </a:solidFill>
-              <a:latin typeface="Noto Sans"/>
-            </a:endParaRPr>
-          </a:p>
-          <a:p>
-            <a:pPr lvl="5" marL="2592000" indent="-216000">
+          </a:p>
+          <a:p>
+            <a:pPr marL="2592000" lvl="5" indent="-216000">
               <a:spcBef>
                 <a:spcPts val="283"/>
               </a:spcBef>
@@ -6023,7 +6469,7 @@
               <a:buChar char=""/>
             </a:pPr>
             <a:r>
-              <a:rPr b="0" lang="en-US" sz="2000" spc="-1" strike="noStrike">
+              <a:rPr lang="en-US" sz="2000" b="0" strike="noStrike" spc="-1">
                 <a:solidFill>
                   <a:srgbClr val="000000"/>
                 </a:solidFill>
@@ -6031,15 +6477,9 @@
               </a:rPr>
               <a:t>Sixth Outline Level</a:t>
             </a:r>
-            <a:endParaRPr b="0" lang="en-US" sz="2000" spc="-1" strike="noStrike">
-              <a:solidFill>
-                <a:srgbClr val="000000"/>
-              </a:solidFill>
-              <a:latin typeface="Noto Sans"/>
-            </a:endParaRPr>
-          </a:p>
-          <a:p>
-            <a:pPr lvl="6" marL="3024000" indent="-216000">
+          </a:p>
+          <a:p>
+            <a:pPr marL="3024000" lvl="6" indent="-216000">
               <a:spcBef>
                 <a:spcPts val="283"/>
               </a:spcBef>
@@ -6051,7 +6491,7 @@
               <a:buChar char=""/>
             </a:pPr>
             <a:r>
-              <a:rPr b="0" lang="en-US" sz="2000" spc="-1" strike="noStrike">
+              <a:rPr lang="en-US" sz="2000" b="0" strike="noStrike" spc="-1">
                 <a:solidFill>
                   <a:srgbClr val="000000"/>
                 </a:solidFill>
@@ -6059,37 +6499,311 @@
               </a:rPr>
               <a:t>Seventh Outline Level</a:t>
             </a:r>
-            <a:endParaRPr b="0" lang="en-US" sz="2000" spc="-1" strike="noStrike">
-              <a:solidFill>
-                <a:srgbClr val="000000"/>
-              </a:solidFill>
-              <a:latin typeface="Noto Sans"/>
-            </a:endParaRPr>
           </a:p>
         </p:txBody>
       </p:sp>
     </p:spTree>
   </p:cSld>
-  <p:clrMap bg1="lt1" bg2="lt2" tx1="dk1" tx2="dk2" accent1="accent1" accent2="accent2" accent3="accent3" accent4="accent4" accent5="accent5" accent6="accent6" hlink="hlink" folHlink="folHlink"/>
+  <p:clrMap bg1="lt1" tx1="dk1" bg2="lt2" tx2="dk2" accent1="accent1" accent2="accent2" accent3="accent3" accent4="accent4" accent5="accent5" accent6="accent6" hlink="hlink" folHlink="folHlink"/>
   <p:sldLayoutIdLst>
-    <p:sldLayoutId id="2147483662" r:id="rId2"/>
-    <p:sldLayoutId id="2147483663" r:id="rId3"/>
-    <p:sldLayoutId id="2147483664" r:id="rId4"/>
-    <p:sldLayoutId id="2147483665" r:id="rId5"/>
-    <p:sldLayoutId id="2147483666" r:id="rId6"/>
-    <p:sldLayoutId id="2147483667" r:id="rId7"/>
-    <p:sldLayoutId id="2147483668" r:id="rId8"/>
-    <p:sldLayoutId id="2147483669" r:id="rId9"/>
-    <p:sldLayoutId id="2147483670" r:id="rId10"/>
-    <p:sldLayoutId id="2147483671" r:id="rId11"/>
-    <p:sldLayoutId id="2147483672" r:id="rId12"/>
-    <p:sldLayoutId id="2147483673" r:id="rId13"/>
+    <p:sldLayoutId id="2147483662" r:id="rId1"/>
+    <p:sldLayoutId id="2147483663" r:id="rId2"/>
+    <p:sldLayoutId id="2147483664" r:id="rId3"/>
+    <p:sldLayoutId id="2147483665" r:id="rId4"/>
+    <p:sldLayoutId id="2147483666" r:id="rId5"/>
+    <p:sldLayoutId id="2147483667" r:id="rId6"/>
+    <p:sldLayoutId id="2147483668" r:id="rId7"/>
+    <p:sldLayoutId id="2147483669" r:id="rId8"/>
+    <p:sldLayoutId id="2147483670" r:id="rId9"/>
+    <p:sldLayoutId id="2147483671" r:id="rId10"/>
+    <p:sldLayoutId id="2147483672" r:id="rId11"/>
+    <p:sldLayoutId id="2147483673" r:id="rId12"/>
   </p:sldLayoutIdLst>
+  <p:txStyles>
+    <p:titleStyle>
+      <a:lvl1pPr algn="l" defTabSz="914400" rtl="0" eaLnBrk="1" latinLnBrk="0" hangingPunct="1">
+        <a:lnSpc>
+          <a:spcPct val="90000"/>
+        </a:lnSpc>
+        <a:spcBef>
+          <a:spcPct val="0"/>
+        </a:spcBef>
+        <a:buNone/>
+        <a:defRPr sz="4400" kern="1200">
+          <a:solidFill>
+            <a:schemeClr val="tx1"/>
+          </a:solidFill>
+          <a:latin typeface="+mj-lt"/>
+          <a:ea typeface="+mj-ea"/>
+          <a:cs typeface="+mj-cs"/>
+        </a:defRPr>
+      </a:lvl1pPr>
+    </p:titleStyle>
+    <p:bodyStyle>
+      <a:lvl1pPr marL="228600" indent="-228600" algn="l" defTabSz="914400" rtl="0" eaLnBrk="1" latinLnBrk="0" hangingPunct="1">
+        <a:lnSpc>
+          <a:spcPct val="90000"/>
+        </a:lnSpc>
+        <a:spcBef>
+          <a:spcPts val="1000"/>
+        </a:spcBef>
+        <a:buFont typeface="Arial" panose="020B0604020202020204" pitchFamily="34" charset="0"/>
+        <a:buChar char="•"/>
+        <a:defRPr sz="2800" kern="1200">
+          <a:solidFill>
+            <a:schemeClr val="tx1"/>
+          </a:solidFill>
+          <a:latin typeface="+mn-lt"/>
+          <a:ea typeface="+mn-ea"/>
+          <a:cs typeface="+mn-cs"/>
+        </a:defRPr>
+      </a:lvl1pPr>
+      <a:lvl2pPr marL="685800" indent="-228600" algn="l" defTabSz="914400" rtl="0" eaLnBrk="1" latinLnBrk="0" hangingPunct="1">
+        <a:lnSpc>
+          <a:spcPct val="90000"/>
+        </a:lnSpc>
+        <a:spcBef>
+          <a:spcPts val="500"/>
+        </a:spcBef>
+        <a:buFont typeface="Arial" panose="020B0604020202020204" pitchFamily="34" charset="0"/>
+        <a:buChar char="•"/>
+        <a:defRPr sz="2400" kern="1200">
+          <a:solidFill>
+            <a:schemeClr val="tx1"/>
+          </a:solidFill>
+          <a:latin typeface="+mn-lt"/>
+          <a:ea typeface="+mn-ea"/>
+          <a:cs typeface="+mn-cs"/>
+        </a:defRPr>
+      </a:lvl2pPr>
+      <a:lvl3pPr marL="1143000" indent="-228600" algn="l" defTabSz="914400" rtl="0" eaLnBrk="1" latinLnBrk="0" hangingPunct="1">
+        <a:lnSpc>
+          <a:spcPct val="90000"/>
+        </a:lnSpc>
+        <a:spcBef>
+          <a:spcPts val="500"/>
+        </a:spcBef>
+        <a:buFont typeface="Arial" panose="020B0604020202020204" pitchFamily="34" charset="0"/>
+        <a:buChar char="•"/>
+        <a:defRPr sz="2000" kern="1200">
+          <a:solidFill>
+            <a:schemeClr val="tx1"/>
+          </a:solidFill>
+          <a:latin typeface="+mn-lt"/>
+          <a:ea typeface="+mn-ea"/>
+          <a:cs typeface="+mn-cs"/>
+        </a:defRPr>
+      </a:lvl3pPr>
+      <a:lvl4pPr marL="1600200" indent="-228600" algn="l" defTabSz="914400" rtl="0" eaLnBrk="1" latinLnBrk="0" hangingPunct="1">
+        <a:lnSpc>
+          <a:spcPct val="90000"/>
+        </a:lnSpc>
+        <a:spcBef>
+          <a:spcPts val="500"/>
+        </a:spcBef>
+        <a:buFont typeface="Arial" panose="020B0604020202020204" pitchFamily="34" charset="0"/>
+        <a:buChar char="•"/>
+        <a:defRPr sz="1800" kern="1200">
+          <a:solidFill>
+            <a:schemeClr val="tx1"/>
+          </a:solidFill>
+          <a:latin typeface="+mn-lt"/>
+          <a:ea typeface="+mn-ea"/>
+          <a:cs typeface="+mn-cs"/>
+        </a:defRPr>
+      </a:lvl4pPr>
+      <a:lvl5pPr marL="2057400" indent="-228600" algn="l" defTabSz="914400" rtl="0" eaLnBrk="1" latinLnBrk="0" hangingPunct="1">
+        <a:lnSpc>
+          <a:spcPct val="90000"/>
+        </a:lnSpc>
+        <a:spcBef>
+          <a:spcPts val="500"/>
+        </a:spcBef>
+        <a:buFont typeface="Arial" panose="020B0604020202020204" pitchFamily="34" charset="0"/>
+        <a:buChar char="•"/>
+        <a:defRPr sz="1800" kern="1200">
+          <a:solidFill>
+            <a:schemeClr val="tx1"/>
+          </a:solidFill>
+          <a:latin typeface="+mn-lt"/>
+          <a:ea typeface="+mn-ea"/>
+          <a:cs typeface="+mn-cs"/>
+        </a:defRPr>
+      </a:lvl5pPr>
+      <a:lvl6pPr marL="2514600" indent="-228600" algn="l" defTabSz="914400" rtl="0" eaLnBrk="1" latinLnBrk="0" hangingPunct="1">
+        <a:lnSpc>
+          <a:spcPct val="90000"/>
+        </a:lnSpc>
+        <a:spcBef>
+          <a:spcPts val="500"/>
+        </a:spcBef>
+        <a:buFont typeface="Arial" panose="020B0604020202020204" pitchFamily="34" charset="0"/>
+        <a:buChar char="•"/>
+        <a:defRPr sz="1800" kern="1200">
+          <a:solidFill>
+            <a:schemeClr val="tx1"/>
+          </a:solidFill>
+          <a:latin typeface="+mn-lt"/>
+          <a:ea typeface="+mn-ea"/>
+          <a:cs typeface="+mn-cs"/>
+        </a:defRPr>
+      </a:lvl6pPr>
+      <a:lvl7pPr marL="2971800" indent="-228600" algn="l" defTabSz="914400" rtl="0" eaLnBrk="1" latinLnBrk="0" hangingPunct="1">
+        <a:lnSpc>
+          <a:spcPct val="90000"/>
+        </a:lnSpc>
+        <a:spcBef>
+          <a:spcPts val="500"/>
+        </a:spcBef>
+        <a:buFont typeface="Arial" panose="020B0604020202020204" pitchFamily="34" charset="0"/>
+        <a:buChar char="•"/>
+        <a:defRPr sz="1800" kern="1200">
+          <a:solidFill>
+            <a:schemeClr val="tx1"/>
+          </a:solidFill>
+          <a:latin typeface="+mn-lt"/>
+          <a:ea typeface="+mn-ea"/>
+          <a:cs typeface="+mn-cs"/>
+        </a:defRPr>
+      </a:lvl7pPr>
+      <a:lvl8pPr marL="3429000" indent="-228600" algn="l" defTabSz="914400" rtl="0" eaLnBrk="1" latinLnBrk="0" hangingPunct="1">
+        <a:lnSpc>
+          <a:spcPct val="90000"/>
+        </a:lnSpc>
+        <a:spcBef>
+          <a:spcPts val="500"/>
+        </a:spcBef>
+        <a:buFont typeface="Arial" panose="020B0604020202020204" pitchFamily="34" charset="0"/>
+        <a:buChar char="•"/>
+        <a:defRPr sz="1800" kern="1200">
+          <a:solidFill>
+            <a:schemeClr val="tx1"/>
+          </a:solidFill>
+          <a:latin typeface="+mn-lt"/>
+          <a:ea typeface="+mn-ea"/>
+          <a:cs typeface="+mn-cs"/>
+        </a:defRPr>
+      </a:lvl8pPr>
+      <a:lvl9pPr marL="3886200" indent="-228600" algn="l" defTabSz="914400" rtl="0" eaLnBrk="1" latinLnBrk="0" hangingPunct="1">
+        <a:lnSpc>
+          <a:spcPct val="90000"/>
+        </a:lnSpc>
+        <a:spcBef>
+          <a:spcPts val="500"/>
+        </a:spcBef>
+        <a:buFont typeface="Arial" panose="020B0604020202020204" pitchFamily="34" charset="0"/>
+        <a:buChar char="•"/>
+        <a:defRPr sz="1800" kern="1200">
+          <a:solidFill>
+            <a:schemeClr val="tx1"/>
+          </a:solidFill>
+          <a:latin typeface="+mn-lt"/>
+          <a:ea typeface="+mn-ea"/>
+          <a:cs typeface="+mn-cs"/>
+        </a:defRPr>
+      </a:lvl9pPr>
+    </p:bodyStyle>
+    <p:otherStyle>
+      <a:defPPr>
+        <a:defRPr lang="ru-RU"/>
+      </a:defPPr>
+      <a:lvl1pPr marL="0" algn="l" defTabSz="914400" rtl="0" eaLnBrk="1" latinLnBrk="0" hangingPunct="1">
+        <a:defRPr sz="1800" kern="1200">
+          <a:solidFill>
+            <a:schemeClr val="tx1"/>
+          </a:solidFill>
+          <a:latin typeface="+mn-lt"/>
+          <a:ea typeface="+mn-ea"/>
+          <a:cs typeface="+mn-cs"/>
+        </a:defRPr>
+      </a:lvl1pPr>
+      <a:lvl2pPr marL="457200" algn="l" defTabSz="914400" rtl="0" eaLnBrk="1" latinLnBrk="0" hangingPunct="1">
+        <a:defRPr sz="1800" kern="1200">
+          <a:solidFill>
+            <a:schemeClr val="tx1"/>
+          </a:solidFill>
+          <a:latin typeface="+mn-lt"/>
+          <a:ea typeface="+mn-ea"/>
+          <a:cs typeface="+mn-cs"/>
+        </a:defRPr>
+      </a:lvl2pPr>
+      <a:lvl3pPr marL="914400" algn="l" defTabSz="914400" rtl="0" eaLnBrk="1" latinLnBrk="0" hangingPunct="1">
+        <a:defRPr sz="1800" kern="1200">
+          <a:solidFill>
+            <a:schemeClr val="tx1"/>
+          </a:solidFill>
+          <a:latin typeface="+mn-lt"/>
+          <a:ea typeface="+mn-ea"/>
+          <a:cs typeface="+mn-cs"/>
+        </a:defRPr>
+      </a:lvl3pPr>
+      <a:lvl4pPr marL="1371600" algn="l" defTabSz="914400" rtl="0" eaLnBrk="1" latinLnBrk="0" hangingPunct="1">
+        <a:defRPr sz="1800" kern="1200">
+          <a:solidFill>
+            <a:schemeClr val="tx1"/>
+          </a:solidFill>
+          <a:latin typeface="+mn-lt"/>
+          <a:ea typeface="+mn-ea"/>
+          <a:cs typeface="+mn-cs"/>
+        </a:defRPr>
+      </a:lvl4pPr>
+      <a:lvl5pPr marL="1828800" algn="l" defTabSz="914400" rtl="0" eaLnBrk="1" latinLnBrk="0" hangingPunct="1">
+        <a:defRPr sz="1800" kern="1200">
+          <a:solidFill>
+            <a:schemeClr val="tx1"/>
+          </a:solidFill>
+          <a:latin typeface="+mn-lt"/>
+          <a:ea typeface="+mn-ea"/>
+          <a:cs typeface="+mn-cs"/>
+        </a:defRPr>
+      </a:lvl5pPr>
+      <a:lvl6pPr marL="2286000" algn="l" defTabSz="914400" rtl="0" eaLnBrk="1" latinLnBrk="0" hangingPunct="1">
+        <a:defRPr sz="1800" kern="1200">
+          <a:solidFill>
+            <a:schemeClr val="tx1"/>
+          </a:solidFill>
+          <a:latin typeface="+mn-lt"/>
+          <a:ea typeface="+mn-ea"/>
+          <a:cs typeface="+mn-cs"/>
+        </a:defRPr>
+      </a:lvl6pPr>
+      <a:lvl7pPr marL="2743200" algn="l" defTabSz="914400" rtl="0" eaLnBrk="1" latinLnBrk="0" hangingPunct="1">
+        <a:defRPr sz="1800" kern="1200">
+          <a:solidFill>
+            <a:schemeClr val="tx1"/>
+          </a:solidFill>
+          <a:latin typeface="+mn-lt"/>
+          <a:ea typeface="+mn-ea"/>
+          <a:cs typeface="+mn-cs"/>
+        </a:defRPr>
+      </a:lvl7pPr>
+      <a:lvl8pPr marL="3200400" algn="l" defTabSz="914400" rtl="0" eaLnBrk="1" latinLnBrk="0" hangingPunct="1">
+        <a:defRPr sz="1800" kern="1200">
+          <a:solidFill>
+            <a:schemeClr val="tx1"/>
+          </a:solidFill>
+          <a:latin typeface="+mn-lt"/>
+          <a:ea typeface="+mn-ea"/>
+          <a:cs typeface="+mn-cs"/>
+        </a:defRPr>
+      </a:lvl8pPr>
+      <a:lvl9pPr marL="3657600" algn="l" defTabSz="914400" rtl="0" eaLnBrk="1" latinLnBrk="0" hangingPunct="1">
+        <a:defRPr sz="1800" kern="1200">
+          <a:solidFill>
+            <a:schemeClr val="tx1"/>
+          </a:solidFill>
+          <a:latin typeface="+mn-lt"/>
+          <a:ea typeface="+mn-ea"/>
+          <a:cs typeface="+mn-cs"/>
+        </a:defRPr>
+      </a:lvl9pPr>
+    </p:otherStyle>
+  </p:txStyles>
 </p:sldMaster>
 </file>
 
 <file path=ppt/slides/slide1.xml><?xml version="1.0" encoding="utf-8"?>
-<p:sld xmlns:a="http://schemas.openxmlformats.org/drawingml/2006/main" xmlns:p="http://schemas.openxmlformats.org/presentationml/2006/main" xmlns:r="http://schemas.openxmlformats.org/officeDocument/2006/relationships" xmlns:p14="http://schemas.microsoft.com/office/powerpoint/2010/main" xmlns:p15="http://schemas.microsoft.com/office/powerpoint/2012/main" xmlns:mc="http://schemas.openxmlformats.org/markup-compatibility/2006" showMasterSp="0">
+<p:sld xmlns:a="http://schemas.openxmlformats.org/drawingml/2006/main" xmlns:r="http://schemas.openxmlformats.org/officeDocument/2006/relationships" xmlns:p="http://schemas.openxmlformats.org/presentationml/2006/main" showMasterSp="0">
   <p:cSld>
     <p:spTree>
       <p:nvGrpSpPr>
@@ -6129,9 +6843,10 @@
           </a:ln>
         </p:spPr>
         <p:txBody>
-          <a:bodyPr lIns="0" rIns="0" tIns="12600" bIns="0" anchor="t">
+          <a:bodyPr lIns="0" tIns="12600" rIns="0" bIns="0" anchor="t">
             <a:noAutofit/>
           </a:bodyPr>
+          <a:lstStyle/>
           <a:p>
             <a:pPr marL="12600" indent="0">
               <a:lnSpc>
@@ -6142,11 +6857,11 @@
               </a:spcBef>
               <a:buNone/>
               <a:tabLst>
-                <a:tab algn="l" pos="0"/>
+                <a:tab pos="0" algn="l"/>
               </a:tabLst>
             </a:pPr>
             <a:r>
-              <a:rPr b="0" lang="en-US" sz="4000" spc="-1" strike="noStrike">
+              <a:rPr lang="en-US" sz="4000" b="0" strike="noStrike" spc="-1" dirty="0" err="1">
                 <a:solidFill>
                   <a:schemeClr val="dk1"/>
                 </a:solidFill>
@@ -6155,7 +6870,7 @@
               <a:t>Название</a:t>
             </a:r>
             <a:r>
-              <a:rPr b="0" lang="en-US" sz="4000" spc="-197" strike="noStrike">
+              <a:rPr lang="en-US" sz="4000" b="0" strike="noStrike" spc="-197" dirty="0">
                 <a:solidFill>
                   <a:schemeClr val="dk1"/>
                 </a:solidFill>
@@ -6164,7 +6879,7 @@
               <a:t> </a:t>
             </a:r>
             <a:r>
-              <a:rPr b="0" lang="en-US" sz="4000" spc="-12" strike="noStrike">
+              <a:rPr lang="en-US" sz="4000" b="0" strike="noStrike" spc="-12" dirty="0" err="1">
                 <a:solidFill>
                   <a:schemeClr val="dk1"/>
                 </a:solidFill>
@@ -6172,7 +6887,7 @@
               </a:rPr>
               <a:t>проекта</a:t>
             </a:r>
-            <a:endParaRPr b="0" lang="en-US" sz="4000" spc="-1" strike="noStrike">
+            <a:endParaRPr lang="en-US" sz="4000" b="0" strike="noStrike" spc="-1" dirty="0">
               <a:solidFill>
                 <a:srgbClr val="000000"/>
               </a:solidFill>
@@ -6181,124 +6896,14 @@
           </a:p>
         </p:txBody>
       </p:sp>
-      <p:sp>
-        <p:nvSpPr>
-          <p:cNvPr id="83" name="object 3"/>
-          <p:cNvSpPr/>
-          <p:nvPr/>
-        </p:nvSpPr>
-        <p:spPr>
-          <a:xfrm>
-            <a:off x="1642320" y="3947760"/>
-            <a:ext cx="5858280" cy="866160"/>
-          </a:xfrm>
-          <a:prstGeom prst="rect">
-            <a:avLst/>
-          </a:prstGeom>
-          <a:noFill/>
-          <a:ln w="0">
-            <a:noFill/>
-          </a:ln>
-        </p:spPr>
-        <p:style>
-          <a:lnRef idx="0"/>
-          <a:fillRef idx="0"/>
-          <a:effectRef idx="0"/>
-          <a:fontRef idx="minor"/>
-        </p:style>
-        <p:txBody>
-          <a:bodyPr lIns="0" rIns="0" tIns="12600" bIns="0" anchor="t">
-            <a:spAutoFit/>
-          </a:bodyPr>
-          <a:p>
-            <a:pPr marL="12600">
-              <a:lnSpc>
-                <a:spcPct val="100000"/>
-              </a:lnSpc>
-              <a:spcBef>
-                <a:spcPts val="99"/>
-              </a:spcBef>
-            </a:pPr>
-            <a:r>
-              <a:rPr b="0" lang="en-US" sz="2800" spc="-1" strike="noStrike">
-                <a:solidFill>
-                  <a:srgbClr val="595959"/>
-                </a:solidFill>
-                <a:latin typeface="Arial"/>
-              </a:rPr>
-              <a:t>Шаблон</a:t>
-            </a:r>
-            <a:r>
-              <a:rPr b="0" lang="en-US" sz="2800" spc="-66" strike="noStrike">
-                <a:solidFill>
-                  <a:srgbClr val="595959"/>
-                </a:solidFill>
-                <a:latin typeface="Arial"/>
-              </a:rPr>
-              <a:t> </a:t>
-            </a:r>
-            <a:r>
-              <a:rPr b="0" lang="en-US" sz="2800" spc="-1" strike="noStrike">
-                <a:solidFill>
-                  <a:srgbClr val="595959"/>
-                </a:solidFill>
-                <a:latin typeface="Arial"/>
-              </a:rPr>
-              <a:t>презентации</a:t>
-            </a:r>
-            <a:r>
-              <a:rPr b="0" lang="en-US" sz="2800" spc="-72" strike="noStrike">
-                <a:solidFill>
-                  <a:srgbClr val="595959"/>
-                </a:solidFill>
-                <a:latin typeface="Arial"/>
-              </a:rPr>
-              <a:t> </a:t>
-            </a:r>
-            <a:r>
-              <a:rPr b="0" lang="en-US" sz="2800" spc="-1" strike="noStrike">
-                <a:solidFill>
-                  <a:srgbClr val="595959"/>
-                </a:solidFill>
-                <a:latin typeface="Arial"/>
-              </a:rPr>
-              <a:t>для</a:t>
-            </a:r>
-            <a:r>
-              <a:rPr b="0" lang="en-US" sz="2800" spc="-72" strike="noStrike">
-                <a:solidFill>
-                  <a:srgbClr val="595959"/>
-                </a:solidFill>
-                <a:latin typeface="Arial"/>
-              </a:rPr>
-              <a:t> </a:t>
-            </a:r>
-            <a:r>
-              <a:rPr b="0" lang="en-US" sz="2800" spc="-12" strike="noStrike">
-                <a:solidFill>
-                  <a:srgbClr val="595959"/>
-                </a:solidFill>
-                <a:latin typeface="Arial"/>
-              </a:rPr>
-              <a:t>стартапа</a:t>
-            </a:r>
-            <a:endParaRPr b="0" lang="en-US" sz="2800" spc="-1" strike="noStrike">
-              <a:solidFill>
-                <a:srgbClr val="000000"/>
-              </a:solidFill>
-              <a:latin typeface="Noto Sans"/>
-            </a:endParaRPr>
-          </a:p>
-        </p:txBody>
-      </p:sp>
       <p:pic>
         <p:nvPicPr>
-          <p:cNvPr id="84" name="object 4" descr=""/>
+          <p:cNvPr id="84" name="object 4"/>
           <p:cNvPicPr/>
           <p:nvPr/>
         </p:nvPicPr>
         <p:blipFill>
-          <a:blip r:embed="rId1"/>
+          <a:blip r:embed="rId2"/>
           <a:stretch/>
         </p:blipFill>
         <p:spPr>
@@ -6334,15 +6939,22 @@
           </a:ln>
         </p:spPr>
         <p:style>
-          <a:lnRef idx="0"/>
-          <a:fillRef idx="0"/>
-          <a:effectRef idx="0"/>
+          <a:lnRef idx="0">
+            <a:scrgbClr r="0" g="0" b="0"/>
+          </a:lnRef>
+          <a:fillRef idx="0">
+            <a:scrgbClr r="0" g="0" b="0"/>
+          </a:fillRef>
+          <a:effectRef idx="0">
+            <a:scrgbClr r="0" g="0" b="0"/>
+          </a:effectRef>
           <a:fontRef idx="minor"/>
         </p:style>
         <p:txBody>
-          <a:bodyPr lIns="0" rIns="0" tIns="12600" bIns="0" anchor="t">
+          <a:bodyPr lIns="0" tIns="12600" rIns="0" bIns="0" anchor="t">
             <a:spAutoFit/>
           </a:bodyPr>
+          <a:lstStyle/>
           <a:p>
             <a:pPr marL="12600">
               <a:lnSpc>
@@ -6353,7 +6965,7 @@
               </a:spcBef>
             </a:pPr>
             <a:r>
-              <a:rPr b="0" lang="en-US" sz="2000" spc="-1" strike="noStrike">
+              <a:rPr lang="en-US" sz="2000" b="0" strike="noStrike" spc="-1" dirty="0" err="1">
                 <a:solidFill>
                   <a:srgbClr val="595959"/>
                 </a:solidFill>
@@ -6362,7 +6974,7 @@
               <a:t>Одним</a:t>
             </a:r>
             <a:r>
-              <a:rPr b="0" lang="en-US" sz="2000" spc="-60" strike="noStrike">
+              <a:rPr lang="en-US" sz="2000" b="0" strike="noStrike" spc="-60" dirty="0">
                 <a:solidFill>
                   <a:srgbClr val="595959"/>
                 </a:solidFill>
@@ -6371,7 +6983,7 @@
               <a:t> </a:t>
             </a:r>
             <a:r>
-              <a:rPr b="0" lang="en-US" sz="2000" spc="-1" strike="noStrike">
+              <a:rPr lang="en-US" sz="2000" b="0" strike="noStrike" spc="-1" dirty="0" err="1">
                 <a:solidFill>
                   <a:srgbClr val="595959"/>
                 </a:solidFill>
@@ -6380,7 +6992,7 @@
               <a:t>предложением</a:t>
             </a:r>
             <a:r>
-              <a:rPr b="0" lang="en-US" sz="2000" spc="-60" strike="noStrike">
+              <a:rPr lang="en-US" sz="2000" b="0" strike="noStrike" spc="-60" dirty="0">
                 <a:solidFill>
                   <a:srgbClr val="595959"/>
                 </a:solidFill>
@@ -6389,7 +7001,7 @@
               <a:t> </a:t>
             </a:r>
             <a:r>
-              <a:rPr b="0" lang="en-US" sz="2000" spc="-1" strike="noStrike">
+              <a:rPr lang="en-US" sz="2000" b="0" strike="noStrike" spc="-1" dirty="0" err="1">
                 <a:solidFill>
                   <a:srgbClr val="595959"/>
                 </a:solidFill>
@@ -6398,7 +7010,7 @@
               <a:t>описание</a:t>
             </a:r>
             <a:r>
-              <a:rPr b="0" lang="en-US" sz="2000" spc="-55" strike="noStrike">
+              <a:rPr lang="en-US" sz="2000" b="0" strike="noStrike" spc="-55" dirty="0">
                 <a:solidFill>
                   <a:srgbClr val="595959"/>
                 </a:solidFill>
@@ -6407,7 +7019,7 @@
               <a:t> </a:t>
             </a:r>
             <a:r>
-              <a:rPr b="0" lang="en-US" sz="2000" spc="-1" strike="noStrike">
+              <a:rPr lang="en-US" sz="2000" b="0" strike="noStrike" spc="-1" dirty="0" err="1">
                 <a:solidFill>
                   <a:srgbClr val="595959"/>
                 </a:solidFill>
@@ -6416,7 +7028,7 @@
               <a:t>проекта</a:t>
             </a:r>
             <a:r>
-              <a:rPr b="0" lang="en-US" sz="2000" spc="-60" strike="noStrike">
+              <a:rPr lang="en-US" sz="2000" b="0" strike="noStrike" spc="-60" dirty="0">
                 <a:solidFill>
                   <a:srgbClr val="595959"/>
                 </a:solidFill>
@@ -6425,7 +7037,7 @@
               <a:t> </a:t>
             </a:r>
             <a:r>
-              <a:rPr b="0" lang="en-US" sz="2000" spc="-1" strike="noStrike">
+              <a:rPr lang="en-US" sz="2000" b="0" strike="noStrike" spc="-1" dirty="0">
                 <a:solidFill>
                   <a:srgbClr val="595959"/>
                 </a:solidFill>
@@ -6434,7 +7046,7 @@
               <a:t>/</a:t>
             </a:r>
             <a:r>
-              <a:rPr b="0" lang="en-US" sz="2000" spc="-66" strike="noStrike">
+              <a:rPr lang="en-US" sz="2000" b="0" strike="noStrike" spc="-66" dirty="0">
                 <a:solidFill>
                   <a:srgbClr val="595959"/>
                 </a:solidFill>
@@ -6443,7 +7055,7 @@
               <a:t> </a:t>
             </a:r>
             <a:r>
-              <a:rPr b="0" lang="en-US" sz="2000" spc="-1" strike="noStrike">
+              <a:rPr lang="en-US" sz="2000" b="0" strike="noStrike" spc="-1" dirty="0" err="1">
                 <a:solidFill>
                   <a:srgbClr val="595959"/>
                 </a:solidFill>
@@ -6452,7 +7064,7 @@
               <a:t>ключевая</a:t>
             </a:r>
             <a:r>
-              <a:rPr b="0" lang="en-US" sz="2000" spc="-52" strike="noStrike">
+              <a:rPr lang="en-US" sz="2000" b="0" strike="noStrike" spc="-52" dirty="0">
                 <a:solidFill>
                   <a:srgbClr val="595959"/>
                 </a:solidFill>
@@ -6461,7 +7073,7 @@
               <a:t> </a:t>
             </a:r>
             <a:r>
-              <a:rPr b="0" lang="en-US" sz="2000" spc="-12" strike="noStrike">
+              <a:rPr lang="en-US" sz="2000" b="0" strike="noStrike" spc="-12" dirty="0" err="1">
                 <a:solidFill>
                   <a:srgbClr val="595959"/>
                 </a:solidFill>
@@ -6469,7 +7081,7 @@
               </a:rPr>
               <a:t>ценность</a:t>
             </a:r>
-            <a:endParaRPr b="0" lang="en-US" sz="2000" spc="-1" strike="noStrike">
+            <a:endParaRPr lang="en-US" sz="2000" b="0" strike="noStrike" spc="-1" dirty="0">
               <a:solidFill>
                 <a:srgbClr val="000000"/>
               </a:solidFill>
@@ -6480,11 +7092,14 @@
       </p:sp>
     </p:spTree>
   </p:cSld>
-  <mc:AlternateContent>
+  <p:clrMapOvr>
+    <a:masterClrMapping/>
+  </p:clrMapOvr>
+  <mc:AlternateContent xmlns:mc="http://schemas.openxmlformats.org/markup-compatibility/2006" xmlns:p14="http://schemas.microsoft.com/office/powerpoint/2010/main">
     <mc:Choice Requires="p14">
       <p:transition spd="slow" p14:dur="2000"/>
     </mc:Choice>
-    <mc:Fallback>
+    <mc:Fallback xmlns:p15="http://schemas.microsoft.com/office/powerpoint/2012/main" xmlns="">
       <p:transition spd="slow"/>
     </mc:Fallback>
   </mc:AlternateContent>
@@ -6492,7 +7107,7 @@
 </file>
 
 <file path=ppt/slides/slide10.xml><?xml version="1.0" encoding="utf-8"?>
-<p:sld xmlns:a="http://schemas.openxmlformats.org/drawingml/2006/main" xmlns:p="http://schemas.openxmlformats.org/presentationml/2006/main" xmlns:r="http://schemas.openxmlformats.org/officeDocument/2006/relationships" xmlns:p14="http://schemas.microsoft.com/office/powerpoint/2010/main" xmlns:p15="http://schemas.microsoft.com/office/powerpoint/2012/main" xmlns:mc="http://schemas.openxmlformats.org/markup-compatibility/2006" showMasterSp="0">
+<p:sld xmlns:a="http://schemas.openxmlformats.org/drawingml/2006/main" xmlns:r="http://schemas.openxmlformats.org/officeDocument/2006/relationships" xmlns:p="http://schemas.openxmlformats.org/presentationml/2006/main" showMasterSp="0">
   <p:cSld>
     <p:spTree>
       <p:nvGrpSpPr>
@@ -6532,9 +7147,10 @@
           </a:ln>
         </p:spPr>
         <p:txBody>
-          <a:bodyPr lIns="0" rIns="0" tIns="12600" bIns="0" anchor="t">
+          <a:bodyPr lIns="0" tIns="12600" rIns="0" bIns="0" anchor="t">
             <a:noAutofit/>
           </a:bodyPr>
+          <a:lstStyle/>
           <a:p>
             <a:pPr marL="12600" indent="0">
               <a:lnSpc>
@@ -6545,11 +7161,11 @@
               </a:spcBef>
               <a:buNone/>
               <a:tabLst>
-                <a:tab algn="l" pos="0"/>
+                <a:tab pos="0" algn="l"/>
               </a:tabLst>
             </a:pPr>
             <a:r>
-              <a:rPr b="0" lang="en-US" sz="2500" spc="-1" strike="noStrike">
+              <a:rPr lang="en-US" sz="2500" b="0" strike="noStrike" spc="-1">
                 <a:solidFill>
                   <a:schemeClr val="dk1"/>
                 </a:solidFill>
@@ -6558,7 +7174,7 @@
               <a:t>Инвестиционный</a:t>
             </a:r>
             <a:r>
-              <a:rPr b="0" lang="en-US" sz="2500" spc="-151" strike="noStrike">
+              <a:rPr lang="en-US" sz="2500" b="0" strike="noStrike" spc="-151">
                 <a:solidFill>
                   <a:schemeClr val="dk1"/>
                 </a:solidFill>
@@ -6567,7 +7183,7 @@
               <a:t> </a:t>
             </a:r>
             <a:r>
-              <a:rPr b="0" lang="en-US" sz="2500" spc="-12" strike="noStrike">
+              <a:rPr lang="en-US" sz="2500" b="0" strike="noStrike" spc="-12">
                 <a:solidFill>
                   <a:schemeClr val="dk1"/>
                 </a:solidFill>
@@ -6575,7 +7191,7 @@
               </a:rPr>
               <a:t>раунд</a:t>
             </a:r>
-            <a:endParaRPr b="0" lang="en-US" sz="2500" spc="-1" strike="noStrike">
+            <a:endParaRPr lang="en-US" sz="2500" b="0" strike="noStrike" spc="-1">
               <a:solidFill>
                 <a:srgbClr val="000000"/>
               </a:solidFill>
@@ -6604,15 +7220,22 @@
           </a:ln>
         </p:spPr>
         <p:style>
-          <a:lnRef idx="0"/>
-          <a:fillRef idx="0"/>
-          <a:effectRef idx="0"/>
+          <a:lnRef idx="0">
+            <a:scrgbClr r="0" g="0" b="0"/>
+          </a:lnRef>
+          <a:fillRef idx="0">
+            <a:scrgbClr r="0" g="0" b="0"/>
+          </a:fillRef>
+          <a:effectRef idx="0">
+            <a:scrgbClr r="0" g="0" b="0"/>
+          </a:effectRef>
           <a:fontRef idx="minor"/>
         </p:style>
         <p:txBody>
-          <a:bodyPr lIns="0" rIns="0" tIns="12600" bIns="0" anchor="t">
+          <a:bodyPr lIns="0" tIns="12600" rIns="0" bIns="0" anchor="t">
             <a:spAutoFit/>
           </a:bodyPr>
+          <a:lstStyle/>
           <a:p>
             <a:pPr marL="12600">
               <a:lnSpc>
@@ -6623,7 +7246,7 @@
               </a:spcBef>
             </a:pPr>
             <a:r>
-              <a:rPr b="0" lang="en-US" sz="1100" spc="-1" strike="noStrike">
+              <a:rPr lang="en-US" sz="1100" b="0" strike="noStrike" spc="-1">
                 <a:solidFill>
                   <a:srgbClr val="000000"/>
                 </a:solidFill>
@@ -6632,7 +7255,7 @@
               <a:t>Объем</a:t>
             </a:r>
             <a:r>
-              <a:rPr b="0" lang="en-US" sz="1100" spc="-41" strike="noStrike">
+              <a:rPr lang="en-US" sz="1100" b="0" strike="noStrike" spc="-41">
                 <a:solidFill>
                   <a:srgbClr val="000000"/>
                 </a:solidFill>
@@ -6641,7 +7264,7 @@
               <a:t> </a:t>
             </a:r>
             <a:r>
-              <a:rPr b="0" lang="en-US" sz="1100" spc="-1" strike="noStrike">
+              <a:rPr lang="en-US" sz="1100" b="0" strike="noStrike" spc="-1">
                 <a:solidFill>
                   <a:srgbClr val="000000"/>
                 </a:solidFill>
@@ -6650,7 +7273,7 @@
               <a:t>необходимых</a:t>
             </a:r>
             <a:r>
-              <a:rPr b="0" lang="en-US" sz="1100" spc="-46" strike="noStrike">
+              <a:rPr lang="en-US" sz="1100" b="0" strike="noStrike" spc="-46">
                 <a:solidFill>
                   <a:srgbClr val="000000"/>
                 </a:solidFill>
@@ -6659,7 +7282,7 @@
               <a:t> </a:t>
             </a:r>
             <a:r>
-              <a:rPr b="0" lang="en-US" sz="1100" spc="-1" strike="noStrike">
+              <a:rPr lang="en-US" sz="1100" b="0" strike="noStrike" spc="-1">
                 <a:solidFill>
                   <a:srgbClr val="000000"/>
                 </a:solidFill>
@@ -6668,7 +7291,7 @@
               <a:t>инвестиций,</a:t>
             </a:r>
             <a:r>
-              <a:rPr b="0" lang="en-US" sz="1100" spc="-52" strike="noStrike">
+              <a:rPr lang="en-US" sz="1100" b="0" strike="noStrike" spc="-52">
                 <a:solidFill>
                   <a:srgbClr val="000000"/>
                 </a:solidFill>
@@ -6677,7 +7300,7 @@
               <a:t> </a:t>
             </a:r>
             <a:r>
-              <a:rPr b="0" lang="en-US" sz="1100" spc="-1" strike="noStrike">
+              <a:rPr lang="en-US" sz="1100" b="0" strike="noStrike" spc="-1">
                 <a:solidFill>
                   <a:srgbClr val="000000"/>
                 </a:solidFill>
@@ -6686,7 +7309,7 @@
               <a:t>куда</a:t>
             </a:r>
             <a:r>
-              <a:rPr b="0" lang="en-US" sz="1100" spc="-41" strike="noStrike">
+              <a:rPr lang="en-US" sz="1100" b="0" strike="noStrike" spc="-41">
                 <a:solidFill>
                   <a:srgbClr val="000000"/>
                 </a:solidFill>
@@ -6695,7 +7318,7 @@
               <a:t> </a:t>
             </a:r>
             <a:r>
-              <a:rPr b="0" lang="en-US" sz="1100" spc="-1" strike="noStrike">
+              <a:rPr lang="en-US" sz="1100" b="0" strike="noStrike" spc="-1">
                 <a:solidFill>
                   <a:srgbClr val="000000"/>
                 </a:solidFill>
@@ -6704,7 +7327,7 @@
               <a:t>будут</a:t>
             </a:r>
             <a:r>
-              <a:rPr b="0" lang="en-US" sz="1100" spc="-46" strike="noStrike">
+              <a:rPr lang="en-US" sz="1100" b="0" strike="noStrike" spc="-46">
                 <a:solidFill>
                   <a:srgbClr val="000000"/>
                 </a:solidFill>
@@ -6713,7 +7336,7 @@
               <a:t> </a:t>
             </a:r>
             <a:r>
-              <a:rPr b="0" lang="en-US" sz="1100" spc="-1" strike="noStrike">
+              <a:rPr lang="en-US" sz="1100" b="0" strike="noStrike" spc="-1">
                 <a:solidFill>
                   <a:srgbClr val="000000"/>
                 </a:solidFill>
@@ -6722,7 +7345,7 @@
               <a:t>направлены</a:t>
             </a:r>
             <a:r>
-              <a:rPr b="0" lang="en-US" sz="1100" spc="-46" strike="noStrike">
+              <a:rPr lang="en-US" sz="1100" b="0" strike="noStrike" spc="-46">
                 <a:solidFill>
                   <a:srgbClr val="000000"/>
                 </a:solidFill>
@@ -6731,7 +7354,7 @@
               <a:t> </a:t>
             </a:r>
             <a:r>
-              <a:rPr b="0" lang="en-US" sz="1100" spc="-12" strike="noStrike">
+              <a:rPr lang="en-US" sz="1100" b="0" strike="noStrike" spc="-12">
                 <a:solidFill>
                   <a:srgbClr val="000000"/>
                 </a:solidFill>
@@ -6739,7 +7362,7 @@
               </a:rPr>
               <a:t>средства</a:t>
             </a:r>
-            <a:endParaRPr b="0" lang="en-US" sz="1100" spc="-1" strike="noStrike">
+            <a:endParaRPr lang="en-US" sz="1100" b="0" strike="noStrike" spc="-1">
               <a:solidFill>
                 <a:srgbClr val="000000"/>
               </a:solidFill>
@@ -6750,11 +7373,14 @@
       </p:sp>
     </p:spTree>
   </p:cSld>
-  <mc:AlternateContent>
+  <p:clrMapOvr>
+    <a:masterClrMapping/>
+  </p:clrMapOvr>
+  <mc:AlternateContent xmlns:mc="http://schemas.openxmlformats.org/markup-compatibility/2006" xmlns:p14="http://schemas.microsoft.com/office/powerpoint/2010/main">
     <mc:Choice Requires="p14">
       <p:transition spd="slow" p14:dur="2000"/>
     </mc:Choice>
-    <mc:Fallback>
+    <mc:Fallback xmlns:p15="http://schemas.microsoft.com/office/powerpoint/2012/main" xmlns="">
       <p:transition spd="slow"/>
     </mc:Fallback>
   </mc:AlternateContent>
@@ -6762,7 +7388,7 @@
 </file>
 
 <file path=ppt/slides/slide11.xml><?xml version="1.0" encoding="utf-8"?>
-<p:sld xmlns:a="http://schemas.openxmlformats.org/drawingml/2006/main" xmlns:p="http://schemas.openxmlformats.org/presentationml/2006/main" xmlns:r="http://schemas.openxmlformats.org/officeDocument/2006/relationships" xmlns:p14="http://schemas.microsoft.com/office/powerpoint/2010/main" xmlns:p15="http://schemas.microsoft.com/office/powerpoint/2012/main" xmlns:mc="http://schemas.openxmlformats.org/markup-compatibility/2006" showMasterSp="0">
+<p:sld xmlns:a="http://schemas.openxmlformats.org/drawingml/2006/main" xmlns:r="http://schemas.openxmlformats.org/officeDocument/2006/relationships" xmlns:p="http://schemas.openxmlformats.org/presentationml/2006/main" showMasterSp="0">
   <p:cSld>
     <p:spTree>
       <p:nvGrpSpPr>
@@ -6802,9 +7428,10 @@
           </a:ln>
         </p:spPr>
         <p:txBody>
-          <a:bodyPr lIns="0" rIns="0" tIns="12600" bIns="0" anchor="t">
+          <a:bodyPr lIns="0" tIns="12600" rIns="0" bIns="0" anchor="t">
             <a:noAutofit/>
           </a:bodyPr>
+          <a:lstStyle/>
           <a:p>
             <a:pPr marL="12600" indent="0">
               <a:lnSpc>
@@ -6815,11 +7442,11 @@
               </a:spcBef>
               <a:buNone/>
               <a:tabLst>
-                <a:tab algn="l" pos="0"/>
+                <a:tab pos="0" algn="l"/>
               </a:tabLst>
             </a:pPr>
             <a:r>
-              <a:rPr b="0" lang="en-US" sz="2500" spc="-12" strike="noStrike">
+              <a:rPr lang="en-US" sz="2500" b="0" strike="noStrike" spc="-12">
                 <a:solidFill>
                   <a:schemeClr val="dk1"/>
                 </a:solidFill>
@@ -6827,7 +7454,7 @@
               </a:rPr>
               <a:t>Roadmap</a:t>
             </a:r>
-            <a:endParaRPr b="0" lang="en-US" sz="2500" spc="-1" strike="noStrike">
+            <a:endParaRPr lang="en-US" sz="2500" b="0" strike="noStrike" spc="-1">
               <a:solidFill>
                 <a:srgbClr val="000000"/>
               </a:solidFill>
@@ -6856,15 +7483,22 @@
           </a:ln>
         </p:spPr>
         <p:style>
-          <a:lnRef idx="0"/>
-          <a:fillRef idx="0"/>
-          <a:effectRef idx="0"/>
+          <a:lnRef idx="0">
+            <a:scrgbClr r="0" g="0" b="0"/>
+          </a:lnRef>
+          <a:fillRef idx="0">
+            <a:scrgbClr r="0" g="0" b="0"/>
+          </a:fillRef>
+          <a:effectRef idx="0">
+            <a:scrgbClr r="0" g="0" b="0"/>
+          </a:effectRef>
           <a:fontRef idx="minor"/>
         </p:style>
         <p:txBody>
-          <a:bodyPr lIns="0" rIns="0" tIns="12600" bIns="0" anchor="t">
+          <a:bodyPr lIns="0" tIns="12600" rIns="0" bIns="0" anchor="t">
             <a:spAutoFit/>
           </a:bodyPr>
+          <a:lstStyle/>
           <a:p>
             <a:pPr marL="12600">
               <a:lnSpc>
@@ -6875,7 +7509,7 @@
               </a:spcBef>
             </a:pPr>
             <a:r>
-              <a:rPr b="0" lang="en-US" sz="1100" spc="-1" strike="noStrike">
+              <a:rPr lang="en-US" sz="1100" b="0" strike="noStrike" spc="-1">
                 <a:solidFill>
                   <a:srgbClr val="000000"/>
                 </a:solidFill>
@@ -6884,7 +7518,7 @@
               <a:t>Цели</a:t>
             </a:r>
             <a:r>
-              <a:rPr b="0" lang="en-US" sz="1100" spc="-35" strike="noStrike">
+              <a:rPr lang="en-US" sz="1100" b="0" strike="noStrike" spc="-35">
                 <a:solidFill>
                   <a:srgbClr val="000000"/>
                 </a:solidFill>
@@ -6893,7 +7527,7 @@
               <a:t> </a:t>
             </a:r>
             <a:r>
-              <a:rPr b="0" lang="en-US" sz="1100" spc="-1" strike="noStrike">
+              <a:rPr lang="en-US" sz="1100" b="0" strike="noStrike" spc="-1">
                 <a:solidFill>
                   <a:srgbClr val="000000"/>
                 </a:solidFill>
@@ -6902,7 +7536,7 @@
               <a:t>проекта,</a:t>
             </a:r>
             <a:r>
-              <a:rPr b="0" lang="en-US" sz="1100" spc="-41" strike="noStrike">
+              <a:rPr lang="en-US" sz="1100" b="0" strike="noStrike" spc="-41">
                 <a:solidFill>
                   <a:srgbClr val="000000"/>
                 </a:solidFill>
@@ -6911,7 +7545,7 @@
               <a:t> </a:t>
             </a:r>
             <a:r>
-              <a:rPr b="0" lang="en-US" sz="1100" spc="-12" strike="noStrike">
+              <a:rPr lang="en-US" sz="1100" b="0" strike="noStrike" spc="-12">
                 <a:solidFill>
                   <a:srgbClr val="000000"/>
                 </a:solidFill>
@@ -6919,7 +7553,7 @@
               </a:rPr>
               <a:t>дедлайны</a:t>
             </a:r>
-            <a:endParaRPr b="0" lang="en-US" sz="1100" spc="-1" strike="noStrike">
+            <a:endParaRPr lang="en-US" sz="1100" b="0" strike="noStrike" spc="-1">
               <a:solidFill>
                 <a:srgbClr val="000000"/>
               </a:solidFill>
@@ -6930,11 +7564,14 @@
       </p:sp>
     </p:spTree>
   </p:cSld>
-  <mc:AlternateContent>
+  <p:clrMapOvr>
+    <a:masterClrMapping/>
+  </p:clrMapOvr>
+  <mc:AlternateContent xmlns:mc="http://schemas.openxmlformats.org/markup-compatibility/2006" xmlns:p14="http://schemas.microsoft.com/office/powerpoint/2010/main">
     <mc:Choice Requires="p14">
       <p:transition spd="slow" p14:dur="2000"/>
     </mc:Choice>
-    <mc:Fallback>
+    <mc:Fallback xmlns:p15="http://schemas.microsoft.com/office/powerpoint/2012/main" xmlns="">
       <p:transition spd="slow"/>
     </mc:Fallback>
   </mc:AlternateContent>
@@ -6942,7 +7579,7 @@
 </file>
 
 <file path=ppt/slides/slide12.xml><?xml version="1.0" encoding="utf-8"?>
-<p:sld xmlns:a="http://schemas.openxmlformats.org/drawingml/2006/main" xmlns:p="http://schemas.openxmlformats.org/presentationml/2006/main" xmlns:r="http://schemas.openxmlformats.org/officeDocument/2006/relationships" xmlns:p14="http://schemas.microsoft.com/office/powerpoint/2010/main" xmlns:p15="http://schemas.microsoft.com/office/powerpoint/2012/main" xmlns:mc="http://schemas.openxmlformats.org/markup-compatibility/2006" showMasterSp="0">
+<p:sld xmlns:a="http://schemas.openxmlformats.org/drawingml/2006/main" xmlns:r="http://schemas.openxmlformats.org/officeDocument/2006/relationships" xmlns:p="http://schemas.openxmlformats.org/presentationml/2006/main" showMasterSp="0">
   <p:cSld>
     <p:spTree>
       <p:nvGrpSpPr>
@@ -6982,9 +7619,10 @@
           </a:ln>
         </p:spPr>
         <p:txBody>
-          <a:bodyPr lIns="0" rIns="0" tIns="12600" bIns="0" anchor="t">
+          <a:bodyPr lIns="0" tIns="12600" rIns="0" bIns="0" anchor="t">
             <a:noAutofit/>
           </a:bodyPr>
+          <a:lstStyle/>
           <a:p>
             <a:pPr marL="12600" indent="0">
               <a:lnSpc>
@@ -6995,11 +7633,11 @@
               </a:spcBef>
               <a:buNone/>
               <a:tabLst>
-                <a:tab algn="l" pos="0"/>
+                <a:tab pos="0" algn="l"/>
               </a:tabLst>
             </a:pPr>
             <a:r>
-              <a:rPr b="0" lang="en-US" sz="2500" spc="-12" strike="noStrike">
+              <a:rPr lang="en-US" sz="2500" b="0" strike="noStrike" spc="-12">
                 <a:solidFill>
                   <a:schemeClr val="dk1"/>
                 </a:solidFill>
@@ -7007,7 +7645,7 @@
               </a:rPr>
               <a:t>Контакты</a:t>
             </a:r>
-            <a:endParaRPr b="0" lang="en-US" sz="2500" spc="-1" strike="noStrike">
+            <a:endParaRPr lang="en-US" sz="2500" b="0" strike="noStrike" spc="-1">
               <a:solidFill>
                 <a:srgbClr val="000000"/>
               </a:solidFill>
@@ -7036,15 +7674,22 @@
           </a:ln>
         </p:spPr>
         <p:style>
-          <a:lnRef idx="0"/>
-          <a:fillRef idx="0"/>
-          <a:effectRef idx="0"/>
+          <a:lnRef idx="0">
+            <a:scrgbClr r="0" g="0" b="0"/>
+          </a:lnRef>
+          <a:fillRef idx="0">
+            <a:scrgbClr r="0" g="0" b="0"/>
+          </a:fillRef>
+          <a:effectRef idx="0">
+            <a:scrgbClr r="0" g="0" b="0"/>
+          </a:effectRef>
           <a:fontRef idx="minor"/>
         </p:style>
         <p:txBody>
-          <a:bodyPr lIns="0" rIns="0" tIns="12600" bIns="0" anchor="t">
+          <a:bodyPr lIns="0" tIns="12600" rIns="0" bIns="0" anchor="t">
             <a:spAutoFit/>
           </a:bodyPr>
+          <a:lstStyle/>
           <a:p>
             <a:pPr marL="354960" indent="-342360">
               <a:lnSpc>
@@ -7060,11 +7705,11 @@
               <a:buFont typeface="Symbol"/>
               <a:buChar char=""/>
               <a:tabLst>
-                <a:tab algn="l" pos="354960"/>
+                <a:tab pos="354960" algn="l"/>
               </a:tabLst>
             </a:pPr>
             <a:r>
-              <a:rPr b="0" lang="en-US" sz="1100" spc="-1" strike="noStrike">
+              <a:rPr lang="en-US" sz="1100" b="0" strike="noStrike" spc="-1">
                 <a:solidFill>
                   <a:srgbClr val="000000"/>
                 </a:solidFill>
@@ -7073,7 +7718,7 @@
               <a:t>ссылки</a:t>
             </a:r>
             <a:r>
-              <a:rPr b="0" lang="en-US" sz="1100" spc="-46" strike="noStrike">
+              <a:rPr lang="en-US" sz="1100" b="0" strike="noStrike" spc="-46">
                 <a:solidFill>
                   <a:srgbClr val="000000"/>
                 </a:solidFill>
@@ -7082,7 +7727,7 @@
               <a:t> </a:t>
             </a:r>
             <a:r>
-              <a:rPr b="0" lang="en-US" sz="1100" spc="-1" strike="noStrike">
+              <a:rPr lang="en-US" sz="1100" b="0" strike="noStrike" spc="-1">
                 <a:solidFill>
                   <a:srgbClr val="000000"/>
                 </a:solidFill>
@@ -7091,7 +7736,7 @@
               <a:t>на</a:t>
             </a:r>
             <a:r>
-              <a:rPr b="0" lang="en-US" sz="1100" spc="-41" strike="noStrike">
+              <a:rPr lang="en-US" sz="1100" b="0" strike="noStrike" spc="-41">
                 <a:solidFill>
                   <a:srgbClr val="000000"/>
                 </a:solidFill>
@@ -7100,7 +7745,7 @@
               <a:t> </a:t>
             </a:r>
             <a:r>
-              <a:rPr b="0" lang="en-US" sz="1100" spc="-1" strike="noStrike">
+              <a:rPr lang="en-US" sz="1100" b="0" strike="noStrike" spc="-1">
                 <a:solidFill>
                   <a:srgbClr val="000000"/>
                 </a:solidFill>
@@ -7109,7 +7754,7 @@
               <a:t>социальные</a:t>
             </a:r>
             <a:r>
-              <a:rPr b="0" lang="en-US" sz="1100" spc="-35" strike="noStrike">
+              <a:rPr lang="en-US" sz="1100" b="0" strike="noStrike" spc="-35">
                 <a:solidFill>
                   <a:srgbClr val="000000"/>
                 </a:solidFill>
@@ -7118,7 +7763,7 @@
               <a:t> </a:t>
             </a:r>
             <a:r>
-              <a:rPr b="0" lang="en-US" sz="1100" spc="-1" strike="noStrike">
+              <a:rPr lang="en-US" sz="1100" b="0" strike="noStrike" spc="-1">
                 <a:solidFill>
                   <a:srgbClr val="000000"/>
                 </a:solidFill>
@@ -7127,7 +7772,7 @@
               <a:t>сети</a:t>
             </a:r>
             <a:r>
-              <a:rPr b="0" lang="en-US" sz="1100" spc="-46" strike="noStrike">
+              <a:rPr lang="en-US" sz="1100" b="0" strike="noStrike" spc="-46">
                 <a:solidFill>
                   <a:srgbClr val="000000"/>
                 </a:solidFill>
@@ -7136,7 +7781,7 @@
               <a:t> </a:t>
             </a:r>
             <a:r>
-              <a:rPr b="0" lang="en-US" sz="1100" spc="-1" strike="noStrike">
+              <a:rPr lang="en-US" sz="1100" b="0" strike="noStrike" spc="-1">
                 <a:solidFill>
                   <a:srgbClr val="000000"/>
                 </a:solidFill>
@@ -7145,7 +7790,7 @@
               <a:t>(LinkedIn,</a:t>
             </a:r>
             <a:r>
-              <a:rPr b="0" lang="en-US" sz="1100" spc="-46" strike="noStrike">
+              <a:rPr lang="en-US" sz="1100" b="0" strike="noStrike" spc="-46">
                 <a:solidFill>
                   <a:srgbClr val="000000"/>
                 </a:solidFill>
@@ -7154,7 +7799,7 @@
               <a:t> </a:t>
             </a:r>
             <a:r>
-              <a:rPr b="0" lang="en-US" sz="1100" spc="-1" strike="noStrike">
+              <a:rPr lang="en-US" sz="1100" b="0" strike="noStrike" spc="-1">
                 <a:solidFill>
                   <a:srgbClr val="000000"/>
                 </a:solidFill>
@@ -7163,7 +7808,7 @@
               <a:t>Facebook,</a:t>
             </a:r>
             <a:r>
-              <a:rPr b="0" lang="en-US" sz="1100" spc="-52" strike="noStrike">
+              <a:rPr lang="en-US" sz="1100" b="0" strike="noStrike" spc="-52">
                 <a:solidFill>
                   <a:srgbClr val="000000"/>
                 </a:solidFill>
@@ -7172,7 +7817,7 @@
               <a:t> </a:t>
             </a:r>
             <a:r>
-              <a:rPr b="0" lang="en-US" sz="1100" spc="-12" strike="noStrike">
+              <a:rPr lang="en-US" sz="1100" b="0" strike="noStrike" spc="-12">
                 <a:solidFill>
                   <a:srgbClr val="000000"/>
                 </a:solidFill>
@@ -7180,7 +7825,7 @@
               </a:rPr>
               <a:t>Telegram)</a:t>
             </a:r>
-            <a:endParaRPr b="0" lang="en-US" sz="1100" spc="-1" strike="noStrike">
+            <a:endParaRPr lang="en-US" sz="1100" b="0" strike="noStrike" spc="-1">
               <a:solidFill>
                 <a:srgbClr val="000000"/>
               </a:solidFill>
@@ -7202,11 +7847,11 @@
               <a:buFont typeface="Symbol"/>
               <a:buChar char=""/>
               <a:tabLst>
-                <a:tab algn="l" pos="354960"/>
+                <a:tab pos="354960" algn="l"/>
               </a:tabLst>
             </a:pPr>
             <a:r>
-              <a:rPr b="0" lang="en-US" sz="1100" spc="-12" strike="noStrike">
+              <a:rPr lang="en-US" sz="1100" b="0" strike="noStrike" spc="-12">
                 <a:solidFill>
                   <a:srgbClr val="000000"/>
                 </a:solidFill>
@@ -7214,7 +7859,7 @@
               </a:rPr>
               <a:t>Телефон</a:t>
             </a:r>
-            <a:endParaRPr b="0" lang="en-US" sz="1100" spc="-1" strike="noStrike">
+            <a:endParaRPr lang="en-US" sz="1100" b="0" strike="noStrike" spc="-1">
               <a:solidFill>
                 <a:srgbClr val="000000"/>
               </a:solidFill>
@@ -7236,11 +7881,11 @@
               <a:buFont typeface="Symbol"/>
               <a:buChar char=""/>
               <a:tabLst>
-                <a:tab algn="l" pos="354960"/>
+                <a:tab pos="354960" algn="l"/>
               </a:tabLst>
             </a:pPr>
             <a:r>
-              <a:rPr b="0" lang="en-US" sz="1100" spc="-21" strike="noStrike">
+              <a:rPr lang="en-US" sz="1100" b="0" strike="noStrike" spc="-21">
                 <a:solidFill>
                   <a:srgbClr val="000000"/>
                 </a:solidFill>
@@ -7248,7 +7893,7 @@
               </a:rPr>
               <a:t>Почта</a:t>
             </a:r>
-            <a:endParaRPr b="0" lang="en-US" sz="1100" spc="-1" strike="noStrike">
+            <a:endParaRPr lang="en-US" sz="1100" b="0" strike="noStrike" spc="-1">
               <a:solidFill>
                 <a:srgbClr val="000000"/>
               </a:solidFill>
@@ -7270,11 +7915,11 @@
               <a:buFont typeface="Symbol"/>
               <a:buChar char=""/>
               <a:tabLst>
-                <a:tab algn="l" pos="354960"/>
+                <a:tab pos="354960" algn="l"/>
               </a:tabLst>
             </a:pPr>
             <a:r>
-              <a:rPr b="0" lang="en-US" sz="1100" spc="-1" strike="noStrike">
+              <a:rPr lang="en-US" sz="1100" b="0" strike="noStrike" spc="-1">
                 <a:solidFill>
                   <a:srgbClr val="000000"/>
                 </a:solidFill>
@@ -7283,7 +7928,7 @@
               <a:t>Ссылка</a:t>
             </a:r>
             <a:r>
-              <a:rPr b="0" lang="en-US" sz="1100" spc="-26" strike="noStrike">
+              <a:rPr lang="en-US" sz="1100" b="0" strike="noStrike" spc="-26">
                 <a:solidFill>
                   <a:srgbClr val="000000"/>
                 </a:solidFill>
@@ -7292,7 +7937,7 @@
               <a:t> </a:t>
             </a:r>
             <a:r>
-              <a:rPr b="0" lang="en-US" sz="1100" spc="-1" strike="noStrike">
+              <a:rPr lang="en-US" sz="1100" b="0" strike="noStrike" spc="-1">
                 <a:solidFill>
                   <a:srgbClr val="000000"/>
                 </a:solidFill>
@@ -7301,7 +7946,7 @@
               <a:t>на</a:t>
             </a:r>
             <a:r>
-              <a:rPr b="0" lang="en-US" sz="1100" spc="-26" strike="noStrike">
+              <a:rPr lang="en-US" sz="1100" b="0" strike="noStrike" spc="-26">
                 <a:solidFill>
                   <a:srgbClr val="000000"/>
                 </a:solidFill>
@@ -7310,7 +7955,7 @@
               <a:t> </a:t>
             </a:r>
             <a:r>
-              <a:rPr b="0" lang="en-US" sz="1100" spc="-1" strike="noStrike">
+              <a:rPr lang="en-US" sz="1100" b="0" strike="noStrike" spc="-1">
                 <a:solidFill>
                   <a:srgbClr val="000000"/>
                 </a:solidFill>
@@ -7319,7 +7964,7 @@
               <a:t>сайт</a:t>
             </a:r>
             <a:r>
-              <a:rPr b="0" lang="en-US" sz="1100" spc="-26" strike="noStrike">
+              <a:rPr lang="en-US" sz="1100" b="0" strike="noStrike" spc="-26">
                 <a:solidFill>
                   <a:srgbClr val="000000"/>
                 </a:solidFill>
@@ -7328,7 +7973,7 @@
               <a:t> </a:t>
             </a:r>
             <a:r>
-              <a:rPr b="0" lang="en-US" sz="1100" spc="-12" strike="noStrike">
+              <a:rPr lang="en-US" sz="1100" b="0" strike="noStrike" spc="-12">
                 <a:solidFill>
                   <a:srgbClr val="000000"/>
                 </a:solidFill>
@@ -7336,7 +7981,7 @@
               </a:rPr>
               <a:t>проекта</a:t>
             </a:r>
-            <a:endParaRPr b="0" lang="en-US" sz="1100" spc="-1" strike="noStrike">
+            <a:endParaRPr lang="en-US" sz="1100" b="0" strike="noStrike" spc="-1">
               <a:solidFill>
                 <a:srgbClr val="000000"/>
               </a:solidFill>
@@ -7347,11 +7992,14 @@
       </p:sp>
     </p:spTree>
   </p:cSld>
-  <mc:AlternateContent>
+  <p:clrMapOvr>
+    <a:masterClrMapping/>
+  </p:clrMapOvr>
+  <mc:AlternateContent xmlns:mc="http://schemas.openxmlformats.org/markup-compatibility/2006" xmlns:p14="http://schemas.microsoft.com/office/powerpoint/2010/main">
     <mc:Choice Requires="p14">
       <p:transition spd="slow" p14:dur="2000"/>
     </mc:Choice>
-    <mc:Fallback>
+    <mc:Fallback xmlns:p15="http://schemas.microsoft.com/office/powerpoint/2012/main" xmlns="">
       <p:transition spd="slow"/>
     </mc:Fallback>
   </mc:AlternateContent>
@@ -7359,7 +8007,7 @@
 </file>
 
 <file path=ppt/slides/slide2.xml><?xml version="1.0" encoding="utf-8"?>
-<p:sld xmlns:a="http://schemas.openxmlformats.org/drawingml/2006/main" xmlns:p="http://schemas.openxmlformats.org/presentationml/2006/main" xmlns:r="http://schemas.openxmlformats.org/officeDocument/2006/relationships" xmlns:p14="http://schemas.microsoft.com/office/powerpoint/2010/main" xmlns:p15="http://schemas.microsoft.com/office/powerpoint/2012/main" xmlns:mc="http://schemas.openxmlformats.org/markup-compatibility/2006" showMasterSp="0">
+<p:sld xmlns:a="http://schemas.openxmlformats.org/drawingml/2006/main" xmlns:r="http://schemas.openxmlformats.org/officeDocument/2006/relationships" xmlns:p="http://schemas.openxmlformats.org/presentationml/2006/main" showMasterSp="0">
   <p:cSld>
     <p:spTree>
       <p:nvGrpSpPr>
@@ -7388,7 +8036,7 @@
         <p:spPr>
           <a:xfrm>
             <a:off x="390600" y="511200"/>
-            <a:ext cx="7051680" cy="871200"/>
+            <a:ext cx="7051680" cy="347782"/>
           </a:xfrm>
           <a:prstGeom prst="rect">
             <a:avLst/>
@@ -7399,9 +8047,10 @@
           </a:ln>
         </p:spPr>
         <p:txBody>
-          <a:bodyPr lIns="0" rIns="0" tIns="12600" bIns="0" anchor="t">
+          <a:bodyPr lIns="0" tIns="12600" rIns="0" bIns="0" anchor="t">
             <a:noAutofit/>
           </a:bodyPr>
+          <a:lstStyle/>
           <a:p>
             <a:pPr marL="12600" indent="0">
               <a:lnSpc>
@@ -7412,11 +8061,11 @@
               </a:spcBef>
               <a:buNone/>
               <a:tabLst>
-                <a:tab algn="l" pos="0"/>
+                <a:tab pos="0" algn="l"/>
               </a:tabLst>
             </a:pPr>
             <a:r>
-              <a:rPr b="0" lang="en-US" sz="2500" spc="-12" strike="noStrike">
+              <a:rPr lang="en-US" sz="2500" b="0" strike="noStrike" spc="-12" dirty="0" err="1">
                 <a:solidFill>
                   <a:schemeClr val="dk1"/>
                 </a:solidFill>
@@ -7424,7 +8073,7 @@
               </a:rPr>
               <a:t>Проблема</a:t>
             </a:r>
-            <a:endParaRPr b="0" lang="en-US" sz="2500" spc="-1" strike="noStrike">
+            <a:endParaRPr lang="en-US" sz="2500" b="0" strike="noStrike" spc="-1" dirty="0">
               <a:solidFill>
                 <a:srgbClr val="000000"/>
               </a:solidFill>
@@ -7441,7 +8090,7 @@
         </p:nvSpPr>
         <p:spPr>
           <a:xfrm>
-            <a:off x="390600" y="1231560"/>
+            <a:off x="390600" y="2256797"/>
             <a:ext cx="8295840" cy="180000"/>
           </a:xfrm>
           <a:prstGeom prst="rect">
@@ -7453,15 +8102,22 @@
           </a:ln>
         </p:spPr>
         <p:style>
-          <a:lnRef idx="0"/>
-          <a:fillRef idx="0"/>
-          <a:effectRef idx="0"/>
+          <a:lnRef idx="0">
+            <a:scrgbClr r="0" g="0" b="0"/>
+          </a:lnRef>
+          <a:fillRef idx="0">
+            <a:scrgbClr r="0" g="0" b="0"/>
+          </a:fillRef>
+          <a:effectRef idx="0">
+            <a:scrgbClr r="0" g="0" b="0"/>
+          </a:effectRef>
           <a:fontRef idx="minor"/>
         </p:style>
         <p:txBody>
-          <a:bodyPr lIns="0" rIns="0" tIns="12600" bIns="0" anchor="t">
+          <a:bodyPr lIns="0" tIns="12600" rIns="0" bIns="0" anchor="t">
             <a:spAutoFit/>
           </a:bodyPr>
+          <a:lstStyle/>
           <a:p>
             <a:pPr marL="12600">
               <a:lnSpc>
@@ -7472,7 +8128,7 @@
               </a:spcBef>
             </a:pPr>
             <a:r>
-              <a:rPr b="0" lang="en-US" sz="1100" spc="-1" strike="noStrike">
+              <a:rPr lang="en-US" sz="1100" b="0" strike="noStrike" spc="-1" dirty="0" err="1">
                 <a:solidFill>
                   <a:srgbClr val="000000"/>
                 </a:solidFill>
@@ -7481,7 +8137,7 @@
               <a:t>Описание</a:t>
             </a:r>
             <a:r>
-              <a:rPr b="0" lang="en-US" sz="1100" spc="-46" strike="noStrike">
+              <a:rPr lang="en-US" sz="1100" b="0" strike="noStrike" spc="-46" dirty="0">
                 <a:solidFill>
                   <a:srgbClr val="000000"/>
                 </a:solidFill>
@@ -7490,16 +8146,25 @@
               <a:t> </a:t>
             </a:r>
             <a:r>
-              <a:rPr b="0" lang="en-US" sz="1100" spc="-1" strike="noStrike">
-                <a:solidFill>
-                  <a:srgbClr val="000000"/>
-                </a:solidFill>
-                <a:latin typeface="Arial"/>
-              </a:rPr>
-              <a:t>проблемы,</a:t>
-            </a:r>
-            <a:r>
-              <a:rPr b="0" lang="en-US" sz="1100" spc="-52" strike="noStrike">
+              <a:rPr lang="en-US" sz="1100" b="0" strike="noStrike" spc="-1" dirty="0" err="1">
+                <a:solidFill>
+                  <a:srgbClr val="000000"/>
+                </a:solidFill>
+                <a:latin typeface="Arial"/>
+              </a:rPr>
+              <a:t>проблемы</a:t>
+            </a:r>
+            <a:r>
+              <a:rPr lang="en-US" sz="1100" b="0" strike="noStrike" spc="-1" dirty="0">
+                <a:solidFill>
+                  <a:srgbClr val="000000"/>
+                </a:solidFill>
+                <a:latin typeface="Arial"/>
+              </a:rPr>
+              <a:t>,</a:t>
+            </a:r>
+            <a:r>
+              <a:rPr lang="en-US" sz="1100" b="0" strike="noStrike" spc="-52" dirty="0">
                 <a:solidFill>
                   <a:srgbClr val="000000"/>
                 </a:solidFill>
@@ -7508,7 +8173,7 @@
               <a:t> </a:t>
             </a:r>
             <a:r>
-              <a:rPr b="0" lang="en-US" sz="1100" spc="-1" strike="noStrike">
+              <a:rPr lang="en-US" sz="1100" b="0" strike="noStrike" spc="-1" dirty="0" err="1">
                 <a:solidFill>
                   <a:srgbClr val="000000"/>
                 </a:solidFill>
@@ -7517,7 +8182,7 @@
               <a:t>которую</a:t>
             </a:r>
             <a:r>
-              <a:rPr b="0" lang="en-US" sz="1100" spc="-46" strike="noStrike">
+              <a:rPr lang="en-US" sz="1100" b="0" strike="noStrike" spc="-46" dirty="0">
                 <a:solidFill>
                   <a:srgbClr val="000000"/>
                 </a:solidFill>
@@ -7526,7 +8191,7 @@
               <a:t> </a:t>
             </a:r>
             <a:r>
-              <a:rPr b="0" lang="en-US" sz="1100" spc="-1" strike="noStrike">
+              <a:rPr lang="en-US" sz="1100" b="0" strike="noStrike" spc="-1" dirty="0" err="1">
                 <a:solidFill>
                   <a:srgbClr val="000000"/>
                 </a:solidFill>
@@ -7535,7 +8200,7 @@
               <a:t>решает</a:t>
             </a:r>
             <a:r>
-              <a:rPr b="0" lang="en-US" sz="1100" spc="-46" strike="noStrike">
+              <a:rPr lang="en-US" sz="1100" b="0" strike="noStrike" spc="-46" dirty="0">
                 <a:solidFill>
                   <a:srgbClr val="000000"/>
                 </a:solidFill>
@@ -7544,16 +8209,25 @@
               <a:t> </a:t>
             </a:r>
             <a:r>
-              <a:rPr b="0" lang="en-US" sz="1100" spc="-1" strike="noStrike">
-                <a:solidFill>
-                  <a:srgbClr val="000000"/>
-                </a:solidFill>
-                <a:latin typeface="Arial"/>
-              </a:rPr>
-              <a:t>проект,</a:t>
-            </a:r>
-            <a:r>
-              <a:rPr b="0" lang="en-US" sz="1100" spc="-52" strike="noStrike">
+              <a:rPr lang="en-US" sz="1100" b="0" strike="noStrike" spc="-1" dirty="0" err="1">
+                <a:solidFill>
+                  <a:srgbClr val="000000"/>
+                </a:solidFill>
+                <a:latin typeface="Arial"/>
+              </a:rPr>
+              <a:t>проект</a:t>
+            </a:r>
+            <a:r>
+              <a:rPr lang="en-US" sz="1100" b="0" strike="noStrike" spc="-1" dirty="0">
+                <a:solidFill>
+                  <a:srgbClr val="000000"/>
+                </a:solidFill>
+                <a:latin typeface="Arial"/>
+              </a:rPr>
+              <a:t>,</a:t>
+            </a:r>
+            <a:r>
+              <a:rPr lang="en-US" sz="1100" b="0" strike="noStrike" spc="-52" dirty="0">
                 <a:solidFill>
                   <a:srgbClr val="000000"/>
                 </a:solidFill>
@@ -7562,7 +8236,7 @@
               <a:t> </a:t>
             </a:r>
             <a:r>
-              <a:rPr b="0" lang="en-US" sz="1100" spc="-1" strike="noStrike">
+              <a:rPr lang="en-US" sz="1100" b="0" strike="noStrike" spc="-1" dirty="0" err="1">
                 <a:solidFill>
                   <a:srgbClr val="000000"/>
                 </a:solidFill>
@@ -7571,7 +8245,7 @@
               <a:t>целевая</a:t>
             </a:r>
             <a:r>
-              <a:rPr b="0" lang="en-US" sz="1100" spc="-46" strike="noStrike">
+              <a:rPr lang="en-US" sz="1100" b="0" strike="noStrike" spc="-46" dirty="0">
                 <a:solidFill>
                   <a:srgbClr val="000000"/>
                 </a:solidFill>
@@ -7580,7 +8254,7 @@
               <a:t> </a:t>
             </a:r>
             <a:r>
-              <a:rPr b="0" lang="en-US" sz="1100" spc="-12" strike="noStrike">
+              <a:rPr lang="en-US" sz="1100" b="0" strike="noStrike" spc="-12" dirty="0" err="1">
                 <a:solidFill>
                   <a:srgbClr val="000000"/>
                 </a:solidFill>
@@ -7588,7 +8262,7 @@
               </a:rPr>
               <a:t>аудитория</a:t>
             </a:r>
-            <a:endParaRPr b="0" lang="en-US" sz="1100" spc="-1" strike="noStrike">
+            <a:endParaRPr lang="en-US" sz="1100" b="0" strike="noStrike" spc="-1" dirty="0">
               <a:solidFill>
                 <a:srgbClr val="000000"/>
               </a:solidFill>
@@ -7599,11 +8273,14 @@
       </p:sp>
     </p:spTree>
   </p:cSld>
-  <mc:AlternateContent>
+  <p:clrMapOvr>
+    <a:masterClrMapping/>
+  </p:clrMapOvr>
+  <mc:AlternateContent xmlns:mc="http://schemas.openxmlformats.org/markup-compatibility/2006" xmlns:p14="http://schemas.microsoft.com/office/powerpoint/2010/main">
     <mc:Choice Requires="p14">
       <p:transition spd="slow" p14:dur="2000"/>
     </mc:Choice>
-    <mc:Fallback>
+    <mc:Fallback xmlns:p15="http://schemas.microsoft.com/office/powerpoint/2012/main" xmlns="">
       <p:transition spd="slow"/>
     </mc:Fallback>
   </mc:AlternateContent>
@@ -7611,7 +8288,7 @@
 </file>
 
 <file path=ppt/slides/slide3.xml><?xml version="1.0" encoding="utf-8"?>
-<p:sld xmlns:a="http://schemas.openxmlformats.org/drawingml/2006/main" xmlns:p="http://schemas.openxmlformats.org/presentationml/2006/main" xmlns:r="http://schemas.openxmlformats.org/officeDocument/2006/relationships" xmlns:p14="http://schemas.microsoft.com/office/powerpoint/2010/main" xmlns:p15="http://schemas.microsoft.com/office/powerpoint/2012/main" xmlns:mc="http://schemas.openxmlformats.org/markup-compatibility/2006" showMasterSp="0">
+<p:sld xmlns:a="http://schemas.openxmlformats.org/drawingml/2006/main" xmlns:r="http://schemas.openxmlformats.org/officeDocument/2006/relationships" xmlns:p="http://schemas.openxmlformats.org/presentationml/2006/main" showMasterSp="0">
   <p:cSld>
     <p:spTree>
       <p:nvGrpSpPr>
@@ -7651,9 +8328,10 @@
           </a:ln>
         </p:spPr>
         <p:txBody>
-          <a:bodyPr lIns="0" rIns="0" tIns="12600" bIns="0" anchor="t">
+          <a:bodyPr lIns="0" tIns="12600" rIns="0" bIns="0" anchor="t">
             <a:noAutofit/>
           </a:bodyPr>
+          <a:lstStyle/>
           <a:p>
             <a:pPr marL="12600" indent="0">
               <a:lnSpc>
@@ -7664,11 +8342,11 @@
               </a:spcBef>
               <a:buNone/>
               <a:tabLst>
-                <a:tab algn="l" pos="0"/>
+                <a:tab pos="0" algn="l"/>
               </a:tabLst>
             </a:pPr>
             <a:r>
-              <a:rPr b="0" lang="en-US" sz="2500" spc="-1" strike="noStrike">
+              <a:rPr lang="en-US" sz="2500" b="0" strike="noStrike" spc="-1">
                 <a:solidFill>
                   <a:schemeClr val="dk1"/>
                 </a:solidFill>
@@ -7677,7 +8355,7 @@
               <a:t>Описание</a:t>
             </a:r>
             <a:r>
-              <a:rPr b="0" lang="en-US" sz="2500" spc="-66" strike="noStrike">
+              <a:rPr lang="en-US" sz="2500" b="0" strike="noStrike" spc="-66">
                 <a:solidFill>
                   <a:schemeClr val="dk1"/>
                 </a:solidFill>
@@ -7686,7 +8364,7 @@
               <a:t> </a:t>
             </a:r>
             <a:r>
-              <a:rPr b="0" lang="en-US" sz="2500" spc="-1" strike="noStrike">
+              <a:rPr lang="en-US" sz="2500" b="0" strike="noStrike" spc="-1">
                 <a:solidFill>
                   <a:schemeClr val="dk1"/>
                 </a:solidFill>
@@ -7695,7 +8373,7 @@
               <a:t>и</a:t>
             </a:r>
             <a:r>
-              <a:rPr b="0" lang="en-US" sz="2500" spc="-60" strike="noStrike">
+              <a:rPr lang="en-US" sz="2500" b="0" strike="noStrike" spc="-60">
                 <a:solidFill>
                   <a:schemeClr val="dk1"/>
                 </a:solidFill>
@@ -7704,7 +8382,7 @@
               <a:t> </a:t>
             </a:r>
             <a:r>
-              <a:rPr b="0" lang="en-US" sz="2500" spc="-1" strike="noStrike">
+              <a:rPr lang="en-US" sz="2500" b="0" strike="noStrike" spc="-1">
                 <a:solidFill>
                   <a:schemeClr val="dk1"/>
                 </a:solidFill>
@@ -7713,7 +8391,7 @@
               <a:t>ценностное</a:t>
             </a:r>
             <a:r>
-              <a:rPr b="0" lang="en-US" sz="2500" spc="-60" strike="noStrike">
+              <a:rPr lang="en-US" sz="2500" b="0" strike="noStrike" spc="-60">
                 <a:solidFill>
                   <a:schemeClr val="dk1"/>
                 </a:solidFill>
@@ -7722,7 +8400,7 @@
               <a:t> </a:t>
             </a:r>
             <a:r>
-              <a:rPr b="0" lang="en-US" sz="2500" spc="-1" strike="noStrike">
+              <a:rPr lang="en-US" sz="2500" b="0" strike="noStrike" spc="-1">
                 <a:solidFill>
                   <a:schemeClr val="dk1"/>
                 </a:solidFill>
@@ -7731,7 +8409,7 @@
               <a:t>предложение</a:t>
             </a:r>
             <a:r>
-              <a:rPr b="0" lang="en-US" sz="2500" spc="-60" strike="noStrike">
+              <a:rPr lang="en-US" sz="2500" b="0" strike="noStrike" spc="-60">
                 <a:solidFill>
                   <a:schemeClr val="dk1"/>
                 </a:solidFill>
@@ -7740,7 +8418,7 @@
               <a:t> </a:t>
             </a:r>
             <a:r>
-              <a:rPr b="0" lang="en-US" sz="2500" spc="-12" strike="noStrike">
+              <a:rPr lang="en-US" sz="2500" b="0" strike="noStrike" spc="-12">
                 <a:solidFill>
                   <a:schemeClr val="dk1"/>
                 </a:solidFill>
@@ -7748,7 +8426,7 @@
               </a:rPr>
               <a:t>стартапа</a:t>
             </a:r>
-            <a:endParaRPr b="0" lang="en-US" sz="2500" spc="-1" strike="noStrike">
+            <a:endParaRPr lang="en-US" sz="2500" b="0" strike="noStrike" spc="-1">
               <a:solidFill>
                 <a:srgbClr val="000000"/>
               </a:solidFill>
@@ -7781,9 +8459,10 @@
           </a:ln>
         </p:spPr>
         <p:txBody>
-          <a:bodyPr lIns="0" rIns="0" tIns="33480" bIns="0" anchor="t">
+          <a:bodyPr lIns="0" tIns="33480" rIns="0" bIns="0" anchor="t">
             <a:noAutofit/>
           </a:bodyPr>
+          <a:lstStyle/>
           <a:p>
             <a:pPr marL="12600" indent="0">
               <a:lnSpc>
@@ -7794,11 +8473,11 @@
               </a:spcBef>
               <a:buNone/>
               <a:tabLst>
-                <a:tab algn="l" pos="0"/>
+                <a:tab pos="0" algn="l"/>
               </a:tabLst>
             </a:pPr>
             <a:r>
-              <a:rPr b="0" lang="en-US" sz="1100" spc="-12" strike="noStrike">
+              <a:rPr lang="en-US" sz="1100" b="0" strike="noStrike" spc="-12">
                 <a:solidFill>
                   <a:schemeClr val="dk1"/>
                 </a:solidFill>
@@ -7806,7 +8485,7 @@
               </a:rPr>
               <a:t>Например:</a:t>
             </a:r>
-            <a:endParaRPr b="0" lang="en-US" sz="1100" spc="-1" strike="noStrike">
+            <a:endParaRPr lang="en-US" sz="1100" b="0" strike="noStrike" spc="-1">
               <a:solidFill>
                 <a:srgbClr val="000000"/>
               </a:solidFill>
@@ -7823,11 +8502,11 @@
               </a:spcBef>
               <a:buNone/>
               <a:tabLst>
-                <a:tab algn="l" pos="0"/>
+                <a:tab pos="0" algn="l"/>
               </a:tabLst>
             </a:pPr>
             <a:r>
-              <a:rPr b="0" lang="en-US" sz="1100" spc="-1" strike="noStrike">
+              <a:rPr lang="en-US" sz="1100" b="0" strike="noStrike" spc="-1">
                 <a:solidFill>
                   <a:schemeClr val="dk1"/>
                 </a:solidFill>
@@ -7836,7 +8515,7 @@
               <a:t>Everytalent</a:t>
             </a:r>
             <a:r>
-              <a:rPr b="0" lang="en-US" sz="1100" spc="-46" strike="noStrike">
+              <a:rPr lang="en-US" sz="1100" b="0" strike="noStrike" spc="-46">
                 <a:solidFill>
                   <a:schemeClr val="dk1"/>
                 </a:solidFill>
@@ -7845,7 +8524,7 @@
               <a:t> </a:t>
             </a:r>
             <a:r>
-              <a:rPr b="0" lang="en-US" sz="1100" spc="-1" strike="noStrike">
+              <a:rPr lang="en-US" sz="1100" b="0" strike="noStrike" spc="-1">
                 <a:solidFill>
                   <a:schemeClr val="dk1"/>
                 </a:solidFill>
@@ -7854,7 +8533,7 @@
               <a:t>-</a:t>
             </a:r>
             <a:r>
-              <a:rPr b="0" lang="en-US" sz="1100" spc="-35" strike="noStrike">
+              <a:rPr lang="en-US" sz="1100" b="0" strike="noStrike" spc="-35">
                 <a:solidFill>
                   <a:schemeClr val="dk1"/>
                 </a:solidFill>
@@ -7863,7 +8542,7 @@
               <a:t> </a:t>
             </a:r>
             <a:r>
-              <a:rPr b="0" lang="en-US" sz="1100" spc="-12" strike="noStrike">
+              <a:rPr lang="en-US" sz="1100" b="0" strike="noStrike" spc="-12">
                 <a:solidFill>
                   <a:schemeClr val="dk1"/>
                 </a:solidFill>
@@ -7872,7 +8551,7 @@
               <a:t>AI-</a:t>
             </a:r>
             <a:r>
-              <a:rPr b="0" lang="en-US" sz="1100" spc="-1" strike="noStrike">
+              <a:rPr lang="en-US" sz="1100" b="0" strike="noStrike" spc="-1">
                 <a:solidFill>
                   <a:schemeClr val="dk1"/>
                 </a:solidFill>
@@ -7881,7 +8560,7 @@
               <a:t>powered</a:t>
             </a:r>
             <a:r>
-              <a:rPr b="0" lang="en-US" sz="1100" spc="-41" strike="noStrike">
+              <a:rPr lang="en-US" sz="1100" b="0" strike="noStrike" spc="-41">
                 <a:solidFill>
                   <a:schemeClr val="dk1"/>
                 </a:solidFill>
@@ -7890,7 +8569,7 @@
               <a:t> </a:t>
             </a:r>
             <a:r>
-              <a:rPr b="0" lang="en-US" sz="1100" spc="-1" strike="noStrike">
+              <a:rPr lang="en-US" sz="1100" b="0" strike="noStrike" spc="-1">
                 <a:solidFill>
                   <a:schemeClr val="dk1"/>
                 </a:solidFill>
@@ -7899,7 +8578,7 @@
               <a:t>Recruitment</a:t>
             </a:r>
             <a:r>
-              <a:rPr b="0" lang="en-US" sz="1100" spc="-41" strike="noStrike">
+              <a:rPr lang="en-US" sz="1100" b="0" strike="noStrike" spc="-41">
                 <a:solidFill>
                   <a:schemeClr val="dk1"/>
                 </a:solidFill>
@@ -7908,7 +8587,7 @@
               <a:t> </a:t>
             </a:r>
             <a:r>
-              <a:rPr b="0" lang="en-US" sz="1100" spc="-12" strike="noStrike">
+              <a:rPr lang="en-US" sz="1100" b="0" strike="noStrike" spc="-12">
                 <a:solidFill>
                   <a:schemeClr val="dk1"/>
                 </a:solidFill>
@@ -7916,7 +8595,7 @@
               </a:rPr>
               <a:t>Platform.</a:t>
             </a:r>
-            <a:endParaRPr b="0" lang="en-US" sz="1100" spc="-1" strike="noStrike">
+            <a:endParaRPr lang="en-US" sz="1100" b="0" strike="noStrike" spc="-1">
               <a:solidFill>
                 <a:srgbClr val="000000"/>
               </a:solidFill>
@@ -7933,10 +8612,10 @@
               </a:spcBef>
               <a:buNone/>
               <a:tabLst>
-                <a:tab algn="l" pos="0"/>
+                <a:tab pos="0" algn="l"/>
               </a:tabLst>
             </a:pPr>
-            <a:endParaRPr b="0" lang="en-US" sz="1100" spc="-1" strike="noStrike">
+            <a:endParaRPr lang="en-US" sz="1100" b="0" strike="noStrike" spc="-1">
               <a:solidFill>
                 <a:srgbClr val="000000"/>
               </a:solidFill>
@@ -7954,11 +8633,11 @@
               <a:buFont typeface="Times New Roman"/>
               <a:buChar char="●"/>
               <a:tabLst>
-                <a:tab algn="l" pos="469440"/>
+                <a:tab pos="469440" algn="l"/>
               </a:tabLst>
             </a:pPr>
             <a:r>
-              <a:rPr b="0" lang="en-US" sz="1100" spc="-1" strike="noStrike">
+              <a:rPr lang="en-US" sz="1100" b="0" strike="noStrike" spc="-1">
                 <a:solidFill>
                   <a:schemeClr val="dk1"/>
                 </a:solidFill>
@@ -7967,7 +8646,7 @@
               <a:t>Matches</a:t>
             </a:r>
             <a:r>
-              <a:rPr b="0" lang="en-US" sz="1100" spc="-41" strike="noStrike">
+              <a:rPr lang="en-US" sz="1100" b="0" strike="noStrike" spc="-41">
                 <a:solidFill>
                   <a:schemeClr val="dk1"/>
                 </a:solidFill>
@@ -7976,7 +8655,7 @@
               <a:t> </a:t>
             </a:r>
             <a:r>
-              <a:rPr b="0" lang="en-US" sz="1100" spc="-1" strike="noStrike">
+              <a:rPr lang="en-US" sz="1100" b="0" strike="noStrike" spc="-1">
                 <a:solidFill>
                   <a:schemeClr val="dk1"/>
                 </a:solidFill>
@@ -7985,7 +8664,7 @@
               <a:t>young</a:t>
             </a:r>
             <a:r>
-              <a:rPr b="0" lang="en-US" sz="1100" spc="-35" strike="noStrike">
+              <a:rPr lang="en-US" sz="1100" b="0" strike="noStrike" spc="-35">
                 <a:solidFill>
                   <a:schemeClr val="dk1"/>
                 </a:solidFill>
@@ -7994,7 +8673,7 @@
               <a:t> </a:t>
             </a:r>
             <a:r>
-              <a:rPr b="0" lang="en-US" sz="1100" spc="-1" strike="noStrike">
+              <a:rPr lang="en-US" sz="1100" b="0" strike="noStrike" spc="-1">
                 <a:solidFill>
                   <a:schemeClr val="dk1"/>
                 </a:solidFill>
@@ -8003,7 +8682,7 @@
               <a:t>talent</a:t>
             </a:r>
             <a:r>
-              <a:rPr b="0" lang="en-US" sz="1100" spc="-46" strike="noStrike">
+              <a:rPr lang="en-US" sz="1100" b="0" strike="noStrike" spc="-46">
                 <a:solidFill>
                   <a:schemeClr val="dk1"/>
                 </a:solidFill>
@@ -8012,7 +8691,7 @@
               <a:t> </a:t>
             </a:r>
             <a:r>
-              <a:rPr b="0" lang="en-US" sz="1100" spc="-1" strike="noStrike">
+              <a:rPr lang="en-US" sz="1100" b="0" strike="noStrike" spc="-1">
                 <a:solidFill>
                   <a:schemeClr val="dk1"/>
                 </a:solidFill>
@@ -8021,7 +8700,7 @@
               <a:t>with</a:t>
             </a:r>
             <a:r>
-              <a:rPr b="0" lang="en-US" sz="1100" spc="-32" strike="noStrike">
+              <a:rPr lang="en-US" sz="1100" b="0" strike="noStrike" spc="-32">
                 <a:solidFill>
                   <a:schemeClr val="dk1"/>
                 </a:solidFill>
@@ -8030,7 +8709,7 @@
               <a:t> </a:t>
             </a:r>
             <a:r>
-              <a:rPr b="0" lang="en-US" sz="1100" spc="-1" strike="noStrike">
+              <a:rPr lang="en-US" sz="1100" b="0" strike="noStrike" spc="-1">
                 <a:solidFill>
                   <a:schemeClr val="dk1"/>
                 </a:solidFill>
@@ -8039,7 +8718,7 @@
               <a:t>companies</a:t>
             </a:r>
             <a:r>
-              <a:rPr b="0" lang="en-US" sz="1100" spc="-41" strike="noStrike">
+              <a:rPr lang="en-US" sz="1100" b="0" strike="noStrike" spc="-41">
                 <a:solidFill>
                   <a:schemeClr val="dk1"/>
                 </a:solidFill>
@@ -8048,7 +8727,7 @@
               <a:t> </a:t>
             </a:r>
             <a:r>
-              <a:rPr b="0" lang="en-US" sz="1100" spc="-1" strike="noStrike">
+              <a:rPr lang="en-US" sz="1100" b="0" strike="noStrike" spc="-1">
                 <a:solidFill>
                   <a:schemeClr val="dk1"/>
                 </a:solidFill>
@@ -8057,7 +8736,7 @@
               <a:t>and</a:t>
             </a:r>
             <a:r>
-              <a:rPr b="0" lang="en-US" sz="1100" spc="-35" strike="noStrike">
+              <a:rPr lang="en-US" sz="1100" b="0" strike="noStrike" spc="-35">
                 <a:solidFill>
                   <a:schemeClr val="dk1"/>
                 </a:solidFill>
@@ -8066,7 +8745,7 @@
               <a:t> </a:t>
             </a:r>
             <a:r>
-              <a:rPr b="0" lang="en-US" sz="1100" spc="-1" strike="noStrike">
+              <a:rPr lang="en-US" sz="1100" b="0" strike="noStrike" spc="-1">
                 <a:solidFill>
                   <a:schemeClr val="dk1"/>
                 </a:solidFill>
@@ -8075,7 +8754,7 @@
               <a:t>jobs</a:t>
             </a:r>
             <a:r>
-              <a:rPr b="0" lang="en-US" sz="1100" spc="-35" strike="noStrike">
+              <a:rPr lang="en-US" sz="1100" b="0" strike="noStrike" spc="-35">
                 <a:solidFill>
                   <a:schemeClr val="dk1"/>
                 </a:solidFill>
@@ -8084,7 +8763,7 @@
               <a:t> </a:t>
             </a:r>
             <a:r>
-              <a:rPr b="0" lang="en-US" sz="1100" spc="-1" strike="noStrike">
+              <a:rPr lang="en-US" sz="1100" b="0" strike="noStrike" spc="-1">
                 <a:solidFill>
                   <a:schemeClr val="dk1"/>
                 </a:solidFill>
@@ -8093,7 +8772,7 @@
               <a:t>based</a:t>
             </a:r>
             <a:r>
-              <a:rPr b="0" lang="en-US" sz="1100" spc="-35" strike="noStrike">
+              <a:rPr lang="en-US" sz="1100" b="0" strike="noStrike" spc="-35">
                 <a:solidFill>
                   <a:schemeClr val="dk1"/>
                 </a:solidFill>
@@ -8102,7 +8781,7 @@
               <a:t> </a:t>
             </a:r>
             <a:r>
-              <a:rPr b="0" lang="en-US" sz="1100" spc="-1" strike="noStrike">
+              <a:rPr lang="en-US" sz="1100" b="0" strike="noStrike" spc="-1">
                 <a:solidFill>
                   <a:schemeClr val="dk1"/>
                 </a:solidFill>
@@ -8111,7 +8790,7 @@
               <a:t>on</a:t>
             </a:r>
             <a:r>
-              <a:rPr b="0" lang="en-US" sz="1100" spc="-35" strike="noStrike">
+              <a:rPr lang="en-US" sz="1100" b="0" strike="noStrike" spc="-35">
                 <a:solidFill>
                   <a:schemeClr val="dk1"/>
                 </a:solidFill>
@@ -8120,7 +8799,7 @@
               <a:t> </a:t>
             </a:r>
             <a:r>
-              <a:rPr b="0" lang="en-US" sz="1100" spc="-1" strike="noStrike">
+              <a:rPr lang="en-US" sz="1100" b="0" strike="noStrike" spc="-1">
                 <a:solidFill>
                   <a:schemeClr val="dk1"/>
                 </a:solidFill>
@@ -8129,7 +8808,7 @@
               <a:t>their</a:t>
             </a:r>
             <a:r>
-              <a:rPr b="0" lang="en-US" sz="1100" spc="-41" strike="noStrike">
+              <a:rPr lang="en-US" sz="1100" b="0" strike="noStrike" spc="-41">
                 <a:solidFill>
                   <a:schemeClr val="dk1"/>
                 </a:solidFill>
@@ -8138,7 +8817,7 @@
               <a:t> </a:t>
             </a:r>
             <a:r>
-              <a:rPr b="0" lang="en-US" sz="1100" spc="-1" strike="noStrike">
+              <a:rPr lang="en-US" sz="1100" b="0" strike="noStrike" spc="-1">
                 <a:solidFill>
                   <a:schemeClr val="dk1"/>
                 </a:solidFill>
@@ -8147,7 +8826,7 @@
               <a:t>assessment</a:t>
             </a:r>
             <a:r>
-              <a:rPr b="0" lang="en-US" sz="1100" spc="-41" strike="noStrike">
+              <a:rPr lang="en-US" sz="1100" b="0" strike="noStrike" spc="-41">
                 <a:solidFill>
                   <a:schemeClr val="dk1"/>
                 </a:solidFill>
@@ -8156,7 +8835,7 @@
               <a:t> </a:t>
             </a:r>
             <a:r>
-              <a:rPr b="0" lang="en-US" sz="1100" spc="-12" strike="noStrike">
+              <a:rPr lang="en-US" sz="1100" b="0" strike="noStrike" spc="-12">
                 <a:solidFill>
                   <a:schemeClr val="dk1"/>
                 </a:solidFill>
@@ -8164,7 +8843,7 @@
               </a:rPr>
               <a:t>results</a:t>
             </a:r>
-            <a:endParaRPr b="0" lang="en-US" sz="1100" spc="-1" strike="noStrike">
+            <a:endParaRPr lang="en-US" sz="1100" b="0" strike="noStrike" spc="-1">
               <a:solidFill>
                 <a:srgbClr val="000000"/>
               </a:solidFill>
@@ -8185,11 +8864,11 @@
               <a:buFont typeface="Times New Roman"/>
               <a:buChar char="●"/>
               <a:tabLst>
-                <a:tab algn="l" pos="469440"/>
+                <a:tab pos="469440" algn="l"/>
               </a:tabLst>
             </a:pPr>
             <a:r>
-              <a:rPr b="0" lang="en-US" sz="1100" spc="-1" strike="noStrike">
+              <a:rPr lang="en-US" sz="1100" b="0" strike="noStrike" spc="-1">
                 <a:solidFill>
                   <a:schemeClr val="dk1"/>
                 </a:solidFill>
@@ -8198,7 +8877,7 @@
               <a:t>Motivates</a:t>
             </a:r>
             <a:r>
-              <a:rPr b="0" lang="en-US" sz="1100" spc="-21" strike="noStrike">
+              <a:rPr lang="en-US" sz="1100" b="0" strike="noStrike" spc="-21">
                 <a:solidFill>
                   <a:schemeClr val="dk1"/>
                 </a:solidFill>
@@ -8207,7 +8886,7 @@
               <a:t> </a:t>
             </a:r>
             <a:r>
-              <a:rPr b="0" lang="en-US" sz="1100" spc="-1" strike="noStrike">
+              <a:rPr lang="en-US" sz="1100" b="0" strike="noStrike" spc="-1">
                 <a:solidFill>
                   <a:schemeClr val="dk1"/>
                 </a:solidFill>
@@ -8216,7 +8895,7 @@
               <a:t>jobseekers</a:t>
             </a:r>
             <a:r>
-              <a:rPr b="0" lang="en-US" sz="1100" spc="-21" strike="noStrike">
+              <a:rPr lang="en-US" sz="1100" b="0" strike="noStrike" spc="-21">
                 <a:solidFill>
                   <a:schemeClr val="dk1"/>
                 </a:solidFill>
@@ -8225,7 +8904,7 @@
               <a:t> </a:t>
             </a:r>
             <a:r>
-              <a:rPr b="0" lang="en-US" sz="1100" spc="-1" strike="noStrike">
+              <a:rPr lang="en-US" sz="1100" b="0" strike="noStrike" spc="-1">
                 <a:solidFill>
                   <a:schemeClr val="dk1"/>
                 </a:solidFill>
@@ -8234,7 +8913,7 @@
               <a:t>with</a:t>
             </a:r>
             <a:r>
-              <a:rPr b="0" lang="en-US" sz="1100" spc="-15" strike="noStrike">
+              <a:rPr lang="en-US" sz="1100" b="0" strike="noStrike" spc="-15">
                 <a:solidFill>
                   <a:schemeClr val="dk1"/>
                 </a:solidFill>
@@ -8243,7 +8922,7 @@
               <a:t> </a:t>
             </a:r>
             <a:r>
-              <a:rPr b="0" lang="en-US" sz="1100" spc="-12" strike="noStrike">
+              <a:rPr lang="en-US" sz="1100" b="0" strike="noStrike" spc="-12">
                 <a:solidFill>
                   <a:schemeClr val="dk1"/>
                 </a:solidFill>
@@ -8252,7 +8931,7 @@
               <a:t>recommendations</a:t>
             </a:r>
             <a:r>
-              <a:rPr b="0" lang="en-US" sz="1100" spc="-21" strike="noStrike">
+              <a:rPr lang="en-US" sz="1100" b="0" strike="noStrike" spc="-21">
                 <a:solidFill>
                   <a:schemeClr val="dk1"/>
                 </a:solidFill>
@@ -8261,7 +8940,7 @@
               <a:t> </a:t>
             </a:r>
             <a:r>
-              <a:rPr b="0" lang="en-US" sz="1100" spc="-1" strike="noStrike">
+              <a:rPr lang="en-US" sz="1100" b="0" strike="noStrike" spc="-1">
                 <a:solidFill>
                   <a:schemeClr val="dk1"/>
                 </a:solidFill>
@@ -8270,7 +8949,7 @@
               <a:t>to</a:t>
             </a:r>
             <a:r>
-              <a:rPr b="0" lang="en-US" sz="1100" spc="-15" strike="noStrike">
+              <a:rPr lang="en-US" sz="1100" b="0" strike="noStrike" spc="-15">
                 <a:solidFill>
                   <a:schemeClr val="dk1"/>
                 </a:solidFill>
@@ -8279,7 +8958,7 @@
               <a:t> </a:t>
             </a:r>
             <a:r>
-              <a:rPr b="0" lang="en-US" sz="1100" spc="-1" strike="noStrike">
+              <a:rPr lang="en-US" sz="1100" b="0" strike="noStrike" spc="-1">
                 <a:solidFill>
                   <a:schemeClr val="dk1"/>
                 </a:solidFill>
@@ -8288,7 +8967,7 @@
               <a:t>turn</a:t>
             </a:r>
             <a:r>
-              <a:rPr b="0" lang="en-US" sz="1100" spc="-15" strike="noStrike">
+              <a:rPr lang="en-US" sz="1100" b="0" strike="noStrike" spc="-15">
                 <a:solidFill>
                   <a:schemeClr val="dk1"/>
                 </a:solidFill>
@@ -8297,7 +8976,7 @@
               <a:t> </a:t>
             </a:r>
             <a:r>
-              <a:rPr b="0" lang="en-US" sz="1100" spc="-12" strike="noStrike">
+              <a:rPr lang="en-US" sz="1100" b="0" strike="noStrike" spc="-12">
                 <a:solidFill>
                   <a:schemeClr val="dk1"/>
                 </a:solidFill>
@@ -8306,7 +8985,7 @@
               <a:t>weaknesses</a:t>
             </a:r>
             <a:r>
-              <a:rPr b="0" lang="en-US" sz="1100" spc="-21" strike="noStrike">
+              <a:rPr lang="en-US" sz="1100" b="0" strike="noStrike" spc="-21">
                 <a:solidFill>
                   <a:schemeClr val="dk1"/>
                 </a:solidFill>
@@ -8315,7 +8994,7 @@
               <a:t> </a:t>
             </a:r>
             <a:r>
-              <a:rPr b="0" lang="en-US" sz="1100" spc="-1" strike="noStrike">
+              <a:rPr lang="en-US" sz="1100" b="0" strike="noStrike" spc="-1">
                 <a:solidFill>
                   <a:schemeClr val="dk1"/>
                 </a:solidFill>
@@ -8324,7 +9003,7 @@
               <a:t>into</a:t>
             </a:r>
             <a:r>
-              <a:rPr b="0" lang="en-US" sz="1100" spc="-15" strike="noStrike">
+              <a:rPr lang="en-US" sz="1100" b="0" strike="noStrike" spc="-15">
                 <a:solidFill>
                   <a:schemeClr val="dk1"/>
                 </a:solidFill>
@@ -8333,7 +9012,7 @@
               <a:t> </a:t>
             </a:r>
             <a:r>
-              <a:rPr b="0" lang="en-US" sz="1100" spc="-12" strike="noStrike">
+              <a:rPr lang="en-US" sz="1100" b="0" strike="noStrike" spc="-12">
                 <a:solidFill>
                   <a:schemeClr val="dk1"/>
                 </a:solidFill>
@@ -8341,7 +9020,7 @@
               </a:rPr>
               <a:t>strengths</a:t>
             </a:r>
-            <a:endParaRPr b="0" lang="en-US" sz="1100" spc="-1" strike="noStrike">
+            <a:endParaRPr lang="en-US" sz="1100" b="0" strike="noStrike" spc="-1">
               <a:solidFill>
                 <a:srgbClr val="000000"/>
               </a:solidFill>
@@ -8362,11 +9041,11 @@
               <a:buFont typeface="Times New Roman"/>
               <a:buChar char="●"/>
               <a:tabLst>
-                <a:tab algn="l" pos="469440"/>
+                <a:tab pos="469440" algn="l"/>
               </a:tabLst>
             </a:pPr>
             <a:r>
-              <a:rPr b="0" lang="en-US" sz="1100" spc="-1" strike="noStrike">
+              <a:rPr lang="en-US" sz="1100" b="0" strike="noStrike" spc="-1">
                 <a:solidFill>
                   <a:schemeClr val="dk1"/>
                 </a:solidFill>
@@ -8375,7 +9054,7 @@
               <a:t>Assesses</a:t>
             </a:r>
             <a:r>
-              <a:rPr b="0" lang="en-US" sz="1100" spc="-26" strike="noStrike">
+              <a:rPr lang="en-US" sz="1100" b="0" strike="noStrike" spc="-26">
                 <a:solidFill>
                   <a:schemeClr val="dk1"/>
                 </a:solidFill>
@@ -8384,7 +9063,7 @@
               <a:t> </a:t>
             </a:r>
             <a:r>
-              <a:rPr b="0" lang="en-US" sz="1100" spc="-1" strike="noStrike">
+              <a:rPr lang="en-US" sz="1100" b="0" strike="noStrike" spc="-1">
                 <a:solidFill>
                   <a:schemeClr val="dk1"/>
                 </a:solidFill>
@@ -8393,7 +9072,7 @@
               <a:t>and</a:t>
             </a:r>
             <a:r>
-              <a:rPr b="0" lang="en-US" sz="1100" spc="-21" strike="noStrike">
+              <a:rPr lang="en-US" sz="1100" b="0" strike="noStrike" spc="-21">
                 <a:solidFill>
                   <a:schemeClr val="dk1"/>
                 </a:solidFill>
@@ -8402,7 +9081,7 @@
               <a:t> </a:t>
             </a:r>
             <a:r>
-              <a:rPr b="0" lang="en-US" sz="1100" spc="-1" strike="noStrike">
+              <a:rPr lang="en-US" sz="1100" b="0" strike="noStrike" spc="-1">
                 <a:solidFill>
                   <a:schemeClr val="dk1"/>
                 </a:solidFill>
@@ -8411,7 +9090,7 @@
               <a:t>identifies</a:t>
             </a:r>
             <a:r>
-              <a:rPr b="0" lang="en-US" sz="1100" spc="-32" strike="noStrike">
+              <a:rPr lang="en-US" sz="1100" b="0" strike="noStrike" spc="-32">
                 <a:solidFill>
                   <a:schemeClr val="dk1"/>
                 </a:solidFill>
@@ -8420,7 +9099,7 @@
               <a:t> </a:t>
             </a:r>
             <a:r>
-              <a:rPr b="0" lang="en-US" sz="1100" spc="-1" strike="noStrike">
+              <a:rPr lang="en-US" sz="1100" b="0" strike="noStrike" spc="-1">
                 <a:solidFill>
                   <a:schemeClr val="dk1"/>
                 </a:solidFill>
@@ -8429,7 +9108,7 @@
               <a:t>the</a:t>
             </a:r>
             <a:r>
-              <a:rPr b="0" lang="en-US" sz="1100" spc="-21" strike="noStrike">
+              <a:rPr lang="en-US" sz="1100" b="0" strike="noStrike" spc="-21">
                 <a:solidFill>
                   <a:schemeClr val="dk1"/>
                 </a:solidFill>
@@ -8438,7 +9117,7 @@
               <a:t> </a:t>
             </a:r>
             <a:r>
-              <a:rPr b="0" lang="en-US" sz="1100" spc="-1" strike="noStrike">
+              <a:rPr lang="en-US" sz="1100" b="0" strike="noStrike" spc="-1">
                 <a:solidFill>
                   <a:schemeClr val="dk1"/>
                 </a:solidFill>
@@ -8447,7 +9126,7 @@
               <a:t>skills</a:t>
             </a:r>
             <a:r>
-              <a:rPr b="0" lang="en-US" sz="1100" spc="-26" strike="noStrike">
+              <a:rPr lang="en-US" sz="1100" b="0" strike="noStrike" spc="-26">
                 <a:solidFill>
                   <a:schemeClr val="dk1"/>
                 </a:solidFill>
@@ -8456,7 +9135,7 @@
               <a:t> </a:t>
             </a:r>
             <a:r>
-              <a:rPr b="0" lang="en-US" sz="1100" spc="-1" strike="noStrike">
+              <a:rPr lang="en-US" sz="1100" b="0" strike="noStrike" spc="-1">
                 <a:solidFill>
                   <a:schemeClr val="dk1"/>
                 </a:solidFill>
@@ -8465,7 +9144,7 @@
               <a:t>and</a:t>
             </a:r>
             <a:r>
-              <a:rPr b="0" lang="en-US" sz="1100" spc="-26" strike="noStrike">
+              <a:rPr lang="en-US" sz="1100" b="0" strike="noStrike" spc="-26">
                 <a:solidFill>
                   <a:schemeClr val="dk1"/>
                 </a:solidFill>
@@ -8474,7 +9153,7 @@
               <a:t> </a:t>
             </a:r>
             <a:r>
-              <a:rPr b="0" lang="en-US" sz="1100" spc="-12" strike="noStrike">
+              <a:rPr lang="en-US" sz="1100" b="0" strike="noStrike" spc="-12">
                 <a:solidFill>
                   <a:schemeClr val="dk1"/>
                 </a:solidFill>
@@ -8483,7 +9162,7 @@
               <a:t>competencies</a:t>
             </a:r>
             <a:r>
-              <a:rPr b="0" lang="en-US" sz="1100" spc="-26" strike="noStrike">
+              <a:rPr lang="en-US" sz="1100" b="0" strike="noStrike" spc="-26">
                 <a:solidFill>
                   <a:schemeClr val="dk1"/>
                 </a:solidFill>
@@ -8492,7 +9171,7 @@
               <a:t> </a:t>
             </a:r>
             <a:r>
-              <a:rPr b="0" lang="en-US" sz="1100" spc="-1" strike="noStrike">
+              <a:rPr lang="en-US" sz="1100" b="0" strike="noStrike" spc="-1">
                 <a:solidFill>
                   <a:schemeClr val="dk1"/>
                 </a:solidFill>
@@ -8501,7 +9180,7 @@
               <a:t>of</a:t>
             </a:r>
             <a:r>
-              <a:rPr b="0" lang="en-US" sz="1100" spc="-35" strike="noStrike">
+              <a:rPr lang="en-US" sz="1100" b="0" strike="noStrike" spc="-35">
                 <a:solidFill>
                   <a:schemeClr val="dk1"/>
                 </a:solidFill>
@@ -8510,7 +9189,7 @@
               <a:t> </a:t>
             </a:r>
             <a:r>
-              <a:rPr b="0" lang="en-US" sz="1100" spc="-1" strike="noStrike">
+              <a:rPr lang="en-US" sz="1100" b="0" strike="noStrike" spc="-1">
                 <a:solidFill>
                   <a:schemeClr val="dk1"/>
                 </a:solidFill>
@@ -8519,7 +9198,7 @@
               <a:t>job</a:t>
             </a:r>
             <a:r>
-              <a:rPr b="0" lang="en-US" sz="1100" spc="-21" strike="noStrike">
+              <a:rPr lang="en-US" sz="1100" b="0" strike="noStrike" spc="-21">
                 <a:solidFill>
                   <a:schemeClr val="dk1"/>
                 </a:solidFill>
@@ -8528,7 +9207,7 @@
               <a:t> </a:t>
             </a:r>
             <a:r>
-              <a:rPr b="0" lang="en-US" sz="1100" spc="-12" strike="noStrike">
+              <a:rPr lang="en-US" sz="1100" b="0" strike="noStrike" spc="-12">
                 <a:solidFill>
                   <a:schemeClr val="dk1"/>
                 </a:solidFill>
@@ -8536,7 +9215,7 @@
               </a:rPr>
               <a:t>seekers</a:t>
             </a:r>
-            <a:endParaRPr b="0" lang="en-US" sz="1100" spc="-1" strike="noStrike">
+            <a:endParaRPr lang="en-US" sz="1100" b="0" strike="noStrike" spc="-1">
               <a:solidFill>
                 <a:srgbClr val="000000"/>
               </a:solidFill>
@@ -8547,11 +9226,14 @@
       </p:sp>
     </p:spTree>
   </p:cSld>
-  <mc:AlternateContent>
+  <p:clrMapOvr>
+    <a:masterClrMapping/>
+  </p:clrMapOvr>
+  <mc:AlternateContent xmlns:mc="http://schemas.openxmlformats.org/markup-compatibility/2006" xmlns:p14="http://schemas.microsoft.com/office/powerpoint/2010/main">
     <mc:Choice Requires="p14">
       <p:transition spd="slow" p14:dur="2000"/>
     </mc:Choice>
-    <mc:Fallback>
+    <mc:Fallback xmlns:p15="http://schemas.microsoft.com/office/powerpoint/2012/main" xmlns="">
       <p:transition spd="slow"/>
     </mc:Fallback>
   </mc:AlternateContent>
@@ -8559,7 +9241,7 @@
 </file>
 
 <file path=ppt/slides/slide4.xml><?xml version="1.0" encoding="utf-8"?>
-<p:sld xmlns:a="http://schemas.openxmlformats.org/drawingml/2006/main" xmlns:p="http://schemas.openxmlformats.org/presentationml/2006/main" xmlns:r="http://schemas.openxmlformats.org/officeDocument/2006/relationships" xmlns:p14="http://schemas.microsoft.com/office/powerpoint/2010/main" xmlns:p15="http://schemas.microsoft.com/office/powerpoint/2012/main" xmlns:mc="http://schemas.openxmlformats.org/markup-compatibility/2006" showMasterSp="0">
+<p:sld xmlns:a="http://schemas.openxmlformats.org/drawingml/2006/main" xmlns:r="http://schemas.openxmlformats.org/officeDocument/2006/relationships" xmlns:p="http://schemas.openxmlformats.org/presentationml/2006/main" showMasterSp="0">
   <p:cSld>
     <p:spTree>
       <p:nvGrpSpPr>
@@ -8599,9 +9281,10 @@
           </a:ln>
         </p:spPr>
         <p:txBody>
-          <a:bodyPr lIns="0" rIns="0" tIns="12600" bIns="0" anchor="t">
+          <a:bodyPr lIns="0" tIns="12600" rIns="0" bIns="0" anchor="t">
             <a:noAutofit/>
           </a:bodyPr>
+          <a:lstStyle/>
           <a:p>
             <a:pPr marL="12600" indent="0">
               <a:lnSpc>
@@ -8612,11 +9295,11 @@
               </a:spcBef>
               <a:buNone/>
               <a:tabLst>
-                <a:tab algn="l" pos="0"/>
+                <a:tab pos="0" algn="l"/>
               </a:tabLst>
             </a:pPr>
             <a:r>
-              <a:rPr b="0" lang="en-US" sz="2500" spc="-12" strike="noStrike">
+              <a:rPr lang="en-US" sz="2500" b="0" strike="noStrike" spc="-12">
                 <a:solidFill>
                   <a:schemeClr val="dk1"/>
                 </a:solidFill>
@@ -8624,7 +9307,7 @@
               </a:rPr>
               <a:t>Решение</a:t>
             </a:r>
-            <a:endParaRPr b="0" lang="en-US" sz="2500" spc="-1" strike="noStrike">
+            <a:endParaRPr lang="en-US" sz="2500" b="0" strike="noStrike" spc="-1">
               <a:solidFill>
                 <a:srgbClr val="000000"/>
               </a:solidFill>
@@ -8653,15 +9336,22 @@
           </a:ln>
         </p:spPr>
         <p:style>
-          <a:lnRef idx="0"/>
-          <a:fillRef idx="0"/>
-          <a:effectRef idx="0"/>
+          <a:lnRef idx="0">
+            <a:scrgbClr r="0" g="0" b="0"/>
+          </a:lnRef>
+          <a:fillRef idx="0">
+            <a:scrgbClr r="0" g="0" b="0"/>
+          </a:fillRef>
+          <a:effectRef idx="0">
+            <a:scrgbClr r="0" g="0" b="0"/>
+          </a:effectRef>
           <a:fontRef idx="minor"/>
         </p:style>
         <p:txBody>
-          <a:bodyPr lIns="0" rIns="0" tIns="12600" bIns="0" anchor="t">
+          <a:bodyPr lIns="0" tIns="12600" rIns="0" bIns="0" anchor="t">
             <a:spAutoFit/>
           </a:bodyPr>
+          <a:lstStyle/>
           <a:p>
             <a:pPr marL="12600">
               <a:lnSpc>
@@ -8672,7 +9362,7 @@
               </a:spcBef>
             </a:pPr>
             <a:r>
-              <a:rPr b="0" lang="en-US" sz="1100" spc="-1" strike="noStrike">
+              <a:rPr lang="en-US" sz="1100" b="0" strike="noStrike" spc="-1">
                 <a:solidFill>
                   <a:srgbClr val="000000"/>
                 </a:solidFill>
@@ -8681,7 +9371,7 @@
               <a:t>Описание</a:t>
             </a:r>
             <a:r>
-              <a:rPr b="0" lang="en-US" sz="1100" spc="-52" strike="noStrike">
+              <a:rPr lang="en-US" sz="1100" b="0" strike="noStrike" spc="-52">
                 <a:solidFill>
                   <a:srgbClr val="000000"/>
                 </a:solidFill>
@@ -8690,7 +9380,7 @@
               <a:t> </a:t>
             </a:r>
             <a:r>
-              <a:rPr b="0" lang="en-US" sz="1100" spc="-1" strike="noStrike">
+              <a:rPr lang="en-US" sz="1100" b="0" strike="noStrike" spc="-1">
                 <a:solidFill>
                   <a:srgbClr val="000000"/>
                 </a:solidFill>
@@ -8699,7 +9389,7 @@
               <a:t>функционала</a:t>
             </a:r>
             <a:r>
-              <a:rPr b="0" lang="en-US" sz="1100" spc="-52" strike="noStrike">
+              <a:rPr lang="en-US" sz="1100" b="0" strike="noStrike" spc="-52">
                 <a:solidFill>
                   <a:srgbClr val="000000"/>
                 </a:solidFill>
@@ -8708,7 +9398,7 @@
               <a:t> </a:t>
             </a:r>
             <a:r>
-              <a:rPr b="0" lang="en-US" sz="1100" spc="-1" strike="noStrike">
+              <a:rPr lang="en-US" sz="1100" b="0" strike="noStrike" spc="-1">
                 <a:solidFill>
                   <a:srgbClr val="000000"/>
                 </a:solidFill>
@@ -8717,7 +9407,7 @@
               <a:t>продукт,</a:t>
             </a:r>
             <a:r>
-              <a:rPr b="0" lang="en-US" sz="1100" spc="-60" strike="noStrike">
+              <a:rPr lang="en-US" sz="1100" b="0" strike="noStrike" spc="-60">
                 <a:solidFill>
                   <a:srgbClr val="000000"/>
                 </a:solidFill>
@@ -8726,7 +9416,7 @@
               <a:t> </a:t>
             </a:r>
             <a:r>
-              <a:rPr b="0" lang="en-US" sz="1100" spc="-1" strike="noStrike">
+              <a:rPr lang="en-US" sz="1100" b="0" strike="noStrike" spc="-1">
                 <a:solidFill>
                   <a:srgbClr val="000000"/>
                 </a:solidFill>
@@ -8735,7 +9425,7 @@
               <a:t>как</a:t>
             </a:r>
             <a:r>
-              <a:rPr b="0" lang="en-US" sz="1100" spc="-41" strike="noStrike">
+              <a:rPr lang="en-US" sz="1100" b="0" strike="noStrike" spc="-41">
                 <a:solidFill>
                   <a:srgbClr val="000000"/>
                 </a:solidFill>
@@ -8744,7 +9434,7 @@
               <a:t> </a:t>
             </a:r>
             <a:r>
-              <a:rPr b="0" lang="en-US" sz="1100" spc="-1" strike="noStrike">
+              <a:rPr lang="en-US" sz="1100" b="0" strike="noStrike" spc="-1">
                 <a:solidFill>
                   <a:srgbClr val="000000"/>
                 </a:solidFill>
@@ -8753,7 +9443,7 @@
               <a:t>помогает</a:t>
             </a:r>
             <a:r>
-              <a:rPr b="0" lang="en-US" sz="1100" spc="-55" strike="noStrike">
+              <a:rPr lang="en-US" sz="1100" b="0" strike="noStrike" spc="-55">
                 <a:solidFill>
                   <a:srgbClr val="000000"/>
                 </a:solidFill>
@@ -8762,7 +9452,7 @@
               <a:t> </a:t>
             </a:r>
             <a:r>
-              <a:rPr b="0" lang="en-US" sz="1100" spc="-1" strike="noStrike">
+              <a:rPr lang="en-US" sz="1100" b="0" strike="noStrike" spc="-1">
                 <a:solidFill>
                   <a:srgbClr val="000000"/>
                 </a:solidFill>
@@ -8771,7 +9461,7 @@
               <a:t>закрыть</a:t>
             </a:r>
             <a:r>
-              <a:rPr b="0" lang="en-US" sz="1100" spc="-52" strike="noStrike">
+              <a:rPr lang="en-US" sz="1100" b="0" strike="noStrike" spc="-52">
                 <a:solidFill>
                   <a:srgbClr val="000000"/>
                 </a:solidFill>
@@ -8780,7 +9470,7 @@
               <a:t> </a:t>
             </a:r>
             <a:r>
-              <a:rPr b="0" lang="en-US" sz="1100" spc="-1" strike="noStrike">
+              <a:rPr lang="en-US" sz="1100" b="0" strike="noStrike" spc="-1">
                 <a:solidFill>
                   <a:srgbClr val="000000"/>
                 </a:solidFill>
@@ -8789,7 +9479,7 @@
               <a:t>потребности</a:t>
             </a:r>
             <a:r>
-              <a:rPr b="0" lang="en-US" sz="1100" spc="-55" strike="noStrike">
+              <a:rPr lang="en-US" sz="1100" b="0" strike="noStrike" spc="-55">
                 <a:solidFill>
                   <a:srgbClr val="000000"/>
                 </a:solidFill>
@@ -8798,7 +9488,7 @@
               <a:t> </a:t>
             </a:r>
             <a:r>
-              <a:rPr b="0" lang="en-US" sz="1100" spc="-1" strike="noStrike">
+              <a:rPr lang="en-US" sz="1100" b="0" strike="noStrike" spc="-1">
                 <a:solidFill>
                   <a:srgbClr val="000000"/>
                 </a:solidFill>
@@ -8807,7 +9497,7 @@
               <a:t>потенциального</a:t>
             </a:r>
             <a:r>
-              <a:rPr b="0" lang="en-US" sz="1100" spc="-46" strike="noStrike">
+              <a:rPr lang="en-US" sz="1100" b="0" strike="noStrike" spc="-46">
                 <a:solidFill>
                   <a:srgbClr val="000000"/>
                 </a:solidFill>
@@ -8816,7 +9506,7 @@
               <a:t> </a:t>
             </a:r>
             <a:r>
-              <a:rPr b="0" lang="en-US" sz="1100" spc="-12" strike="noStrike">
+              <a:rPr lang="en-US" sz="1100" b="0" strike="noStrike" spc="-12">
                 <a:solidFill>
                   <a:srgbClr val="000000"/>
                 </a:solidFill>
@@ -8824,7 +9514,7 @@
               </a:rPr>
               <a:t>клиента</a:t>
             </a:r>
-            <a:endParaRPr b="0" lang="en-US" sz="1100" spc="-1" strike="noStrike">
+            <a:endParaRPr lang="en-US" sz="1100" b="0" strike="noStrike" spc="-1">
               <a:solidFill>
                 <a:srgbClr val="000000"/>
               </a:solidFill>
@@ -8835,11 +9525,14 @@
       </p:sp>
     </p:spTree>
   </p:cSld>
-  <mc:AlternateContent>
+  <p:clrMapOvr>
+    <a:masterClrMapping/>
+  </p:clrMapOvr>
+  <mc:AlternateContent xmlns:mc="http://schemas.openxmlformats.org/markup-compatibility/2006" xmlns:p14="http://schemas.microsoft.com/office/powerpoint/2010/main">
     <mc:Choice Requires="p14">
       <p:transition spd="slow" p14:dur="2000"/>
     </mc:Choice>
-    <mc:Fallback>
+    <mc:Fallback xmlns:p15="http://schemas.microsoft.com/office/powerpoint/2012/main" xmlns="">
       <p:transition spd="slow"/>
     </mc:Fallback>
   </mc:AlternateContent>
@@ -8847,7 +9540,7 @@
 </file>
 
 <file path=ppt/slides/slide5.xml><?xml version="1.0" encoding="utf-8"?>
-<p:sld xmlns:a="http://schemas.openxmlformats.org/drawingml/2006/main" xmlns:p="http://schemas.openxmlformats.org/presentationml/2006/main" xmlns:r="http://schemas.openxmlformats.org/officeDocument/2006/relationships" xmlns:p14="http://schemas.microsoft.com/office/powerpoint/2010/main" xmlns:p15="http://schemas.microsoft.com/office/powerpoint/2012/main" xmlns:mc="http://schemas.openxmlformats.org/markup-compatibility/2006" showMasterSp="0">
+<p:sld xmlns:a="http://schemas.openxmlformats.org/drawingml/2006/main" xmlns:r="http://schemas.openxmlformats.org/officeDocument/2006/relationships" xmlns:p="http://schemas.openxmlformats.org/presentationml/2006/main" showMasterSp="0">
   <p:cSld>
     <p:spTree>
       <p:nvGrpSpPr>
@@ -8887,9 +9580,10 @@
           </a:ln>
         </p:spPr>
         <p:txBody>
-          <a:bodyPr lIns="0" rIns="0" tIns="12600" bIns="0" anchor="t">
+          <a:bodyPr lIns="0" tIns="12600" rIns="0" bIns="0" anchor="t">
             <a:noAutofit/>
           </a:bodyPr>
+          <a:lstStyle/>
           <a:p>
             <a:pPr marL="12600" indent="0">
               <a:lnSpc>
@@ -8900,11 +9594,11 @@
               </a:spcBef>
               <a:buNone/>
               <a:tabLst>
-                <a:tab algn="l" pos="0"/>
+                <a:tab pos="0" algn="l"/>
               </a:tabLst>
             </a:pPr>
             <a:r>
-              <a:rPr b="0" lang="en-US" sz="2500" spc="-12" strike="noStrike">
+              <a:rPr lang="en-US" sz="2500" b="0" strike="noStrike" spc="-12">
                 <a:solidFill>
                   <a:schemeClr val="dk1"/>
                 </a:solidFill>
@@ -8912,7 +9606,7 @@
               </a:rPr>
               <a:t>Рынок</a:t>
             </a:r>
-            <a:endParaRPr b="0" lang="en-US" sz="2500" spc="-1" strike="noStrike">
+            <a:endParaRPr lang="en-US" sz="2500" b="0" strike="noStrike" spc="-1">
               <a:solidFill>
                 <a:srgbClr val="000000"/>
               </a:solidFill>
@@ -8941,15 +9635,22 @@
           </a:ln>
         </p:spPr>
         <p:style>
-          <a:lnRef idx="0"/>
-          <a:fillRef idx="0"/>
-          <a:effectRef idx="0"/>
+          <a:lnRef idx="0">
+            <a:scrgbClr r="0" g="0" b="0"/>
+          </a:lnRef>
+          <a:fillRef idx="0">
+            <a:scrgbClr r="0" g="0" b="0"/>
+          </a:fillRef>
+          <a:effectRef idx="0">
+            <a:scrgbClr r="0" g="0" b="0"/>
+          </a:effectRef>
           <a:fontRef idx="minor"/>
         </p:style>
         <p:txBody>
-          <a:bodyPr lIns="0" rIns="0" tIns="12600" bIns="0" anchor="t">
+          <a:bodyPr lIns="0" tIns="12600" rIns="0" bIns="0" anchor="t">
             <a:spAutoFit/>
           </a:bodyPr>
+          <a:lstStyle/>
           <a:p>
             <a:pPr marL="12600">
               <a:lnSpc>
@@ -8960,7 +9661,7 @@
               </a:spcBef>
             </a:pPr>
             <a:r>
-              <a:rPr b="0" lang="en-US" sz="1100" spc="-1" strike="noStrike">
+              <a:rPr lang="en-US" sz="1100" b="0" strike="noStrike" spc="-1">
                 <a:solidFill>
                   <a:srgbClr val="000000"/>
                 </a:solidFill>
@@ -8969,7 +9670,7 @@
               <a:t>Размер</a:t>
             </a:r>
             <a:r>
-              <a:rPr b="0" lang="en-US" sz="1100" spc="-26" strike="noStrike">
+              <a:rPr lang="en-US" sz="1100" b="0" strike="noStrike" spc="-26">
                 <a:solidFill>
                   <a:srgbClr val="000000"/>
                 </a:solidFill>
@@ -8978,7 +9679,7 @@
               <a:t> </a:t>
             </a:r>
             <a:r>
-              <a:rPr b="0" lang="en-US" sz="1100" spc="-1" strike="noStrike">
+              <a:rPr lang="en-US" sz="1100" b="0" strike="noStrike" spc="-1">
                 <a:solidFill>
                   <a:srgbClr val="000000"/>
                 </a:solidFill>
@@ -8987,7 +9688,7 @@
               <a:t>рынка.</a:t>
             </a:r>
             <a:r>
-              <a:rPr b="0" lang="en-US" sz="1100" spc="-32" strike="noStrike">
+              <a:rPr lang="en-US" sz="1100" b="0" strike="noStrike" spc="-32">
                 <a:solidFill>
                   <a:srgbClr val="000000"/>
                 </a:solidFill>
@@ -8996,7 +9697,7 @@
               <a:t> </a:t>
             </a:r>
             <a:r>
-              <a:rPr b="0" lang="en-US" sz="1100" spc="-1" strike="noStrike">
+              <a:rPr lang="en-US" sz="1100" b="0" strike="noStrike" spc="-1">
                 <a:solidFill>
                   <a:srgbClr val="000000"/>
                 </a:solidFill>
@@ -9005,7 +9706,7 @@
               <a:t>TAM</a:t>
             </a:r>
             <a:r>
-              <a:rPr b="0" lang="en-US" sz="1100" spc="-26" strike="noStrike">
+              <a:rPr lang="en-US" sz="1100" b="0" strike="noStrike" spc="-26">
                 <a:solidFill>
                   <a:srgbClr val="000000"/>
                 </a:solidFill>
@@ -9014,7 +9715,7 @@
               <a:t> </a:t>
             </a:r>
             <a:r>
-              <a:rPr b="0" lang="en-US" sz="1100" spc="-1" strike="noStrike">
+              <a:rPr lang="en-US" sz="1100" b="0" strike="noStrike" spc="-1">
                 <a:solidFill>
                   <a:srgbClr val="000000"/>
                 </a:solidFill>
@@ -9023,7 +9724,7 @@
               <a:t>-</a:t>
             </a:r>
             <a:r>
-              <a:rPr b="0" lang="en-US" sz="1100" spc="-21" strike="noStrike">
+              <a:rPr lang="en-US" sz="1100" b="0" strike="noStrike" spc="-21">
                 <a:solidFill>
                   <a:srgbClr val="000000"/>
                 </a:solidFill>
@@ -9032,7 +9733,7 @@
               <a:t> </a:t>
             </a:r>
             <a:r>
-              <a:rPr b="0" lang="en-US" sz="1100" spc="-1" strike="noStrike">
+              <a:rPr lang="en-US" sz="1100" b="0" strike="noStrike" spc="-1">
                 <a:solidFill>
                   <a:srgbClr val="000000"/>
                 </a:solidFill>
@@ -9041,7 +9742,7 @@
               <a:t>SAM</a:t>
             </a:r>
             <a:r>
-              <a:rPr b="0" lang="en-US" sz="1100" spc="-26" strike="noStrike">
+              <a:rPr lang="en-US" sz="1100" b="0" strike="noStrike" spc="-26">
                 <a:solidFill>
                   <a:srgbClr val="000000"/>
                 </a:solidFill>
@@ -9050,7 +9751,7 @@
               <a:t> </a:t>
             </a:r>
             <a:r>
-              <a:rPr b="0" lang="en-US" sz="1100" spc="-1" strike="noStrike">
+              <a:rPr lang="en-US" sz="1100" b="0" strike="noStrike" spc="-1">
                 <a:solidFill>
                   <a:srgbClr val="000000"/>
                 </a:solidFill>
@@ -9059,7 +9760,7 @@
               <a:t>-</a:t>
             </a:r>
             <a:r>
-              <a:rPr b="0" lang="en-US" sz="1100" spc="-26" strike="noStrike">
+              <a:rPr lang="en-US" sz="1100" b="0" strike="noStrike" spc="-26">
                 <a:solidFill>
                   <a:srgbClr val="000000"/>
                 </a:solidFill>
@@ -9067,7 +9768,7 @@
               </a:rPr>
               <a:t> SOM</a:t>
             </a:r>
-            <a:endParaRPr b="0" lang="en-US" sz="1100" spc="-1" strike="noStrike">
+            <a:endParaRPr lang="en-US" sz="1100" b="0" strike="noStrike" spc="-1">
               <a:solidFill>
                 <a:srgbClr val="000000"/>
               </a:solidFill>
@@ -9078,11 +9779,14 @@
       </p:sp>
     </p:spTree>
   </p:cSld>
-  <mc:AlternateContent>
+  <p:clrMapOvr>
+    <a:masterClrMapping/>
+  </p:clrMapOvr>
+  <mc:AlternateContent xmlns:mc="http://schemas.openxmlformats.org/markup-compatibility/2006" xmlns:p14="http://schemas.microsoft.com/office/powerpoint/2010/main">
     <mc:Choice Requires="p14">
       <p:transition spd="slow" p14:dur="2000"/>
     </mc:Choice>
-    <mc:Fallback>
+    <mc:Fallback xmlns:p15="http://schemas.microsoft.com/office/powerpoint/2012/main" xmlns="">
       <p:transition spd="slow"/>
     </mc:Fallback>
   </mc:AlternateContent>
@@ -9090,7 +9794,7 @@
 </file>
 
 <file path=ppt/slides/slide6.xml><?xml version="1.0" encoding="utf-8"?>
-<p:sld xmlns:a="http://schemas.openxmlformats.org/drawingml/2006/main" xmlns:p="http://schemas.openxmlformats.org/presentationml/2006/main" xmlns:r="http://schemas.openxmlformats.org/officeDocument/2006/relationships" xmlns:p14="http://schemas.microsoft.com/office/powerpoint/2010/main" xmlns:p15="http://schemas.microsoft.com/office/powerpoint/2012/main" xmlns:mc="http://schemas.openxmlformats.org/markup-compatibility/2006" showMasterSp="0">
+<p:sld xmlns:a="http://schemas.openxmlformats.org/drawingml/2006/main" xmlns:r="http://schemas.openxmlformats.org/officeDocument/2006/relationships" xmlns:p="http://schemas.openxmlformats.org/presentationml/2006/main" showMasterSp="0">
   <p:cSld>
     <p:spTree>
       <p:nvGrpSpPr>
@@ -9130,9 +9834,10 @@
           </a:ln>
         </p:spPr>
         <p:txBody>
-          <a:bodyPr lIns="0" rIns="0" tIns="12600" bIns="0" anchor="t">
+          <a:bodyPr lIns="0" tIns="12600" rIns="0" bIns="0" anchor="t">
             <a:noAutofit/>
           </a:bodyPr>
+          <a:lstStyle/>
           <a:p>
             <a:pPr marL="12600" indent="0">
               <a:lnSpc>
@@ -9143,11 +9848,11 @@
               </a:spcBef>
               <a:buNone/>
               <a:tabLst>
-                <a:tab algn="l" pos="0"/>
+                <a:tab pos="0" algn="l"/>
               </a:tabLst>
             </a:pPr>
             <a:r>
-              <a:rPr b="0" lang="en-US" sz="2500" spc="-12" strike="noStrike">
+              <a:rPr lang="en-US" sz="2500" b="0" strike="noStrike" spc="-12">
                 <a:solidFill>
                   <a:schemeClr val="dk1"/>
                 </a:solidFill>
@@ -9155,7 +9860,7 @@
               </a:rPr>
               <a:t>Конкуренты</a:t>
             </a:r>
-            <a:endParaRPr b="0" lang="en-US" sz="2500" spc="-1" strike="noStrike">
+            <a:endParaRPr lang="en-US" sz="2500" b="0" strike="noStrike" spc="-1">
               <a:solidFill>
                 <a:srgbClr val="000000"/>
               </a:solidFill>
@@ -9184,15 +9889,22 @@
           </a:ln>
         </p:spPr>
         <p:style>
-          <a:lnRef idx="0"/>
-          <a:fillRef idx="0"/>
-          <a:effectRef idx="0"/>
+          <a:lnRef idx="0">
+            <a:scrgbClr r="0" g="0" b="0"/>
+          </a:lnRef>
+          <a:fillRef idx="0">
+            <a:scrgbClr r="0" g="0" b="0"/>
+          </a:fillRef>
+          <a:effectRef idx="0">
+            <a:scrgbClr r="0" g="0" b="0"/>
+          </a:effectRef>
           <a:fontRef idx="minor"/>
         </p:style>
         <p:txBody>
-          <a:bodyPr lIns="0" rIns="0" tIns="12600" bIns="0" anchor="t">
+          <a:bodyPr lIns="0" tIns="12600" rIns="0" bIns="0" anchor="t">
             <a:spAutoFit/>
           </a:bodyPr>
+          <a:lstStyle/>
           <a:p>
             <a:pPr marL="12600">
               <a:lnSpc>
@@ -9203,7 +9915,7 @@
               </a:spcBef>
             </a:pPr>
             <a:r>
-              <a:rPr b="0" lang="en-US" sz="1100" spc="-1" strike="noStrike">
+              <a:rPr lang="en-US" sz="1100" b="0" strike="noStrike" spc="-1">
                 <a:solidFill>
                   <a:srgbClr val="000000"/>
                 </a:solidFill>
@@ -9212,7 +9924,7 @@
               <a:t>Текущие</a:t>
             </a:r>
             <a:r>
-              <a:rPr b="0" lang="en-US" sz="1100" spc="-55" strike="noStrike">
+              <a:rPr lang="en-US" sz="1100" b="0" strike="noStrike" spc="-55">
                 <a:solidFill>
                   <a:srgbClr val="000000"/>
                 </a:solidFill>
@@ -9221,7 +9933,7 @@
               <a:t> </a:t>
             </a:r>
             <a:r>
-              <a:rPr b="0" lang="en-US" sz="1100" spc="-1" strike="noStrike">
+              <a:rPr lang="en-US" sz="1100" b="0" strike="noStrike" spc="-1">
                 <a:solidFill>
                   <a:srgbClr val="000000"/>
                 </a:solidFill>
@@ -9230,7 +9942,7 @@
               <a:t>конкуренты,</a:t>
             </a:r>
             <a:r>
-              <a:rPr b="0" lang="en-US" sz="1100" spc="-60" strike="noStrike">
+              <a:rPr lang="en-US" sz="1100" b="0" strike="noStrike" spc="-60">
                 <a:solidFill>
                   <a:srgbClr val="000000"/>
                 </a:solidFill>
@@ -9239,7 +9951,7 @@
               <a:t> </a:t>
             </a:r>
             <a:r>
-              <a:rPr b="0" lang="en-US" sz="1100" spc="-1" strike="noStrike">
+              <a:rPr lang="en-US" sz="1100" b="0" strike="noStrike" spc="-1">
                 <a:solidFill>
                   <a:srgbClr val="000000"/>
                 </a:solidFill>
@@ -9248,7 +9960,7 @@
               <a:t>ключевые</a:t>
             </a:r>
             <a:r>
-              <a:rPr b="0" lang="en-US" sz="1100" spc="-52" strike="noStrike">
+              <a:rPr lang="en-US" sz="1100" b="0" strike="noStrike" spc="-52">
                 <a:solidFill>
                   <a:srgbClr val="000000"/>
                 </a:solidFill>
@@ -9257,7 +9969,7 @@
               <a:t> </a:t>
             </a:r>
             <a:r>
-              <a:rPr b="0" lang="en-US" sz="1100" spc="-1" strike="noStrike">
+              <a:rPr lang="en-US" sz="1100" b="0" strike="noStrike" spc="-1">
                 <a:solidFill>
                   <a:srgbClr val="000000"/>
                 </a:solidFill>
@@ -9266,7 +9978,7 @@
               <a:t>конкурентные</a:t>
             </a:r>
             <a:r>
-              <a:rPr b="0" lang="en-US" sz="1100" spc="-55" strike="noStrike">
+              <a:rPr lang="en-US" sz="1100" b="0" strike="noStrike" spc="-55">
                 <a:solidFill>
                   <a:srgbClr val="000000"/>
                 </a:solidFill>
@@ -9275,7 +9987,7 @@
               <a:t> </a:t>
             </a:r>
             <a:r>
-              <a:rPr b="0" lang="en-US" sz="1100" spc="-12" strike="noStrike">
+              <a:rPr lang="en-US" sz="1100" b="0" strike="noStrike" spc="-12">
                 <a:solidFill>
                   <a:srgbClr val="000000"/>
                 </a:solidFill>
@@ -9283,7 +9995,7 @@
               </a:rPr>
               <a:t>преимущества</a:t>
             </a:r>
-            <a:endParaRPr b="0" lang="en-US" sz="1100" spc="-1" strike="noStrike">
+            <a:endParaRPr lang="en-US" sz="1100" b="0" strike="noStrike" spc="-1">
               <a:solidFill>
                 <a:srgbClr val="000000"/>
               </a:solidFill>
@@ -9294,11 +10006,14 @@
       </p:sp>
     </p:spTree>
   </p:cSld>
-  <mc:AlternateContent>
+  <p:clrMapOvr>
+    <a:masterClrMapping/>
+  </p:clrMapOvr>
+  <mc:AlternateContent xmlns:mc="http://schemas.openxmlformats.org/markup-compatibility/2006" xmlns:p14="http://schemas.microsoft.com/office/powerpoint/2010/main">
     <mc:Choice Requires="p14">
       <p:transition spd="slow" p14:dur="2000"/>
     </mc:Choice>
-    <mc:Fallback>
+    <mc:Fallback xmlns:p15="http://schemas.microsoft.com/office/powerpoint/2012/main" xmlns="">
       <p:transition spd="slow"/>
     </mc:Fallback>
   </mc:AlternateContent>
@@ -9306,7 +10021,7 @@
 </file>
 
 <file path=ppt/slides/slide7.xml><?xml version="1.0" encoding="utf-8"?>
-<p:sld xmlns:a="http://schemas.openxmlformats.org/drawingml/2006/main" xmlns:p="http://schemas.openxmlformats.org/presentationml/2006/main" xmlns:r="http://schemas.openxmlformats.org/officeDocument/2006/relationships" xmlns:p14="http://schemas.microsoft.com/office/powerpoint/2010/main" xmlns:p15="http://schemas.microsoft.com/office/powerpoint/2012/main" xmlns:mc="http://schemas.openxmlformats.org/markup-compatibility/2006" showMasterSp="0">
+<p:sld xmlns:a="http://schemas.openxmlformats.org/drawingml/2006/main" xmlns:r="http://schemas.openxmlformats.org/officeDocument/2006/relationships" xmlns:p="http://schemas.openxmlformats.org/presentationml/2006/main" showMasterSp="0">
   <p:cSld>
     <p:spTree>
       <p:nvGrpSpPr>
@@ -9346,9 +10061,10 @@
           </a:ln>
         </p:spPr>
         <p:txBody>
-          <a:bodyPr lIns="0" rIns="0" tIns="12600" bIns="0" anchor="t">
+          <a:bodyPr lIns="0" tIns="12600" rIns="0" bIns="0" anchor="t">
             <a:noAutofit/>
           </a:bodyPr>
+          <a:lstStyle/>
           <a:p>
             <a:pPr marL="12600" indent="0">
               <a:lnSpc>
@@ -9359,11 +10075,11 @@
               </a:spcBef>
               <a:buNone/>
               <a:tabLst>
-                <a:tab algn="l" pos="0"/>
+                <a:tab pos="0" algn="l"/>
               </a:tabLst>
             </a:pPr>
             <a:r>
-              <a:rPr b="0" lang="en-US" sz="2500" spc="-21" strike="noStrike">
+              <a:rPr lang="en-US" sz="2500" b="0" strike="noStrike" spc="-21" dirty="0" err="1">
                 <a:solidFill>
                   <a:schemeClr val="dk1"/>
                 </a:solidFill>
@@ -9372,7 +10088,7 @@
               <a:t>Бизнес-</a:t>
             </a:r>
             <a:r>
-              <a:rPr b="0" lang="en-US" sz="2500" spc="-1" strike="noStrike">
+              <a:rPr lang="en-US" sz="2500" b="0" strike="noStrike" spc="-1" dirty="0" err="1">
                 <a:solidFill>
                   <a:schemeClr val="dk1"/>
                 </a:solidFill>
@@ -9381,7 +10097,7 @@
               <a:t>модель</a:t>
             </a:r>
             <a:r>
-              <a:rPr b="0" lang="en-US" sz="2500" spc="-21" strike="noStrike">
+              <a:rPr lang="en-US" sz="2500" b="0" strike="noStrike" spc="-21" dirty="0">
                 <a:solidFill>
                   <a:schemeClr val="dk1"/>
                 </a:solidFill>
@@ -9390,7 +10106,7 @@
               <a:t> </a:t>
             </a:r>
             <a:r>
-              <a:rPr b="0" lang="en-US" sz="2500" spc="-1" strike="noStrike">
+              <a:rPr lang="en-US" sz="2500" b="0" strike="noStrike" spc="-1" dirty="0">
                 <a:solidFill>
                   <a:schemeClr val="dk1"/>
                 </a:solidFill>
@@ -9399,7 +10115,7 @@
               <a:t>и</a:t>
             </a:r>
             <a:r>
-              <a:rPr b="0" lang="en-US" sz="2500" spc="-15" strike="noStrike">
+              <a:rPr lang="en-US" sz="2500" b="0" strike="noStrike" spc="-15" dirty="0">
                 <a:solidFill>
                   <a:schemeClr val="dk1"/>
                 </a:solidFill>
@@ -9408,7 +10124,7 @@
               <a:t> </a:t>
             </a:r>
             <a:r>
-              <a:rPr b="0" lang="en-US" sz="2500" spc="-12" strike="noStrike">
+              <a:rPr lang="en-US" sz="2500" b="0" strike="noStrike" spc="-12" dirty="0" err="1">
                 <a:solidFill>
                   <a:schemeClr val="dk1"/>
                 </a:solidFill>
@@ -9416,7 +10132,7 @@
               </a:rPr>
               <a:t>ценообразование</a:t>
             </a:r>
-            <a:endParaRPr b="0" lang="en-US" sz="2500" spc="-1" strike="noStrike">
+            <a:endParaRPr lang="en-US" sz="2500" b="0" strike="noStrike" spc="-1" dirty="0">
               <a:solidFill>
                 <a:srgbClr val="000000"/>
               </a:solidFill>
@@ -9445,15 +10161,22 @@
           </a:ln>
         </p:spPr>
         <p:style>
-          <a:lnRef idx="0"/>
-          <a:fillRef idx="0"/>
-          <a:effectRef idx="0"/>
+          <a:lnRef idx="0">
+            <a:scrgbClr r="0" g="0" b="0"/>
+          </a:lnRef>
+          <a:fillRef idx="0">
+            <a:scrgbClr r="0" g="0" b="0"/>
+          </a:fillRef>
+          <a:effectRef idx="0">
+            <a:scrgbClr r="0" g="0" b="0"/>
+          </a:effectRef>
           <a:fontRef idx="minor"/>
         </p:style>
         <p:txBody>
-          <a:bodyPr lIns="0" rIns="0" tIns="12600" bIns="0" anchor="t">
+          <a:bodyPr lIns="0" tIns="12600" rIns="0" bIns="0" anchor="t">
             <a:spAutoFit/>
           </a:bodyPr>
+          <a:lstStyle/>
           <a:p>
             <a:pPr marL="12600">
               <a:lnSpc>
@@ -9464,7 +10187,7 @@
               </a:spcBef>
             </a:pPr>
             <a:r>
-              <a:rPr b="0" lang="en-US" sz="1100" spc="-12" strike="noStrike">
+              <a:rPr lang="en-US" sz="1100" b="0" strike="noStrike" spc="-12" dirty="0" err="1">
                 <a:solidFill>
                   <a:srgbClr val="000000"/>
                 </a:solidFill>
@@ -9473,7 +10196,7 @@
               <a:t>Бизнес-</a:t>
             </a:r>
             <a:r>
-              <a:rPr b="0" lang="en-US" sz="1100" spc="-1" strike="noStrike">
+              <a:rPr lang="en-US" sz="1100" b="0" strike="noStrike" spc="-1" dirty="0" err="1">
                 <a:solidFill>
                   <a:srgbClr val="000000"/>
                 </a:solidFill>
@@ -9482,7 +10205,7 @@
               <a:t>модель</a:t>
             </a:r>
             <a:r>
-              <a:rPr b="0" lang="en-US" sz="1100" spc="-32" strike="noStrike">
+              <a:rPr lang="en-US" sz="1100" b="0" strike="noStrike" spc="-32" dirty="0">
                 <a:solidFill>
                   <a:srgbClr val="000000"/>
                 </a:solidFill>
@@ -9491,16 +10214,25 @@
               <a:t> </a:t>
             </a:r>
             <a:r>
-              <a:rPr b="0" lang="en-US" sz="1100" spc="-1" strike="noStrike">
-                <a:solidFill>
-                  <a:srgbClr val="000000"/>
-                </a:solidFill>
-                <a:latin typeface="Arial"/>
-              </a:rPr>
-              <a:t>стартапа,</a:t>
-            </a:r>
-            <a:r>
-              <a:rPr b="0" lang="en-US" sz="1100" spc="-41" strike="noStrike">
+              <a:rPr lang="en-US" sz="1100" b="0" strike="noStrike" spc="-1" dirty="0" err="1">
+                <a:solidFill>
+                  <a:srgbClr val="000000"/>
+                </a:solidFill>
+                <a:latin typeface="Arial"/>
+              </a:rPr>
+              <a:t>стартапа</a:t>
+            </a:r>
+            <a:r>
+              <a:rPr lang="en-US" sz="1100" b="0" strike="noStrike" spc="-1" dirty="0">
+                <a:solidFill>
+                  <a:srgbClr val="000000"/>
+                </a:solidFill>
+                <a:latin typeface="Arial"/>
+              </a:rPr>
+              <a:t>,</a:t>
+            </a:r>
+            <a:r>
+              <a:rPr lang="en-US" sz="1100" b="0" strike="noStrike" spc="-41" dirty="0">
                 <a:solidFill>
                   <a:srgbClr val="000000"/>
                 </a:solidFill>
@@ -9509,16 +10241,25 @@
               <a:t> </a:t>
             </a:r>
             <a:r>
-              <a:rPr b="0" lang="en-US" sz="1100" spc="-1" strike="noStrike">
-                <a:solidFill>
-                  <a:srgbClr val="000000"/>
-                </a:solidFill>
-                <a:latin typeface="Arial"/>
-              </a:rPr>
-              <a:t>тарифы,</a:t>
-            </a:r>
-            <a:r>
-              <a:rPr b="0" lang="en-US" sz="1100" spc="-41" strike="noStrike">
+              <a:rPr lang="en-US" sz="1100" b="0" strike="noStrike" spc="-1" dirty="0" err="1">
+                <a:solidFill>
+                  <a:srgbClr val="000000"/>
+                </a:solidFill>
+                <a:latin typeface="Arial"/>
+              </a:rPr>
+              <a:t>тарифы</a:t>
+            </a:r>
+            <a:r>
+              <a:rPr lang="en-US" sz="1100" b="0" strike="noStrike" spc="-1" dirty="0">
+                <a:solidFill>
+                  <a:srgbClr val="000000"/>
+                </a:solidFill>
+                <a:latin typeface="Arial"/>
+              </a:rPr>
+              <a:t>,</a:t>
+            </a:r>
+            <a:r>
+              <a:rPr lang="en-US" sz="1100" b="0" strike="noStrike" spc="-41" dirty="0">
                 <a:solidFill>
                   <a:srgbClr val="000000"/>
                 </a:solidFill>
@@ -9527,7 +10268,7 @@
               <a:t> </a:t>
             </a:r>
             <a:r>
-              <a:rPr b="0" lang="en-US" sz="1100" spc="-1" strike="noStrike">
+              <a:rPr lang="en-US" sz="1100" b="0" strike="noStrike" spc="-1" dirty="0" err="1">
                 <a:solidFill>
                   <a:srgbClr val="000000"/>
                 </a:solidFill>
@@ -9536,7 +10277,7 @@
               <a:t>условия</a:t>
             </a:r>
             <a:r>
-              <a:rPr b="0" lang="en-US" sz="1100" spc="-26" strike="noStrike">
+              <a:rPr lang="en-US" sz="1100" b="0" strike="noStrike" spc="-26" dirty="0">
                 <a:solidFill>
                   <a:srgbClr val="000000"/>
                 </a:solidFill>
@@ -9545,7 +10286,7 @@
               <a:t> </a:t>
             </a:r>
             <a:r>
-              <a:rPr b="0" lang="en-US" sz="1100" spc="-1" strike="noStrike">
+              <a:rPr lang="en-US" sz="1100" b="0" strike="noStrike" spc="-1" dirty="0" err="1">
                 <a:solidFill>
                   <a:srgbClr val="000000"/>
                 </a:solidFill>
@@ -9554,7 +10295,7 @@
               <a:t>для</a:t>
             </a:r>
             <a:r>
-              <a:rPr b="0" lang="en-US" sz="1100" spc="-32" strike="noStrike">
+              <a:rPr lang="en-US" sz="1100" b="0" strike="noStrike" spc="-32" dirty="0">
                 <a:solidFill>
                   <a:srgbClr val="000000"/>
                 </a:solidFill>
@@ -9563,7 +10304,7 @@
               <a:t> </a:t>
             </a:r>
             <a:r>
-              <a:rPr b="0" lang="en-US" sz="1100" spc="-12" strike="noStrike">
+              <a:rPr lang="en-US" sz="1100" b="0" strike="noStrike" spc="-12" dirty="0" err="1">
                 <a:solidFill>
                   <a:srgbClr val="000000"/>
                 </a:solidFill>
@@ -9571,7 +10312,7 @@
               </a:rPr>
               <a:t>клиентов</a:t>
             </a:r>
-            <a:endParaRPr b="0" lang="en-US" sz="1100" spc="-1" strike="noStrike">
+            <a:endParaRPr lang="en-US" sz="1100" b="0" strike="noStrike" spc="-1" dirty="0">
               <a:solidFill>
                 <a:srgbClr val="000000"/>
               </a:solidFill>
@@ -9582,11 +10323,14 @@
       </p:sp>
     </p:spTree>
   </p:cSld>
-  <mc:AlternateContent>
+  <p:clrMapOvr>
+    <a:masterClrMapping/>
+  </p:clrMapOvr>
+  <mc:AlternateContent xmlns:mc="http://schemas.openxmlformats.org/markup-compatibility/2006" xmlns:p14="http://schemas.microsoft.com/office/powerpoint/2010/main">
     <mc:Choice Requires="p14">
       <p:transition spd="slow" p14:dur="2000"/>
     </mc:Choice>
-    <mc:Fallback>
+    <mc:Fallback xmlns:p15="http://schemas.microsoft.com/office/powerpoint/2012/main" xmlns="">
       <p:transition spd="slow"/>
     </mc:Fallback>
   </mc:AlternateContent>
@@ -9594,7 +10338,7 @@
 </file>
 
 <file path=ppt/slides/slide8.xml><?xml version="1.0" encoding="utf-8"?>
-<p:sld xmlns:a="http://schemas.openxmlformats.org/drawingml/2006/main" xmlns:p="http://schemas.openxmlformats.org/presentationml/2006/main" xmlns:r="http://schemas.openxmlformats.org/officeDocument/2006/relationships" xmlns:p14="http://schemas.microsoft.com/office/powerpoint/2010/main" xmlns:p15="http://schemas.microsoft.com/office/powerpoint/2012/main" xmlns:mc="http://schemas.openxmlformats.org/markup-compatibility/2006" showMasterSp="0">
+<p:sld xmlns:a="http://schemas.openxmlformats.org/drawingml/2006/main" xmlns:r="http://schemas.openxmlformats.org/officeDocument/2006/relationships" xmlns:p="http://schemas.openxmlformats.org/presentationml/2006/main" showMasterSp="0">
   <p:cSld>
     <p:spTree>
       <p:nvGrpSpPr>
@@ -9634,9 +10378,10 @@
           </a:ln>
         </p:spPr>
         <p:txBody>
-          <a:bodyPr lIns="0" rIns="0" tIns="12600" bIns="0" anchor="t">
+          <a:bodyPr lIns="0" tIns="12600" rIns="0" bIns="0" anchor="t">
             <a:noAutofit/>
           </a:bodyPr>
+          <a:lstStyle/>
           <a:p>
             <a:pPr marL="12600" indent="0">
               <a:lnSpc>
@@ -9647,11 +10392,11 @@
               </a:spcBef>
               <a:buNone/>
               <a:tabLst>
-                <a:tab algn="l" pos="0"/>
+                <a:tab pos="0" algn="l"/>
               </a:tabLst>
             </a:pPr>
             <a:r>
-              <a:rPr b="0" lang="en-US" sz="2500" spc="-1" strike="noStrike">
+              <a:rPr lang="en-US" sz="2500" b="0" strike="noStrike" spc="-1">
                 <a:solidFill>
                   <a:schemeClr val="dk1"/>
                 </a:solidFill>
@@ -9660,7 +10405,7 @@
               <a:t>Трекшн</a:t>
             </a:r>
             <a:r>
-              <a:rPr b="0" lang="en-US" sz="2500" spc="-32" strike="noStrike">
+              <a:rPr lang="en-US" sz="2500" b="0" strike="noStrike" spc="-32">
                 <a:solidFill>
                   <a:schemeClr val="dk1"/>
                 </a:solidFill>
@@ -9669,7 +10414,7 @@
               <a:t> </a:t>
             </a:r>
             <a:r>
-              <a:rPr b="0" lang="en-US" sz="2500" spc="-1" strike="noStrike">
+              <a:rPr lang="en-US" sz="2500" b="0" strike="noStrike" spc="-1">
                 <a:solidFill>
                   <a:schemeClr val="dk1"/>
                 </a:solidFill>
@@ -9678,7 +10423,7 @@
               <a:t>и</a:t>
             </a:r>
             <a:r>
-              <a:rPr b="0" lang="en-US" sz="2500" spc="-15" strike="noStrike">
+              <a:rPr lang="en-US" sz="2500" b="0" strike="noStrike" spc="-15">
                 <a:solidFill>
                   <a:schemeClr val="dk1"/>
                 </a:solidFill>
@@ -9687,7 +10432,7 @@
               <a:t> </a:t>
             </a:r>
             <a:r>
-              <a:rPr b="0" lang="en-US" sz="2500" spc="-12" strike="noStrike">
+              <a:rPr lang="en-US" sz="2500" b="0" strike="noStrike" spc="-12">
                 <a:solidFill>
                   <a:schemeClr val="dk1"/>
                 </a:solidFill>
@@ -9695,7 +10440,7 @@
               </a:rPr>
               <a:t>финансы</a:t>
             </a:r>
-            <a:endParaRPr b="0" lang="en-US" sz="2500" spc="-1" strike="noStrike">
+            <a:endParaRPr lang="en-US" sz="2500" b="0" strike="noStrike" spc="-1">
               <a:solidFill>
                 <a:srgbClr val="000000"/>
               </a:solidFill>
@@ -9724,15 +10469,22 @@
           </a:ln>
         </p:spPr>
         <p:style>
-          <a:lnRef idx="0"/>
-          <a:fillRef idx="0"/>
-          <a:effectRef idx="0"/>
+          <a:lnRef idx="0">
+            <a:scrgbClr r="0" g="0" b="0"/>
+          </a:lnRef>
+          <a:fillRef idx="0">
+            <a:scrgbClr r="0" g="0" b="0"/>
+          </a:fillRef>
+          <a:effectRef idx="0">
+            <a:scrgbClr r="0" g="0" b="0"/>
+          </a:effectRef>
           <a:fontRef idx="minor"/>
         </p:style>
         <p:txBody>
-          <a:bodyPr lIns="0" rIns="0" tIns="12600" bIns="0" anchor="t">
+          <a:bodyPr lIns="0" tIns="12600" rIns="0" bIns="0" anchor="t">
             <a:spAutoFit/>
           </a:bodyPr>
+          <a:lstStyle/>
           <a:p>
             <a:pPr marL="12600">
               <a:lnSpc>
@@ -9743,7 +10495,7 @@
               </a:spcBef>
             </a:pPr>
             <a:r>
-              <a:rPr b="0" lang="en-US" sz="1100" spc="-1" strike="noStrike">
+              <a:rPr lang="en-US" sz="1100" b="0" strike="noStrike" spc="-1">
                 <a:solidFill>
                   <a:srgbClr val="000000"/>
                 </a:solidFill>
@@ -9752,7 +10504,7 @@
               <a:t>Трекшн,</a:t>
             </a:r>
             <a:r>
-              <a:rPr b="0" lang="en-US" sz="1100" spc="-46" strike="noStrike">
+              <a:rPr lang="en-US" sz="1100" b="0" strike="noStrike" spc="-46">
                 <a:solidFill>
                   <a:srgbClr val="000000"/>
                 </a:solidFill>
@@ -9761,7 +10513,7 @@
               <a:t> </a:t>
             </a:r>
             <a:r>
-              <a:rPr b="0" lang="en-US" sz="1100" spc="-1" strike="noStrike">
+              <a:rPr lang="en-US" sz="1100" b="0" strike="noStrike" spc="-1">
                 <a:solidFill>
                   <a:srgbClr val="000000"/>
                 </a:solidFill>
@@ -9770,7 +10522,7 @@
               <a:t>партнерства,</a:t>
             </a:r>
             <a:r>
-              <a:rPr b="0" lang="en-US" sz="1100" spc="-46" strike="noStrike">
+              <a:rPr lang="en-US" sz="1100" b="0" strike="noStrike" spc="-46">
                 <a:solidFill>
                   <a:srgbClr val="000000"/>
                 </a:solidFill>
@@ -9779,7 +10531,7 @@
               <a:t> </a:t>
             </a:r>
             <a:r>
-              <a:rPr b="0" lang="en-US" sz="1100" spc="-1" strike="noStrike">
+              <a:rPr lang="en-US" sz="1100" b="0" strike="noStrike" spc="-1">
                 <a:solidFill>
                   <a:srgbClr val="000000"/>
                 </a:solidFill>
@@ -9788,7 +10540,7 @@
               <a:t>выручка,</a:t>
             </a:r>
             <a:r>
-              <a:rPr b="0" lang="en-US" sz="1100" spc="-46" strike="noStrike">
+              <a:rPr lang="en-US" sz="1100" b="0" strike="noStrike" spc="-46">
                 <a:solidFill>
                   <a:srgbClr val="000000"/>
                 </a:solidFill>
@@ -9797,7 +10549,7 @@
               <a:t> </a:t>
             </a:r>
             <a:r>
-              <a:rPr b="0" lang="en-US" sz="1100" spc="-1" strike="noStrike">
+              <a:rPr lang="en-US" sz="1100" b="0" strike="noStrike" spc="-1">
                 <a:solidFill>
                   <a:srgbClr val="000000"/>
                 </a:solidFill>
@@ -9806,7 +10558,7 @@
               <a:t>количество</a:t>
             </a:r>
             <a:r>
-              <a:rPr b="0" lang="en-US" sz="1100" spc="-41" strike="noStrike">
+              <a:rPr lang="en-US" sz="1100" b="0" strike="noStrike" spc="-41">
                 <a:solidFill>
                   <a:srgbClr val="000000"/>
                 </a:solidFill>
@@ -9815,7 +10567,7 @@
               <a:t> </a:t>
             </a:r>
             <a:r>
-              <a:rPr b="0" lang="en-US" sz="1100" spc="-1" strike="noStrike">
+              <a:rPr lang="en-US" sz="1100" b="0" strike="noStrike" spc="-1">
                 <a:solidFill>
                   <a:srgbClr val="000000"/>
                 </a:solidFill>
@@ -9824,7 +10576,7 @@
               <a:t>клиентов,</a:t>
             </a:r>
             <a:r>
-              <a:rPr b="0" lang="en-US" sz="1100" spc="-46" strike="noStrike">
+              <a:rPr lang="en-US" sz="1100" b="0" strike="noStrike" spc="-46">
                 <a:solidFill>
                   <a:srgbClr val="000000"/>
                 </a:solidFill>
@@ -9833,7 +10585,7 @@
               <a:t> </a:t>
             </a:r>
             <a:r>
-              <a:rPr b="0" lang="en-US" sz="1100" spc="-1" strike="noStrike">
+              <a:rPr lang="en-US" sz="1100" b="0" strike="noStrike" spc="-1">
                 <a:solidFill>
                   <a:srgbClr val="000000"/>
                 </a:solidFill>
@@ -9842,7 +10594,7 @@
               <a:t>CAC</a:t>
             </a:r>
             <a:r>
-              <a:rPr b="0" lang="en-US" sz="1100" spc="-32" strike="noStrike">
+              <a:rPr lang="en-US" sz="1100" b="0" strike="noStrike" spc="-32">
                 <a:solidFill>
                   <a:srgbClr val="000000"/>
                 </a:solidFill>
@@ -9851,7 +10603,7 @@
               <a:t> </a:t>
             </a:r>
             <a:r>
-              <a:rPr b="0" lang="en-US" sz="1100" spc="-1" strike="noStrike">
+              <a:rPr lang="en-US" sz="1100" b="0" strike="noStrike" spc="-1">
                 <a:solidFill>
                   <a:srgbClr val="000000"/>
                 </a:solidFill>
@@ -9860,7 +10612,7 @@
               <a:t>-</a:t>
             </a:r>
             <a:r>
-              <a:rPr b="0" lang="en-US" sz="1100" spc="-41" strike="noStrike">
+              <a:rPr lang="en-US" sz="1100" b="0" strike="noStrike" spc="-41">
                 <a:solidFill>
                   <a:srgbClr val="000000"/>
                 </a:solidFill>
@@ -9869,7 +10621,7 @@
               <a:t> </a:t>
             </a:r>
             <a:r>
-              <a:rPr b="0" lang="en-US" sz="1100" spc="-26" strike="noStrike">
+              <a:rPr lang="en-US" sz="1100" b="0" strike="noStrike" spc="-26">
                 <a:solidFill>
                   <a:srgbClr val="000000"/>
                 </a:solidFill>
@@ -9877,7 +10629,7 @@
               </a:rPr>
               <a:t>LTV</a:t>
             </a:r>
-            <a:endParaRPr b="0" lang="en-US" sz="1100" spc="-1" strike="noStrike">
+            <a:endParaRPr lang="en-US" sz="1100" b="0" strike="noStrike" spc="-1">
               <a:solidFill>
                 <a:srgbClr val="000000"/>
               </a:solidFill>
@@ -9888,11 +10640,14 @@
       </p:sp>
     </p:spTree>
   </p:cSld>
-  <mc:AlternateContent>
+  <p:clrMapOvr>
+    <a:masterClrMapping/>
+  </p:clrMapOvr>
+  <mc:AlternateContent xmlns:mc="http://schemas.openxmlformats.org/markup-compatibility/2006" xmlns:p14="http://schemas.microsoft.com/office/powerpoint/2010/main">
     <mc:Choice Requires="p14">
       <p:transition spd="slow" p14:dur="2000"/>
     </mc:Choice>
-    <mc:Fallback>
+    <mc:Fallback xmlns:p15="http://schemas.microsoft.com/office/powerpoint/2012/main" xmlns="">
       <p:transition spd="slow"/>
     </mc:Fallback>
   </mc:AlternateContent>
@@ -9900,7 +10655,7 @@
 </file>
 
 <file path=ppt/slides/slide9.xml><?xml version="1.0" encoding="utf-8"?>
-<p:sld xmlns:a="http://schemas.openxmlformats.org/drawingml/2006/main" xmlns:p="http://schemas.openxmlformats.org/presentationml/2006/main" xmlns:r="http://schemas.openxmlformats.org/officeDocument/2006/relationships" xmlns:p14="http://schemas.microsoft.com/office/powerpoint/2010/main" xmlns:p15="http://schemas.microsoft.com/office/powerpoint/2012/main" xmlns:mc="http://schemas.openxmlformats.org/markup-compatibility/2006" showMasterSp="0">
+<p:sld xmlns:a="http://schemas.openxmlformats.org/drawingml/2006/main" xmlns:r="http://schemas.openxmlformats.org/officeDocument/2006/relationships" xmlns:p="http://schemas.openxmlformats.org/presentationml/2006/main" showMasterSp="0">
   <p:cSld>
     <p:spTree>
       <p:nvGrpSpPr>
@@ -9940,9 +10695,10 @@
           </a:ln>
         </p:spPr>
         <p:txBody>
-          <a:bodyPr lIns="0" rIns="0" tIns="12600" bIns="0" anchor="t">
+          <a:bodyPr lIns="0" tIns="12600" rIns="0" bIns="0" anchor="t">
             <a:noAutofit/>
           </a:bodyPr>
+          <a:lstStyle/>
           <a:p>
             <a:pPr marL="12600" indent="0">
               <a:lnSpc>
@@ -9953,11 +10709,11 @@
               </a:spcBef>
               <a:buNone/>
               <a:tabLst>
-                <a:tab algn="l" pos="0"/>
+                <a:tab pos="0" algn="l"/>
               </a:tabLst>
             </a:pPr>
             <a:r>
-              <a:rPr b="0" lang="en-US" sz="2500" spc="-1" strike="noStrike">
+              <a:rPr lang="en-US" sz="2500" b="0" strike="noStrike" spc="-1">
                 <a:solidFill>
                   <a:schemeClr val="dk1"/>
                 </a:solidFill>
@@ -9966,7 +10722,7 @@
               <a:t>Команда</a:t>
             </a:r>
             <a:r>
-              <a:rPr b="0" lang="en-US" sz="2500" spc="-66" strike="noStrike">
+              <a:rPr lang="en-US" sz="2500" b="0" strike="noStrike" spc="-66">
                 <a:solidFill>
                   <a:schemeClr val="dk1"/>
                 </a:solidFill>
@@ -9975,7 +10731,7 @@
               <a:t> </a:t>
             </a:r>
             <a:r>
-              <a:rPr b="0" lang="en-US" sz="2500" spc="-1" strike="noStrike">
+              <a:rPr lang="en-US" sz="2500" b="0" strike="noStrike" spc="-1">
                 <a:solidFill>
                   <a:schemeClr val="dk1"/>
                 </a:solidFill>
@@ -9984,7 +10740,7 @@
               <a:t>+</a:t>
             </a:r>
             <a:r>
-              <a:rPr b="0" lang="en-US" sz="2500" spc="-55" strike="noStrike">
+              <a:rPr lang="en-US" sz="2500" b="0" strike="noStrike" spc="-55">
                 <a:solidFill>
                   <a:schemeClr val="dk1"/>
                 </a:solidFill>
@@ -9993,7 +10749,7 @@
               <a:t> </a:t>
             </a:r>
             <a:r>
-              <a:rPr b="0" lang="en-US" sz="2500" spc="-21" strike="noStrike">
+              <a:rPr lang="en-US" sz="2500" b="0" strike="noStrike" spc="-21">
                 <a:solidFill>
                   <a:schemeClr val="dk1"/>
                 </a:solidFill>
@@ -10001,7 +10757,7 @@
               </a:rPr>
               <a:t>Борд</a:t>
             </a:r>
-            <a:endParaRPr b="0" lang="en-US" sz="2500" spc="-1" strike="noStrike">
+            <a:endParaRPr lang="en-US" sz="2500" b="0" strike="noStrike" spc="-1">
               <a:solidFill>
                 <a:srgbClr val="000000"/>
               </a:solidFill>
@@ -10030,15 +10786,22 @@
           </a:ln>
         </p:spPr>
         <p:style>
-          <a:lnRef idx="0"/>
-          <a:fillRef idx="0"/>
-          <a:effectRef idx="0"/>
+          <a:lnRef idx="0">
+            <a:scrgbClr r="0" g="0" b="0"/>
+          </a:lnRef>
+          <a:fillRef idx="0">
+            <a:scrgbClr r="0" g="0" b="0"/>
+          </a:fillRef>
+          <a:effectRef idx="0">
+            <a:scrgbClr r="0" g="0" b="0"/>
+          </a:effectRef>
           <a:fontRef idx="minor"/>
         </p:style>
         <p:txBody>
-          <a:bodyPr lIns="0" rIns="0" tIns="12600" bIns="0" anchor="t">
+          <a:bodyPr lIns="0" tIns="12600" rIns="0" bIns="0" anchor="t">
             <a:spAutoFit/>
           </a:bodyPr>
+          <a:lstStyle/>
           <a:p>
             <a:pPr marL="12600">
               <a:lnSpc>
@@ -10049,7 +10812,7 @@
               </a:spcBef>
             </a:pPr>
             <a:r>
-              <a:rPr b="0" lang="en-US" sz="1100" spc="-1" strike="noStrike">
+              <a:rPr lang="en-US" sz="1100" b="0" strike="noStrike" spc="-1">
                 <a:solidFill>
                   <a:srgbClr val="000000"/>
                 </a:solidFill>
@@ -10058,7 +10821,7 @@
               <a:t>Команда</a:t>
             </a:r>
             <a:r>
-              <a:rPr b="0" lang="en-US" sz="1100" spc="-32" strike="noStrike">
+              <a:rPr lang="en-US" sz="1100" b="0" strike="noStrike" spc="-32">
                 <a:solidFill>
                   <a:srgbClr val="000000"/>
                 </a:solidFill>
@@ -10067,7 +10830,7 @@
               <a:t> </a:t>
             </a:r>
             <a:r>
-              <a:rPr b="0" lang="en-US" sz="1100" spc="-1" strike="noStrike">
+              <a:rPr lang="en-US" sz="1100" b="0" strike="noStrike" spc="-1">
                 <a:solidFill>
                   <a:srgbClr val="000000"/>
                 </a:solidFill>
@@ -10076,7 +10839,7 @@
               <a:t>проекта</a:t>
             </a:r>
             <a:r>
-              <a:rPr b="0" lang="en-US" sz="1100" spc="-32" strike="noStrike">
+              <a:rPr lang="en-US" sz="1100" b="0" strike="noStrike" spc="-32">
                 <a:solidFill>
                   <a:srgbClr val="000000"/>
                 </a:solidFill>
@@ -10085,7 +10848,7 @@
               <a:t> </a:t>
             </a:r>
             <a:r>
-              <a:rPr b="0" lang="en-US" sz="1100" spc="-1" strike="noStrike">
+              <a:rPr lang="en-US" sz="1100" b="0" strike="noStrike" spc="-1">
                 <a:solidFill>
                   <a:srgbClr val="000000"/>
                 </a:solidFill>
@@ -10094,7 +10857,7 @@
               <a:t>+</a:t>
             </a:r>
             <a:r>
-              <a:rPr b="0" lang="en-US" sz="1100" spc="-41" strike="noStrike">
+              <a:rPr lang="en-US" sz="1100" b="0" strike="noStrike" spc="-41">
                 <a:solidFill>
                   <a:srgbClr val="000000"/>
                 </a:solidFill>
@@ -10103,7 +10866,7 @@
               <a:t> </a:t>
             </a:r>
             <a:r>
-              <a:rPr b="0" lang="en-US" sz="1100" spc="-12" strike="noStrike">
+              <a:rPr lang="en-US" sz="1100" b="0" strike="noStrike" spc="-12">
                 <a:solidFill>
                   <a:srgbClr val="000000"/>
                 </a:solidFill>
@@ -10112,7 +10875,7 @@
               <a:t>бэкграунд </a:t>
             </a:r>
             <a:r>
-              <a:rPr b="0" lang="en-US" sz="1100" spc="-1" strike="noStrike">
+              <a:rPr lang="en-US" sz="1100" b="0" strike="noStrike" spc="-1">
                 <a:solidFill>
                   <a:srgbClr val="000000"/>
                 </a:solidFill>
@@ -10121,7 +10884,7 @@
               <a:t>Текущие</a:t>
             </a:r>
             <a:r>
-              <a:rPr b="0" lang="en-US" sz="1100" spc="-46" strike="noStrike">
+              <a:rPr lang="en-US" sz="1100" b="0" strike="noStrike" spc="-46">
                 <a:solidFill>
                   <a:srgbClr val="000000"/>
                 </a:solidFill>
@@ -10130,7 +10893,7 @@
               <a:t> </a:t>
             </a:r>
             <a:r>
-              <a:rPr b="0" lang="en-US" sz="1100" spc="-1" strike="noStrike">
+              <a:rPr lang="en-US" sz="1100" b="0" strike="noStrike" spc="-1">
                 <a:solidFill>
                   <a:srgbClr val="000000"/>
                 </a:solidFill>
@@ -10139,7 +10902,7 @@
               <a:t>инвесторы,</a:t>
             </a:r>
             <a:r>
-              <a:rPr b="0" lang="en-US" sz="1100" spc="-52" strike="noStrike">
+              <a:rPr lang="en-US" sz="1100" b="0" strike="noStrike" spc="-52">
                 <a:solidFill>
                   <a:srgbClr val="000000"/>
                 </a:solidFill>
@@ -10148,7 +10911,7 @@
               <a:t> </a:t>
             </a:r>
             <a:r>
-              <a:rPr b="0" lang="en-US" sz="1100" spc="-12" strike="noStrike">
+              <a:rPr lang="en-US" sz="1100" b="0" strike="noStrike" spc="-12">
                 <a:solidFill>
                   <a:srgbClr val="000000"/>
                 </a:solidFill>
@@ -10156,7 +10919,7 @@
               </a:rPr>
               <a:t>эдвайзеры</a:t>
             </a:r>
-            <a:endParaRPr b="0" lang="en-US" sz="1100" spc="-1" strike="noStrike">
+            <a:endParaRPr lang="en-US" sz="1100" b="0" strike="noStrike" spc="-1">
               <a:solidFill>
                 <a:srgbClr val="000000"/>
               </a:solidFill>
@@ -10167,11 +10930,14 @@
       </p:sp>
     </p:spTree>
   </p:cSld>
-  <mc:AlternateContent>
+  <p:clrMapOvr>
+    <a:masterClrMapping/>
+  </p:clrMapOvr>
+  <mc:AlternateContent xmlns:mc="http://schemas.openxmlformats.org/markup-compatibility/2006" xmlns:p14="http://schemas.microsoft.com/office/powerpoint/2010/main">
     <mc:Choice Requires="p14">
       <p:transition spd="slow" p14:dur="2000"/>
     </mc:Choice>
-    <mc:Fallback>
+    <mc:Fallback xmlns:p15="http://schemas.microsoft.com/office/powerpoint/2012/main" xmlns="">
       <p:transition spd="slow"/>
     </mc:Fallback>
   </mc:AlternateContent>
@@ -10179,41 +10945,41 @@
 </file>
 
 <file path=ppt/theme/theme1.xml><?xml version="1.0" encoding="utf-8"?>
-<a:theme xmlns:a="http://schemas.openxmlformats.org/drawingml/2006/main" xmlns:r="http://schemas.openxmlformats.org/officeDocument/2006/relationships" name="Office Theme">
+<a:theme xmlns:a="http://schemas.openxmlformats.org/drawingml/2006/main" name="Office Theme">
   <a:themeElements>
     <a:clrScheme name="Office">
       <a:dk1>
         <a:srgbClr val="000000"/>
       </a:dk1>
       <a:lt1>
-        <a:srgbClr val="ffffff"/>
+        <a:srgbClr val="FFFFFF"/>
       </a:lt1>
       <a:dk2>
-        <a:srgbClr val="1f497d"/>
+        <a:srgbClr val="1F497D"/>
       </a:dk2>
       <a:lt2>
-        <a:srgbClr val="eeece1"/>
+        <a:srgbClr val="EEECE1"/>
       </a:lt2>
       <a:accent1>
-        <a:srgbClr val="4f81bd"/>
+        <a:srgbClr val="4F81BD"/>
       </a:accent1>
       <a:accent2>
-        <a:srgbClr val="c0504d"/>
+        <a:srgbClr val="C0504D"/>
       </a:accent2>
       <a:accent3>
-        <a:srgbClr val="9bbb59"/>
+        <a:srgbClr val="9BBB59"/>
       </a:accent3>
       <a:accent4>
-        <a:srgbClr val="8064a2"/>
+        <a:srgbClr val="8064A2"/>
       </a:accent4>
       <a:accent5>
-        <a:srgbClr val="4bacc6"/>
+        <a:srgbClr val="4BACC6"/>
       </a:accent5>
       <a:accent6>
-        <a:srgbClr val="f79646"/>
+        <a:srgbClr val="F79646"/>
       </a:accent6>
       <a:hlink>
-        <a:srgbClr val="0000ff"/>
+        <a:srgbClr val="0000FF"/>
       </a:hlink>
       <a:folHlink>
         <a:srgbClr val="800080"/>
@@ -10221,12 +10987,12 @@
     </a:clrScheme>
     <a:fontScheme name="Office">
       <a:majorFont>
-        <a:latin typeface="Calibri" pitchFamily="0" charset="1"/>
+        <a:latin typeface="Calibri"/>
         <a:ea typeface=""/>
         <a:cs typeface=""/>
       </a:majorFont>
       <a:minorFont>
-        <a:latin typeface="Calibri" pitchFamily="0" charset="1"/>
+        <a:latin typeface="Calibri"/>
         <a:ea typeface=""/>
         <a:cs typeface=""/>
       </a:minorFont>
@@ -10255,7 +11021,7 @@
             </a:gs>
           </a:gsLst>
           <a:lin ang="16200000" scaled="1"/>
-          <a:tileRect l="0" t="0" r="0" b="0"/>
+          <a:tileRect/>
         </a:gradFill>
         <a:gradFill>
           <a:gsLst>
@@ -10276,7 +11042,7 @@
             </a:gs>
           </a:gsLst>
           <a:lin ang="16200000" scaled="0"/>
-          <a:tileRect l="0" t="0" r="0" b="0"/>
+          <a:tileRect/>
         </a:gradFill>
       </a:fillStyleLst>
       <a:lnStyleLst>
@@ -10327,7 +11093,7 @@
           <a:path path="circle">
             <a:fillToRect l="50000" t="-80000" r="50000" b="180000"/>
           </a:path>
-          <a:tileRect l="0" t="0" r="0" b="0"/>
+          <a:tileRect/>
         </a:gradFill>
         <a:gradFill>
           <a:gsLst>
@@ -10345,50 +11111,52 @@
           <a:path path="circle">
             <a:fillToRect l="50000" t="50000" r="50000" b="50000"/>
           </a:path>
-          <a:tileRect l="0" t="0" r="0" b="0"/>
+          <a:tileRect/>
         </a:gradFill>
       </a:bgFillStyleLst>
     </a:fmtScheme>
   </a:themeElements>
+  <a:objectDefaults/>
+  <a:extraClrSchemeLst/>
 </a:theme>
 </file>
 
 <file path=ppt/theme/theme2.xml><?xml version="1.0" encoding="utf-8"?>
-<a:theme xmlns:a="http://schemas.openxmlformats.org/drawingml/2006/main" xmlns:r="http://schemas.openxmlformats.org/officeDocument/2006/relationships" name="Office Theme">
+<a:theme xmlns:a="http://schemas.openxmlformats.org/drawingml/2006/main" name="Office Theme">
   <a:themeElements>
     <a:clrScheme name="Office">
       <a:dk1>
         <a:srgbClr val="000000"/>
       </a:dk1>
       <a:lt1>
-        <a:srgbClr val="ffffff"/>
+        <a:srgbClr val="FFFFFF"/>
       </a:lt1>
       <a:dk2>
-        <a:srgbClr val="1f497d"/>
+        <a:srgbClr val="1F497D"/>
       </a:dk2>
       <a:lt2>
-        <a:srgbClr val="eeece1"/>
+        <a:srgbClr val="EEECE1"/>
       </a:lt2>
       <a:accent1>
-        <a:srgbClr val="4f81bd"/>
+        <a:srgbClr val="4F81BD"/>
       </a:accent1>
       <a:accent2>
-        <a:srgbClr val="c0504d"/>
+        <a:srgbClr val="C0504D"/>
       </a:accent2>
       <a:accent3>
-        <a:srgbClr val="9bbb59"/>
+        <a:srgbClr val="9BBB59"/>
       </a:accent3>
       <a:accent4>
-        <a:srgbClr val="8064a2"/>
+        <a:srgbClr val="8064A2"/>
       </a:accent4>
       <a:accent5>
-        <a:srgbClr val="4bacc6"/>
+        <a:srgbClr val="4BACC6"/>
       </a:accent5>
       <a:accent6>
-        <a:srgbClr val="f79646"/>
+        <a:srgbClr val="F79646"/>
       </a:accent6>
       <a:hlink>
-        <a:srgbClr val="0000ff"/>
+        <a:srgbClr val="0000FF"/>
       </a:hlink>
       <a:folHlink>
         <a:srgbClr val="800080"/>
@@ -10396,12 +11164,12 @@
     </a:clrScheme>
     <a:fontScheme name="Office">
       <a:majorFont>
-        <a:latin typeface="Calibri" pitchFamily="0" charset="1"/>
+        <a:latin typeface="Calibri"/>
         <a:ea typeface=""/>
         <a:cs typeface=""/>
       </a:majorFont>
       <a:minorFont>
-        <a:latin typeface="Calibri" pitchFamily="0" charset="1"/>
+        <a:latin typeface="Calibri"/>
         <a:ea typeface=""/>
         <a:cs typeface=""/>
       </a:minorFont>
@@ -10430,7 +11198,7 @@
             </a:gs>
           </a:gsLst>
           <a:lin ang="16200000" scaled="1"/>
-          <a:tileRect l="0" t="0" r="0" b="0"/>
+          <a:tileRect/>
         </a:gradFill>
         <a:gradFill>
           <a:gsLst>
@@ -10451,7 +11219,7 @@
             </a:gs>
           </a:gsLst>
           <a:lin ang="16200000" scaled="0"/>
-          <a:tileRect l="0" t="0" r="0" b="0"/>
+          <a:tileRect/>
         </a:gradFill>
       </a:fillStyleLst>
       <a:lnStyleLst>
@@ -10502,7 +11270,7 @@
           <a:path path="circle">
             <a:fillToRect l="50000" t="-80000" r="50000" b="180000"/>
           </a:path>
-          <a:tileRect l="0" t="0" r="0" b="0"/>
+          <a:tileRect/>
         </a:gradFill>
         <a:gradFill>
           <a:gsLst>
@@ -10520,10 +11288,12 @@
           <a:path path="circle">
             <a:fillToRect l="50000" t="50000" r="50000" b="50000"/>
           </a:path>
-          <a:tileRect l="0" t="0" r="0" b="0"/>
+          <a:tileRect/>
         </a:gradFill>
       </a:bgFillStyleLst>
     </a:fmtScheme>
   </a:themeElements>
+  <a:objectDefaults/>
+  <a:extraClrSchemeLst/>
 </a:theme>
 </file>